--- a/grade10/quarter3/temp_pptx.pptx
+++ b/grade10/quarter3/temp_pptx.pptx
@@ -5,37 +5,27 @@
     <p:sldMasterId id="2147483648" r:id="rId1"/>
   </p:sldMasterIdLst>
   <p:notesMasterIdLst>
-    <p:notesMasterId r:id="rId25"/>
+    <p:notesMasterId r:id="rId15"/>
   </p:notesMasterIdLst>
   <p:sldIdLst>
     <p:sldId id="576" r:id="rId2"/>
     <p:sldId id="573" r:id="rId3"/>
     <p:sldId id="575" r:id="rId4"/>
-    <p:sldId id="577" r:id="rId5"/>
-    <p:sldId id="578" r:id="rId6"/>
-    <p:sldId id="579" r:id="rId7"/>
-    <p:sldId id="580" r:id="rId8"/>
-    <p:sldId id="581" r:id="rId9"/>
-    <p:sldId id="582" r:id="rId10"/>
-    <p:sldId id="583" r:id="rId11"/>
-    <p:sldId id="584" r:id="rId12"/>
-    <p:sldId id="585" r:id="rId13"/>
-    <p:sldId id="586" r:id="rId14"/>
-    <p:sldId id="587" r:id="rId15"/>
-    <p:sldId id="588" r:id="rId16"/>
-    <p:sldId id="589" r:id="rId17"/>
-    <p:sldId id="590" r:id="rId18"/>
-    <p:sldId id="591" r:id="rId19"/>
-    <p:sldId id="592" r:id="rId20"/>
-    <p:sldId id="593" r:id="rId21"/>
-    <p:sldId id="594" r:id="rId22"/>
-    <p:sldId id="595" r:id="rId23"/>
-    <p:sldId id="597" r:id="rId24"/>
+    <p:sldId id="579" r:id="rId5"/>
+    <p:sldId id="580" r:id="rId6"/>
+    <p:sldId id="581" r:id="rId7"/>
+    <p:sldId id="582" r:id="rId8"/>
+    <p:sldId id="583" r:id="rId9"/>
+    <p:sldId id="584" r:id="rId10"/>
+    <p:sldId id="585" r:id="rId11"/>
+    <p:sldId id="586" r:id="rId12"/>
+    <p:sldId id="587" r:id="rId13"/>
+    <p:sldId id="588" r:id="rId14"/>
   </p:sldIdLst>
   <p:sldSz cx="9144000" cy="6858000" type="screen4x3"/>
   <p:notesSz cx="6858000" cy="9144000"/>
   <p:custDataLst>
-    <p:tags r:id="rId26"/>
+    <p:tags r:id="rId16"/>
   </p:custDataLst>
   <p:defaultTextStyle>
     <a:defPPr>
@@ -211,7 +201,7 @@
           <p:cNvPr id="6146" name="Rectangle 2">
             <a:extLst>
               <a:ext uri="{FF2B5EF4-FFF2-40B4-BE49-F238E27FC236}">
-                <a16:creationId xmlns:a16="http://schemas.microsoft.com/office/drawing/2014/main" xmlns="" id="{31278E08-AA64-419B-A170-EA163FDD6554}"/>
+                <a16:creationId xmlns:a16="http://schemas.microsoft.com/office/drawing/2014/main" id="{31278E08-AA64-419B-A170-EA163FDD6554}"/>
               </a:ext>
             </a:extLst>
           </p:cNvPr>
@@ -265,7 +255,7 @@
           <p:cNvPr id="6147" name="Rectangle 3">
             <a:extLst>
               <a:ext uri="{FF2B5EF4-FFF2-40B4-BE49-F238E27FC236}">
-                <a16:creationId xmlns:a16="http://schemas.microsoft.com/office/drawing/2014/main" xmlns="" id="{B58ABC1C-6761-42B0-9FFB-A7EE7BCCD76D}"/>
+                <a16:creationId xmlns:a16="http://schemas.microsoft.com/office/drawing/2014/main" id="{B58ABC1C-6761-42B0-9FFB-A7EE7BCCD76D}"/>
               </a:ext>
             </a:extLst>
           </p:cNvPr>
@@ -319,7 +309,7 @@
           <p:cNvPr id="139268" name="Rectangle 4">
             <a:extLst>
               <a:ext uri="{FF2B5EF4-FFF2-40B4-BE49-F238E27FC236}">
-                <a16:creationId xmlns:a16="http://schemas.microsoft.com/office/drawing/2014/main" xmlns="" id="{1C53ECE7-6942-41DD-9343-3FD04C53D24D}"/>
+                <a16:creationId xmlns:a16="http://schemas.microsoft.com/office/drawing/2014/main" id="{1C53ECE7-6942-41DD-9343-3FD04C53D24D}"/>
               </a:ext>
             </a:extLst>
           </p:cNvPr>
@@ -363,7 +353,7 @@
           <p:cNvPr id="6149" name="Rectangle 5">
             <a:extLst>
               <a:ext uri="{FF2B5EF4-FFF2-40B4-BE49-F238E27FC236}">
-                <a16:creationId xmlns:a16="http://schemas.microsoft.com/office/drawing/2014/main" xmlns="" id="{CA23AA34-17EF-49FF-991D-061512522721}"/>
+                <a16:creationId xmlns:a16="http://schemas.microsoft.com/office/drawing/2014/main" id="{CA23AA34-17EF-49FF-991D-061512522721}"/>
               </a:ext>
             </a:extLst>
           </p:cNvPr>
@@ -440,7 +430,7 @@
           <p:cNvPr id="6150" name="Rectangle 6">
             <a:extLst>
               <a:ext uri="{FF2B5EF4-FFF2-40B4-BE49-F238E27FC236}">
-                <a16:creationId xmlns:a16="http://schemas.microsoft.com/office/drawing/2014/main" xmlns="" id="{FA68D804-9D2A-4B35-A705-4D87B93C9451}"/>
+                <a16:creationId xmlns:a16="http://schemas.microsoft.com/office/drawing/2014/main" id="{FA68D804-9D2A-4B35-A705-4D87B93C9451}"/>
               </a:ext>
             </a:extLst>
           </p:cNvPr>
@@ -494,7 +484,7 @@
           <p:cNvPr id="6151" name="Rectangle 7">
             <a:extLst>
               <a:ext uri="{FF2B5EF4-FFF2-40B4-BE49-F238E27FC236}">
-                <a16:creationId xmlns:a16="http://schemas.microsoft.com/office/drawing/2014/main" xmlns="" id="{6653A8D1-C317-4086-B912-D2B8FFBEF603}"/>
+                <a16:creationId xmlns:a16="http://schemas.microsoft.com/office/drawing/2014/main" id="{6653A8D1-C317-4086-B912-D2B8FFBEF603}"/>
               </a:ext>
             </a:extLst>
           </p:cNvPr>
@@ -761,90 +751,6 @@
 </p:notes>
 </file>
 
-<file path=ppt/notesSlides/notesSlide10.xml><?xml version="1.0" encoding="utf-8"?>
-<p:notes xmlns:a="http://schemas.openxmlformats.org/drawingml/2006/main" xmlns:r="http://schemas.openxmlformats.org/officeDocument/2006/relationships" xmlns:p="http://schemas.openxmlformats.org/presentationml/2006/main">
-  <p:cSld>
-    <p:spTree>
-      <p:nvGrpSpPr>
-        <p:cNvPr id="1" name=""/>
-        <p:cNvGrpSpPr/>
-        <p:nvPr/>
-      </p:nvGrpSpPr>
-      <p:grpSpPr>
-        <a:xfrm>
-          <a:off x="0" y="0"/>
-          <a:ext cx="0" cy="0"/>
-          <a:chOff x="0" y="0"/>
-          <a:chExt cx="0" cy="0"/>
-        </a:xfrm>
-      </p:grpSpPr>
-      <p:sp>
-        <p:nvSpPr>
-          <p:cNvPr id="2" name="Образ слайда 1"/>
-          <p:cNvSpPr>
-            <a:spLocks noGrp="1" noRot="1" noChangeAspect="1"/>
-          </p:cNvSpPr>
-          <p:nvPr>
-            <p:ph type="sldImg"/>
-          </p:nvPr>
-        </p:nvSpPr>
-        <p:spPr/>
-      </p:sp>
-      <p:sp>
-        <p:nvSpPr>
-          <p:cNvPr id="3" name="Заметки 2"/>
-          <p:cNvSpPr>
-            <a:spLocks noGrp="1"/>
-          </p:cNvSpPr>
-          <p:nvPr>
-            <p:ph type="body" idx="1"/>
-          </p:nvPr>
-        </p:nvSpPr>
-        <p:spPr/>
-        <p:txBody>
-          <a:bodyPr/>
-          <a:lstStyle/>
-          <a:p>
-            <a:endParaRPr lang="en-US" dirty="0" smtClean="0"/>
-          </a:p>
-        </p:txBody>
-      </p:sp>
-      <p:sp>
-        <p:nvSpPr>
-          <p:cNvPr id="4" name="Номер слайда 3"/>
-          <p:cNvSpPr>
-            <a:spLocks noGrp="1"/>
-          </p:cNvSpPr>
-          <p:nvPr>
-            <p:ph type="sldNum" sz="quarter" idx="10"/>
-          </p:nvPr>
-        </p:nvSpPr>
-        <p:spPr/>
-        <p:txBody>
-          <a:bodyPr/>
-          <a:lstStyle/>
-          <a:p>
-            <a:fld id="{B7A6EFD4-6523-4240-BB2C-63C9708A2444}" type="slidenum">
-              <a:rPr lang="ru-RU" smtClean="0"/>
-              <a:t>23</a:t>
-            </a:fld>
-            <a:endParaRPr lang="ru-RU"/>
-          </a:p>
-        </p:txBody>
-      </p:sp>
-    </p:spTree>
-    <p:extLst>
-      <p:ext uri="{BB962C8B-B14F-4D97-AF65-F5344CB8AC3E}">
-        <p14:creationId xmlns:p14="http://schemas.microsoft.com/office/powerpoint/2010/main" val="2498419305"/>
-      </p:ext>
-    </p:extLst>
-  </p:cSld>
-  <p:clrMapOvr>
-    <a:masterClrMapping/>
-  </p:clrMapOvr>
-</p:notes>
-</file>
-
 <file path=ppt/notesSlides/notesSlide2.xml><?xml version="1.0" encoding="utf-8"?>
 <p:notes xmlns:a="http://schemas.openxmlformats.org/drawingml/2006/main" xmlns:r="http://schemas.openxmlformats.org/officeDocument/2006/relationships" xmlns:p="http://schemas.openxmlformats.org/presentationml/2006/main">
   <p:cSld>
@@ -910,7 +816,7 @@
           <a:p>
             <a:fld id="{496FEC38-3E17-40A3-AF1F-C5E17705872E}" type="slidenum">
               <a:rPr lang="ru-RU" smtClean="0"/>
-              <a:t>8</a:t>
+              <a:t>6</a:t>
             </a:fld>
             <a:endParaRPr lang="ru-RU"/>
           </a:p>
@@ -994,7 +900,7 @@
           <a:p>
             <a:fld id="{496FEC38-3E17-40A3-AF1F-C5E17705872E}" type="slidenum">
               <a:rPr lang="ru-RU" smtClean="0"/>
-              <a:t>9</a:t>
+              <a:t>7</a:t>
             </a:fld>
             <a:endParaRPr lang="ru-RU"/>
           </a:p>
@@ -1078,7 +984,7 @@
           <a:p>
             <a:fld id="{496FEC38-3E17-40A3-AF1F-C5E17705872E}" type="slidenum">
               <a:rPr lang="ru-RU" smtClean="0"/>
-              <a:t>10</a:t>
+              <a:t>8</a:t>
             </a:fld>
             <a:endParaRPr lang="ru-RU"/>
           </a:p>
@@ -1162,7 +1068,7 @@
           <a:p>
             <a:fld id="{496FEC38-3E17-40A3-AF1F-C5E17705872E}" type="slidenum">
               <a:rPr lang="ru-RU" smtClean="0"/>
-              <a:t>11</a:t>
+              <a:t>9</a:t>
             </a:fld>
             <a:endParaRPr lang="ru-RU"/>
           </a:p>
@@ -1246,7 +1152,7 @@
           <a:p>
             <a:fld id="{496FEC38-3E17-40A3-AF1F-C5E17705872E}" type="slidenum">
               <a:rPr lang="ru-RU" smtClean="0"/>
-              <a:t>12</a:t>
+              <a:t>10</a:t>
             </a:fld>
             <a:endParaRPr lang="ru-RU"/>
           </a:p>
@@ -1330,7 +1236,7 @@
           <a:p>
             <a:fld id="{496FEC38-3E17-40A3-AF1F-C5E17705872E}" type="slidenum">
               <a:rPr lang="ru-RU" smtClean="0"/>
-              <a:t>13</a:t>
+              <a:t>11</a:t>
             </a:fld>
             <a:endParaRPr lang="ru-RU"/>
           </a:p>
@@ -1414,7 +1320,7 @@
           <a:p>
             <a:fld id="{496FEC38-3E17-40A3-AF1F-C5E17705872E}" type="slidenum">
               <a:rPr lang="ru-RU" smtClean="0"/>
-              <a:t>14</a:t>
+              <a:t>12</a:t>
             </a:fld>
             <a:endParaRPr lang="ru-RU"/>
           </a:p>
@@ -1498,7 +1404,7 @@
           <a:p>
             <a:fld id="{496FEC38-3E17-40A3-AF1F-C5E17705872E}" type="slidenum">
               <a:rPr lang="ru-RU" smtClean="0"/>
-              <a:t>15</a:t>
+              <a:t>13</a:t>
             </a:fld>
             <a:endParaRPr lang="ru-RU"/>
           </a:p>
@@ -1539,7 +1445,7 @@
           <p:cNvPr id="4" name="Прямоугольник 3">
             <a:extLst>
               <a:ext uri="{FF2B5EF4-FFF2-40B4-BE49-F238E27FC236}">
-                <a16:creationId xmlns:a16="http://schemas.microsoft.com/office/drawing/2014/main" xmlns="" id="{91851F76-A3F7-4F7F-8955-A0CF22AA2280}"/>
+                <a16:creationId xmlns:a16="http://schemas.microsoft.com/office/drawing/2014/main" id="{91851F76-A3F7-4F7F-8955-A0CF22AA2280}"/>
               </a:ext>
             </a:extLst>
           </p:cNvPr>
@@ -1735,7 +1641,7 @@
           <p:cNvPr id="5" name="Rectangle 4">
             <a:extLst>
               <a:ext uri="{FF2B5EF4-FFF2-40B4-BE49-F238E27FC236}">
-                <a16:creationId xmlns:a16="http://schemas.microsoft.com/office/drawing/2014/main" xmlns="" id="{D269B732-484B-4D61-AA5E-E349F94C4FAD}"/>
+                <a16:creationId xmlns:a16="http://schemas.microsoft.com/office/drawing/2014/main" id="{D269B732-484B-4D61-AA5E-E349F94C4FAD}"/>
               </a:ext>
             </a:extLst>
           </p:cNvPr>
@@ -1767,7 +1673,7 @@
           <p:cNvPr id="6" name="Rectangle 5">
             <a:extLst>
               <a:ext uri="{FF2B5EF4-FFF2-40B4-BE49-F238E27FC236}">
-                <a16:creationId xmlns:a16="http://schemas.microsoft.com/office/drawing/2014/main" xmlns="" id="{7A08A088-65C2-46A6-BDA0-0BA1309E4AA8}"/>
+                <a16:creationId xmlns:a16="http://schemas.microsoft.com/office/drawing/2014/main" id="{7A08A088-65C2-46A6-BDA0-0BA1309E4AA8}"/>
               </a:ext>
             </a:extLst>
           </p:cNvPr>
@@ -1799,7 +1705,7 @@
           <p:cNvPr id="7" name="Rectangle 6">
             <a:extLst>
               <a:ext uri="{FF2B5EF4-FFF2-40B4-BE49-F238E27FC236}">
-                <a16:creationId xmlns:a16="http://schemas.microsoft.com/office/drawing/2014/main" xmlns="" id="{2EB04106-EA43-4FD2-8EC2-D8C9B3571D68}"/>
+                <a16:creationId xmlns:a16="http://schemas.microsoft.com/office/drawing/2014/main" id="{2EB04106-EA43-4FD2-8EC2-D8C9B3571D68}"/>
               </a:ext>
             </a:extLst>
           </p:cNvPr>
@@ -1868,7 +1774,7 @@
           <p:cNvPr id="4" name="Прямоугольник 3">
             <a:extLst>
               <a:ext uri="{FF2B5EF4-FFF2-40B4-BE49-F238E27FC236}">
-                <a16:creationId xmlns:a16="http://schemas.microsoft.com/office/drawing/2014/main" xmlns="" id="{A51A8F49-3CFF-4105-B754-6F376E89AA49}"/>
+                <a16:creationId xmlns:a16="http://schemas.microsoft.com/office/drawing/2014/main" id="{A51A8F49-3CFF-4105-B754-6F376E89AA49}"/>
               </a:ext>
             </a:extLst>
           </p:cNvPr>
@@ -2074,7 +1980,7 @@
           <p:cNvPr id="5" name="Rectangle 4">
             <a:extLst>
               <a:ext uri="{FF2B5EF4-FFF2-40B4-BE49-F238E27FC236}">
-                <a16:creationId xmlns:a16="http://schemas.microsoft.com/office/drawing/2014/main" xmlns="" id="{D5C70DA8-5FAB-4F5A-93F2-202DAF050C0A}"/>
+                <a16:creationId xmlns:a16="http://schemas.microsoft.com/office/drawing/2014/main" id="{D5C70DA8-5FAB-4F5A-93F2-202DAF050C0A}"/>
               </a:ext>
             </a:extLst>
           </p:cNvPr>
@@ -2106,7 +2012,7 @@
           <p:cNvPr id="6" name="Rectangle 5">
             <a:extLst>
               <a:ext uri="{FF2B5EF4-FFF2-40B4-BE49-F238E27FC236}">
-                <a16:creationId xmlns:a16="http://schemas.microsoft.com/office/drawing/2014/main" xmlns="" id="{C3696679-9AC8-4287-91D9-CF854BB2B4D3}"/>
+                <a16:creationId xmlns:a16="http://schemas.microsoft.com/office/drawing/2014/main" id="{C3696679-9AC8-4287-91D9-CF854BB2B4D3}"/>
               </a:ext>
             </a:extLst>
           </p:cNvPr>
@@ -2138,7 +2044,7 @@
           <p:cNvPr id="7" name="Rectangle 6">
             <a:extLst>
               <a:ext uri="{FF2B5EF4-FFF2-40B4-BE49-F238E27FC236}">
-                <a16:creationId xmlns:a16="http://schemas.microsoft.com/office/drawing/2014/main" xmlns="" id="{F3D4C767-3D3E-459E-8C7B-D975DA01363D}"/>
+                <a16:creationId xmlns:a16="http://schemas.microsoft.com/office/drawing/2014/main" id="{F3D4C767-3D3E-459E-8C7B-D975DA01363D}"/>
               </a:ext>
             </a:extLst>
           </p:cNvPr>
@@ -2207,7 +2113,7 @@
           <p:cNvPr id="3" name="Прямоугольник 2">
             <a:extLst>
               <a:ext uri="{FF2B5EF4-FFF2-40B4-BE49-F238E27FC236}">
-                <a16:creationId xmlns:a16="http://schemas.microsoft.com/office/drawing/2014/main" xmlns="" id="{602440B0-555A-400A-BFBA-DBE1FB43A964}"/>
+                <a16:creationId xmlns:a16="http://schemas.microsoft.com/office/drawing/2014/main" id="{602440B0-555A-400A-BFBA-DBE1FB43A964}"/>
               </a:ext>
             </a:extLst>
           </p:cNvPr>
@@ -2298,7 +2204,7 @@
           <p:cNvPr id="4" name="Прямоугольник 3">
             <a:extLst>
               <a:ext uri="{FF2B5EF4-FFF2-40B4-BE49-F238E27FC236}">
-                <a16:creationId xmlns:a16="http://schemas.microsoft.com/office/drawing/2014/main" xmlns="" id="{55974D56-56BB-4FDF-9806-207BF6C348C5}"/>
+                <a16:creationId xmlns:a16="http://schemas.microsoft.com/office/drawing/2014/main" id="{55974D56-56BB-4FDF-9806-207BF6C348C5}"/>
               </a:ext>
             </a:extLst>
           </p:cNvPr>
@@ -2366,7 +2272,7 @@
           <p:cNvPr id="5" name="Line 2">
             <a:extLst>
               <a:ext uri="{FF2B5EF4-FFF2-40B4-BE49-F238E27FC236}">
-                <a16:creationId xmlns:a16="http://schemas.microsoft.com/office/drawing/2014/main" xmlns="" id="{B57826F1-B08D-4038-B6B0-A3847530C312}"/>
+                <a16:creationId xmlns:a16="http://schemas.microsoft.com/office/drawing/2014/main" id="{B57826F1-B08D-4038-B6B0-A3847530C312}"/>
               </a:ext>
             </a:extLst>
           </p:cNvPr>
@@ -2444,7 +2350,7 @@
           <p:cNvPr id="6" name="Rectangle 4">
             <a:extLst>
               <a:ext uri="{FF2B5EF4-FFF2-40B4-BE49-F238E27FC236}">
-                <a16:creationId xmlns:a16="http://schemas.microsoft.com/office/drawing/2014/main" xmlns="" id="{5BDBD55A-9CB8-42F8-81A8-822B841EEE0D}"/>
+                <a16:creationId xmlns:a16="http://schemas.microsoft.com/office/drawing/2014/main" id="{5BDBD55A-9CB8-42F8-81A8-822B841EEE0D}"/>
               </a:ext>
             </a:extLst>
           </p:cNvPr>
@@ -2476,7 +2382,7 @@
           <p:cNvPr id="7" name="Rectangle 5">
             <a:extLst>
               <a:ext uri="{FF2B5EF4-FFF2-40B4-BE49-F238E27FC236}">
-                <a16:creationId xmlns:a16="http://schemas.microsoft.com/office/drawing/2014/main" xmlns="" id="{6E420815-1750-4A40-A9E8-E86324298F92}"/>
+                <a16:creationId xmlns:a16="http://schemas.microsoft.com/office/drawing/2014/main" id="{6E420815-1750-4A40-A9E8-E86324298F92}"/>
               </a:ext>
             </a:extLst>
           </p:cNvPr>
@@ -2508,7 +2414,7 @@
           <p:cNvPr id="8" name="Rectangle 6">
             <a:extLst>
               <a:ext uri="{FF2B5EF4-FFF2-40B4-BE49-F238E27FC236}">
-                <a16:creationId xmlns:a16="http://schemas.microsoft.com/office/drawing/2014/main" xmlns="" id="{B910DA2A-9CAA-404F-BFFA-2AF29418763A}"/>
+                <a16:creationId xmlns:a16="http://schemas.microsoft.com/office/drawing/2014/main" id="{B910DA2A-9CAA-404F-BFFA-2AF29418763A}"/>
               </a:ext>
             </a:extLst>
           </p:cNvPr>
@@ -2818,10 +2724,9 @@
           </a:lstStyle>
           <a:p>
             <a:r>
-              <a:rPr lang="ru-RU" dirty="0" smtClean="0"/>
+              <a:rPr lang="ru-RU" dirty="0"/>
               <a:t>Образец заголовка</a:t>
             </a:r>
-            <a:endParaRPr lang="ru-RU" dirty="0"/>
           </a:p>
         </p:txBody>
       </p:sp>
@@ -2919,219 +2824,6 @@
     <p:extLst>
       <p:ext uri="{BB962C8B-B14F-4D97-AF65-F5344CB8AC3E}">
         <p14:creationId xmlns:p14="http://schemas.microsoft.com/office/powerpoint/2010/main" val="2641474925"/>
-      </p:ext>
-    </p:extLst>
-  </p:cSld>
-  <p:clrMapOvr>
-    <a:masterClrMapping/>
-  </p:clrMapOvr>
-</p:sldLayout>
-</file>
-
-<file path=ppt/slideLayouts/slideLayout5.xml><?xml version="1.0" encoding="utf-8"?>
-<p:sldLayout xmlns:a="http://schemas.openxmlformats.org/drawingml/2006/main" xmlns:r="http://schemas.openxmlformats.org/officeDocument/2006/relationships" xmlns:p="http://schemas.openxmlformats.org/presentationml/2006/main" type="blank">
-  <p:cSld name="1_Пустой слайд">
-    <p:spTree>
-      <p:nvGrpSpPr>
-        <p:cNvPr id="1" name=""/>
-        <p:cNvGrpSpPr/>
-        <p:nvPr/>
-      </p:nvGrpSpPr>
-      <p:grpSpPr>
-        <a:xfrm>
-          <a:off x="0" y="0"/>
-          <a:ext cx="0" cy="0"/>
-          <a:chOff x="0" y="0"/>
-          <a:chExt cx="0" cy="0"/>
-        </a:xfrm>
-      </p:grpSpPr>
-      <p:sp>
-        <p:nvSpPr>
-          <p:cNvPr id="2" name="Дата 1"/>
-          <p:cNvSpPr>
-            <a:spLocks noGrp="1"/>
-          </p:cNvSpPr>
-          <p:nvPr>
-            <p:ph type="dt" sz="half" idx="10"/>
-          </p:nvPr>
-        </p:nvSpPr>
-        <p:spPr/>
-        <p:txBody>
-          <a:bodyPr/>
-          <a:lstStyle/>
-          <a:p>
-            <a:fld id="{44C59425-96AB-4B63-AA34-D191AAF7E640}" type="datetimeFigureOut">
-              <a:rPr lang="ru-RU" smtClean="0"/>
-              <a:t>06.02.2022</a:t>
-            </a:fld>
-            <a:endParaRPr lang="ru-RU"/>
-          </a:p>
-        </p:txBody>
-      </p:sp>
-      <p:sp>
-        <p:nvSpPr>
-          <p:cNvPr id="3" name="Нижний колонтитул 2"/>
-          <p:cNvSpPr>
-            <a:spLocks noGrp="1"/>
-          </p:cNvSpPr>
-          <p:nvPr>
-            <p:ph type="ftr" sz="quarter" idx="11"/>
-          </p:nvPr>
-        </p:nvSpPr>
-        <p:spPr/>
-        <p:txBody>
-          <a:bodyPr/>
-          <a:lstStyle/>
-          <a:p>
-            <a:endParaRPr lang="ru-RU"/>
-          </a:p>
-        </p:txBody>
-      </p:sp>
-      <p:sp>
-        <p:nvSpPr>
-          <p:cNvPr id="4" name="Номер слайда 3"/>
-          <p:cNvSpPr>
-            <a:spLocks noGrp="1"/>
-          </p:cNvSpPr>
-          <p:nvPr>
-            <p:ph type="sldNum" sz="quarter" idx="12"/>
-          </p:nvPr>
-        </p:nvSpPr>
-        <p:spPr/>
-        <p:txBody>
-          <a:bodyPr/>
-          <a:lstStyle/>
-          <a:p>
-            <a:fld id="{33EC921E-DC11-41CA-A493-CA8D6173F5CD}" type="slidenum">
-              <a:rPr lang="ru-RU" smtClean="0"/>
-              <a:t>‹#›</a:t>
-            </a:fld>
-            <a:endParaRPr lang="ru-RU"/>
-          </a:p>
-        </p:txBody>
-      </p:sp>
-    </p:spTree>
-    <p:extLst>
-      <p:ext uri="{BB962C8B-B14F-4D97-AF65-F5344CB8AC3E}">
-        <p14:creationId xmlns:p14="http://schemas.microsoft.com/office/powerpoint/2010/main" val="1002026412"/>
-      </p:ext>
-    </p:extLst>
-  </p:cSld>
-  <p:clrMapOvr>
-    <a:masterClrMapping/>
-  </p:clrMapOvr>
-</p:sldLayout>
-</file>
-
-<file path=ppt/slideLayouts/slideLayout6.xml><?xml version="1.0" encoding="utf-8"?>
-<p:sldLayout xmlns:a="http://schemas.openxmlformats.org/drawingml/2006/main" xmlns:r="http://schemas.openxmlformats.org/officeDocument/2006/relationships" xmlns:p="http://schemas.openxmlformats.org/presentationml/2006/main" type="titleOnly">
-  <p:cSld name="Только заголовок">
-    <p:spTree>
-      <p:nvGrpSpPr>
-        <p:cNvPr id="1" name=""/>
-        <p:cNvGrpSpPr/>
-        <p:nvPr/>
-      </p:nvGrpSpPr>
-      <p:grpSpPr>
-        <a:xfrm>
-          <a:off x="0" y="0"/>
-          <a:ext cx="0" cy="0"/>
-          <a:chOff x="0" y="0"/>
-          <a:chExt cx="0" cy="0"/>
-        </a:xfrm>
-      </p:grpSpPr>
-      <p:sp>
-        <p:nvSpPr>
-          <p:cNvPr id="2" name="Заголовок 1"/>
-          <p:cNvSpPr>
-            <a:spLocks noGrp="1"/>
-          </p:cNvSpPr>
-          <p:nvPr>
-            <p:ph type="title"/>
-          </p:nvPr>
-        </p:nvSpPr>
-        <p:spPr/>
-        <p:txBody>
-          <a:bodyPr/>
-          <a:lstStyle/>
-          <a:p>
-            <a:r>
-              <a:rPr lang="ru-RU" smtClean="0"/>
-              <a:t>Образец заголовка</a:t>
-            </a:r>
-            <a:endParaRPr lang="ru-RU"/>
-          </a:p>
-        </p:txBody>
-      </p:sp>
-      <p:sp>
-        <p:nvSpPr>
-          <p:cNvPr id="3" name="Дата 2"/>
-          <p:cNvSpPr>
-            <a:spLocks noGrp="1"/>
-          </p:cNvSpPr>
-          <p:nvPr>
-            <p:ph type="dt" sz="half" idx="10"/>
-          </p:nvPr>
-        </p:nvSpPr>
-        <p:spPr/>
-        <p:txBody>
-          <a:bodyPr/>
-          <a:lstStyle/>
-          <a:p>
-            <a:fld id="{44C59425-96AB-4B63-AA34-D191AAF7E640}" type="datetimeFigureOut">
-              <a:rPr lang="ru-RU" smtClean="0"/>
-              <a:t>06.02.2022</a:t>
-            </a:fld>
-            <a:endParaRPr lang="ru-RU"/>
-          </a:p>
-        </p:txBody>
-      </p:sp>
-      <p:sp>
-        <p:nvSpPr>
-          <p:cNvPr id="4" name="Нижний колонтитул 3"/>
-          <p:cNvSpPr>
-            <a:spLocks noGrp="1"/>
-          </p:cNvSpPr>
-          <p:nvPr>
-            <p:ph type="ftr" sz="quarter" idx="11"/>
-          </p:nvPr>
-        </p:nvSpPr>
-        <p:spPr/>
-        <p:txBody>
-          <a:bodyPr/>
-          <a:lstStyle/>
-          <a:p>
-            <a:endParaRPr lang="ru-RU"/>
-          </a:p>
-        </p:txBody>
-      </p:sp>
-      <p:sp>
-        <p:nvSpPr>
-          <p:cNvPr id="5" name="Номер слайда 4"/>
-          <p:cNvSpPr>
-            <a:spLocks noGrp="1"/>
-          </p:cNvSpPr>
-          <p:nvPr>
-            <p:ph type="sldNum" sz="quarter" idx="12"/>
-          </p:nvPr>
-        </p:nvSpPr>
-        <p:spPr/>
-        <p:txBody>
-          <a:bodyPr/>
-          <a:lstStyle/>
-          <a:p>
-            <a:fld id="{33EC921E-DC11-41CA-A493-CA8D6173F5CD}" type="slidenum">
-              <a:rPr lang="ru-RU" smtClean="0"/>
-              <a:t>‹#›</a:t>
-            </a:fld>
-            <a:endParaRPr lang="ru-RU"/>
-          </a:p>
-        </p:txBody>
-      </p:sp>
-    </p:spTree>
-    <p:extLst>
-      <p:ext uri="{BB962C8B-B14F-4D97-AF65-F5344CB8AC3E}">
-        <p14:creationId xmlns:p14="http://schemas.microsoft.com/office/powerpoint/2010/main" val="1923753445"/>
       </p:ext>
     </p:extLst>
   </p:cSld>
@@ -3171,7 +2863,7 @@
           <p:cNvPr id="1026" name="Rectangle 2">
             <a:extLst>
               <a:ext uri="{FF2B5EF4-FFF2-40B4-BE49-F238E27FC236}">
-                <a16:creationId xmlns:a16="http://schemas.microsoft.com/office/drawing/2014/main" xmlns="" id="{4FF343D3-942F-428C-A013-D5A3F4252CF1}"/>
+                <a16:creationId xmlns:a16="http://schemas.microsoft.com/office/drawing/2014/main" id="{4FF343D3-942F-428C-A013-D5A3F4252CF1}"/>
               </a:ext>
             </a:extLst>
           </p:cNvPr>
@@ -3235,7 +2927,7 @@
           <p:cNvPr id="1027" name="Rectangle 3">
             <a:extLst>
               <a:ext uri="{FF2B5EF4-FFF2-40B4-BE49-F238E27FC236}">
-                <a16:creationId xmlns:a16="http://schemas.microsoft.com/office/drawing/2014/main" xmlns="" id="{15622E4A-D58E-41EC-BE1E-FE936766A648}"/>
+                <a16:creationId xmlns:a16="http://schemas.microsoft.com/office/drawing/2014/main" id="{15622E4A-D58E-41EC-BE1E-FE936766A648}"/>
               </a:ext>
             </a:extLst>
           </p:cNvPr>
@@ -3327,7 +3019,7 @@
           <p:cNvPr id="1028" name="Rectangle 4">
             <a:extLst>
               <a:ext uri="{FF2B5EF4-FFF2-40B4-BE49-F238E27FC236}">
-                <a16:creationId xmlns:a16="http://schemas.microsoft.com/office/drawing/2014/main" xmlns="" id="{E0781276-CF03-4EB0-9B68-1D9ACCEF5975}"/>
+                <a16:creationId xmlns:a16="http://schemas.microsoft.com/office/drawing/2014/main" id="{E0781276-CF03-4EB0-9B68-1D9ACCEF5975}"/>
               </a:ext>
             </a:extLst>
           </p:cNvPr>
@@ -3381,7 +3073,7 @@
           <p:cNvPr id="1029" name="Rectangle 5">
             <a:extLst>
               <a:ext uri="{FF2B5EF4-FFF2-40B4-BE49-F238E27FC236}">
-                <a16:creationId xmlns:a16="http://schemas.microsoft.com/office/drawing/2014/main" xmlns="" id="{CEAB3E34-1842-4040-AE67-90A45D2F6D4C}"/>
+                <a16:creationId xmlns:a16="http://schemas.microsoft.com/office/drawing/2014/main" id="{CEAB3E34-1842-4040-AE67-90A45D2F6D4C}"/>
               </a:ext>
             </a:extLst>
           </p:cNvPr>
@@ -3435,7 +3127,7 @@
           <p:cNvPr id="1030" name="Rectangle 6">
             <a:extLst>
               <a:ext uri="{FF2B5EF4-FFF2-40B4-BE49-F238E27FC236}">
-                <a16:creationId xmlns:a16="http://schemas.microsoft.com/office/drawing/2014/main" xmlns="" id="{38F08A5F-89AD-4EBC-B32A-0AB45B18D4FF}"/>
+                <a16:creationId xmlns:a16="http://schemas.microsoft.com/office/drawing/2014/main" id="{38F08A5F-89AD-4EBC-B32A-0AB45B18D4FF}"/>
               </a:ext>
             </a:extLst>
           </p:cNvPr>
@@ -3492,8 +3184,6 @@
     <p:sldLayoutId id="2147484113" r:id="rId2"/>
     <p:sldLayoutId id="2147484114" r:id="rId3"/>
     <p:sldLayoutId id="2147484115" r:id="rId4"/>
-    <p:sldLayoutId id="2147484116" r:id="rId5"/>
-    <p:sldLayoutId id="2147484117" r:id="rId6"/>
   </p:sldLayoutIdLst>
   <p:hf hdr="0" ftr="0" dt="0"/>
   <p:txStyles>
@@ -3898,11 +3588,11 @@
           <a:lstStyle/>
           <a:p>
             <a:r>
-              <a:rPr lang="ru-RU" dirty="0" smtClean="0"/>
+              <a:rPr lang="ru-RU" dirty="0"/>
               <a:t>Отчет по </a:t>
             </a:r>
             <a:r>
-              <a:rPr lang="ru-RU" dirty="0" err="1" smtClean="0"/>
+              <a:rPr lang="ru-RU" dirty="0" err="1"/>
               <a:t>дз</a:t>
             </a:r>
             <a:endParaRPr lang="ru-RU" dirty="0"/>
@@ -3962,13 +3652,6 @@
   <p:clrMapOvr>
     <a:masterClrMapping/>
   </p:clrMapOvr>
-  <p:timing>
-    <p:tnLst>
-      <p:par>
-        <p:cTn id="1" dur="indefinite" restart="never" nodeType="tmRoot"/>
-      </p:par>
-    </p:tnLst>
-  </p:timing>
 </p:sld>
 </file>
 
@@ -4008,13 +3691,8 @@
           <a:p>
             <a:r>
               <a:rPr lang="ru-RU" dirty="0"/>
-              <a:t>Задача </a:t>
-            </a:r>
-            <a:r>
-              <a:rPr lang="ru-RU" dirty="0" smtClean="0"/>
-              <a:t>3</a:t>
-            </a:r>
-            <a:endParaRPr lang="ru-RU" dirty="0"/>
+              <a:t>Задача 5</a:t>
+            </a:r>
           </a:p>
         </p:txBody>
       </p:sp>
@@ -4026,8 +3704,8 @@
         </p:nvSpPr>
         <p:spPr>
           <a:xfrm>
-            <a:off x="236482" y="1791357"/>
-            <a:ext cx="8087711" cy="1569660"/>
+            <a:off x="342901" y="1826829"/>
+            <a:ext cx="7319141" cy="1569660"/>
           </a:xfrm>
           <a:prstGeom prst="rect">
             <a:avLst/>
@@ -4046,59 +3724,11 @@
             </a:r>
             <a:r>
               <a:rPr lang="ru-RU" sz="2400" b="1" dirty="0"/>
-              <a:t>k7a-6.txt</a:t>
+              <a:t>k7c-6.txt</a:t>
             </a:r>
             <a:r>
               <a:rPr lang="ru-RU" sz="2400" dirty="0"/>
-              <a:t> находится цепочка из символов латинского алфавита </a:t>
-            </a:r>
-            <a:r>
-              <a:rPr lang="en-US" sz="2400" dirty="0"/>
-              <a:t>A</a:t>
-            </a:r>
-            <a:r>
-              <a:rPr lang="ru-RU" sz="2400" dirty="0"/>
-              <a:t>, </a:t>
-            </a:r>
-            <a:r>
-              <a:rPr lang="en-US" sz="2400" dirty="0"/>
-              <a:t>B</a:t>
-            </a:r>
-            <a:r>
-              <a:rPr lang="ru-RU" sz="2400" dirty="0"/>
-              <a:t>, </a:t>
-            </a:r>
-            <a:r>
-              <a:rPr lang="en-US" sz="2400" dirty="0"/>
-              <a:t>C</a:t>
-            </a:r>
-            <a:r>
-              <a:rPr lang="ru-RU" sz="2400" dirty="0"/>
-              <a:t>, </a:t>
-            </a:r>
-            <a:r>
-              <a:rPr lang="en-US" sz="2400" dirty="0"/>
-              <a:t>D</a:t>
-            </a:r>
-            <a:r>
-              <a:rPr lang="ru-RU" sz="2400" dirty="0"/>
-              <a:t>, </a:t>
-            </a:r>
-            <a:r>
-              <a:rPr lang="en-US" sz="2400" dirty="0"/>
-              <a:t>E</a:t>
-            </a:r>
-            <a:r>
-              <a:rPr lang="ru-RU" sz="2400" dirty="0"/>
-              <a:t>, </a:t>
-            </a:r>
-            <a:r>
-              <a:rPr lang="en-US" sz="2400" dirty="0"/>
-              <a:t>F</a:t>
-            </a:r>
-            <a:r>
-              <a:rPr lang="ru-RU" sz="2400" dirty="0"/>
-              <a:t>. Найдите длину самой длинной подцепочки, не содержащей гласных букв.</a:t>
+              <a:t> находится цепочка из символов латинского алфавита A, B, C, D, E, F. Найдите количество цепочек длины 3, в которых символы не совпадают.</a:t>
             </a:r>
           </a:p>
         </p:txBody>
@@ -4106,7 +3736,7 @@
     </p:spTree>
     <p:extLst>
       <p:ext uri="{BB962C8B-B14F-4D97-AF65-F5344CB8AC3E}">
-        <p14:creationId xmlns:p14="http://schemas.microsoft.com/office/powerpoint/2010/main" val="1750570922"/>
+        <p14:creationId xmlns:p14="http://schemas.microsoft.com/office/powerpoint/2010/main" val="2675479163"/>
       </p:ext>
     </p:extLst>
   </p:cSld>
@@ -4152,13 +3782,8 @@
           <a:p>
             <a:r>
               <a:rPr lang="ru-RU" dirty="0"/>
-              <a:t>Задача </a:t>
-            </a:r>
-            <a:r>
-              <a:rPr lang="ru-RU" dirty="0" smtClean="0"/>
-              <a:t>4</a:t>
-            </a:r>
-            <a:endParaRPr lang="ru-RU" dirty="0"/>
+              <a:t>Задача 6</a:t>
+            </a:r>
           </a:p>
         </p:txBody>
       </p:sp>
@@ -4170,8 +3795,8 @@
         </p:nvSpPr>
         <p:spPr>
           <a:xfrm>
-            <a:off x="402021" y="1744061"/>
-            <a:ext cx="7248197" cy="3416320"/>
+            <a:off x="212834" y="1826829"/>
+            <a:ext cx="8584325" cy="2677656"/>
           </a:xfrm>
           <a:prstGeom prst="rect">
             <a:avLst/>
@@ -4184,150 +3809,17 @@
           </a:bodyPr>
           <a:lstStyle/>
           <a:p>
-            <a:pPr lvl="0"/>
             <a:r>
               <a:rPr lang="ru-RU" sz="2400" dirty="0"/>
-              <a:t>В текстовом файле </a:t>
+              <a:t>В текстовом файле  </a:t>
             </a:r>
             <a:r>
               <a:rPr lang="ru-RU" sz="2400" b="1" dirty="0"/>
-              <a:t>k7c-1.txt</a:t>
+              <a:t>k7-m1.txt</a:t>
             </a:r>
             <a:r>
               <a:rPr lang="ru-RU" sz="2400" dirty="0"/>
-              <a:t> находится цепочка из символов латинского алфавита </a:t>
-            </a:r>
-            <a:r>
-              <a:rPr lang="en-US" sz="2400" dirty="0"/>
-              <a:t>A</a:t>
-            </a:r>
-            <a:r>
-              <a:rPr lang="ru-RU" sz="2400" dirty="0"/>
-              <a:t>, </a:t>
-            </a:r>
-            <a:r>
-              <a:rPr lang="en-US" sz="2400" dirty="0"/>
-              <a:t>B</a:t>
-            </a:r>
-            <a:r>
-              <a:rPr lang="ru-RU" sz="2400" dirty="0"/>
-              <a:t>, </a:t>
-            </a:r>
-            <a:r>
-              <a:rPr lang="en-US" sz="2400" dirty="0"/>
-              <a:t>C</a:t>
-            </a:r>
-            <a:r>
-              <a:rPr lang="ru-RU" sz="2400" dirty="0"/>
-              <a:t>, </a:t>
-            </a:r>
-            <a:r>
-              <a:rPr lang="en-US" sz="2400" dirty="0"/>
-              <a:t>D</a:t>
-            </a:r>
-            <a:r>
-              <a:rPr lang="ru-RU" sz="2400" dirty="0"/>
-              <a:t>, </a:t>
-            </a:r>
-            <a:r>
-              <a:rPr lang="en-US" sz="2400" dirty="0"/>
-              <a:t>E</a:t>
-            </a:r>
-            <a:r>
-              <a:rPr lang="ru-RU" sz="2400" dirty="0"/>
-              <a:t>. Найдите количество цепочек длины 3, удовлетворяющих следующим условиям: </a:t>
-            </a:r>
-          </a:p>
-          <a:p>
-            <a:pPr lvl="0"/>
-            <a:r>
-              <a:rPr lang="ru-RU" sz="2400" dirty="0"/>
-              <a:t>1-й символ – один из символов </a:t>
-            </a:r>
-            <a:r>
-              <a:rPr lang="en-US" sz="2400" dirty="0"/>
-              <a:t>B</a:t>
-            </a:r>
-            <a:r>
-              <a:rPr lang="ru-RU" sz="2400" dirty="0"/>
-              <a:t>, </a:t>
-            </a:r>
-            <a:r>
-              <a:rPr lang="en-US" sz="2400" dirty="0"/>
-              <a:t>C</a:t>
-            </a:r>
-            <a:r>
-              <a:rPr lang="ru-RU" sz="2400" dirty="0"/>
-              <a:t> или </a:t>
-            </a:r>
-            <a:r>
-              <a:rPr lang="en-US" sz="2400" dirty="0"/>
-              <a:t>D</a:t>
-            </a:r>
-            <a:r>
-              <a:rPr lang="ru-RU" sz="2400" dirty="0"/>
-              <a:t>;</a:t>
-            </a:r>
-          </a:p>
-          <a:p>
-            <a:pPr lvl="0"/>
-            <a:r>
-              <a:rPr lang="ru-RU" sz="2400" dirty="0"/>
-              <a:t>2-й символ – один из символов </a:t>
-            </a:r>
-            <a:r>
-              <a:rPr lang="en-US" sz="2400" dirty="0"/>
-              <a:t>B</a:t>
-            </a:r>
-            <a:r>
-              <a:rPr lang="ru-RU" sz="2400" dirty="0"/>
-              <a:t>, </a:t>
-            </a:r>
-            <a:r>
-              <a:rPr lang="en-US" sz="2400" dirty="0"/>
-              <a:t>D</a:t>
-            </a:r>
-            <a:r>
-              <a:rPr lang="ru-RU" sz="2400" dirty="0"/>
-              <a:t>, </a:t>
-            </a:r>
-            <a:r>
-              <a:rPr lang="en-US" sz="2400" dirty="0"/>
-              <a:t>E</a:t>
-            </a:r>
-            <a:r>
-              <a:rPr lang="ru-RU" sz="2400" dirty="0"/>
-              <a:t>, который не совпадает с первым; </a:t>
-            </a:r>
-          </a:p>
-          <a:p>
-            <a:r>
-              <a:rPr lang="ru-RU" sz="2400" dirty="0"/>
-              <a:t>3-й символ – один из символов </a:t>
-            </a:r>
-            <a:r>
-              <a:rPr lang="en-US" sz="2400" dirty="0"/>
-              <a:t>B</a:t>
-            </a:r>
-            <a:r>
-              <a:rPr lang="ru-RU" sz="2400" dirty="0"/>
-              <a:t>, </a:t>
-            </a:r>
-            <a:r>
-              <a:rPr lang="en-US" sz="2400" dirty="0"/>
-              <a:t>C</a:t>
-            </a:r>
-            <a:r>
-              <a:rPr lang="ru-RU" sz="2400" dirty="0"/>
-              <a:t>, </a:t>
-            </a:r>
-            <a:r>
-              <a:rPr lang="en-US" sz="2400" dirty="0"/>
-              <a:t>E</a:t>
-            </a:r>
-            <a:r>
-              <a:rPr lang="ru-RU" sz="2400" dirty="0"/>
-              <a:t>, который не совпадает со вторым.</a:t>
+              <a:t> находится цепочка из прописных (заглавных) символов латинского алфавита A, B, C. Найдите длину самой короткой подцепочки, состоящей из символов C (C-подцепочки). В ответе через пробел укажите: длину найденной подцепочки (если C-подцепочек нет, то 0), количество C-подцепочек и длину исходной цепочки.</a:t>
             </a:r>
           </a:p>
         </p:txBody>
@@ -4335,7 +3827,7 @@
     </p:spTree>
     <p:extLst>
       <p:ext uri="{BB962C8B-B14F-4D97-AF65-F5344CB8AC3E}">
-        <p14:creationId xmlns:p14="http://schemas.microsoft.com/office/powerpoint/2010/main" val="1994524477"/>
+        <p14:creationId xmlns:p14="http://schemas.microsoft.com/office/powerpoint/2010/main" val="970689880"/>
       </p:ext>
     </p:extLst>
   </p:cSld>
@@ -4381,13 +3873,8 @@
           <a:p>
             <a:r>
               <a:rPr lang="ru-RU" dirty="0"/>
-              <a:t>Задача </a:t>
-            </a:r>
-            <a:r>
-              <a:rPr lang="ru-RU" dirty="0" smtClean="0"/>
-              <a:t>5</a:t>
-            </a:r>
-            <a:endParaRPr lang="ru-RU" dirty="0"/>
+              <a:t>Задача 7</a:t>
+            </a:r>
           </a:p>
         </p:txBody>
       </p:sp>
@@ -4399,8 +3886,8 @@
         </p:nvSpPr>
         <p:spPr>
           <a:xfrm>
-            <a:off x="342901" y="1826829"/>
-            <a:ext cx="7319141" cy="1569660"/>
+            <a:off x="260131" y="1791357"/>
+            <a:ext cx="8560676" cy="3785652"/>
           </a:xfrm>
           <a:prstGeom prst="rect">
             <a:avLst/>
@@ -4419,11 +3906,11 @@
             </a:r>
             <a:r>
               <a:rPr lang="ru-RU" sz="2400" b="1" dirty="0"/>
-              <a:t>k7c-6.txt</a:t>
+              <a:t>k7-m4.txt</a:t>
             </a:r>
             <a:r>
               <a:rPr lang="ru-RU" sz="2400" dirty="0"/>
-              <a:t> находится цепочка из символов латинского алфавита A, B, C, D, E, F. Найдите количество цепочек длины 3, в которых символы не совпадают.</a:t>
+              <a:t> находится цепочка из прописных (заглавных) символов латинского алфавита A, B, C. Найдите все подцепочки, состоящие из символов C (C-подцепочки) длиной не менее шести. В ответе через пробел укажите: порядковый номер найденной подцепочки (начиная с единицы) при проходе по исходной цепочке СПРАВА НАЛЕВО, ее длину и саму подцепочку, заменив в ней все символы «С» слева от правого символа «С» на «с» строчное (маленькое). Гарантируется, что в исходной цепочке есть C-подцепочки</a:t>
             </a:r>
           </a:p>
         </p:txBody>
@@ -4431,7 +3918,7 @@
     </p:spTree>
     <p:extLst>
       <p:ext uri="{BB962C8B-B14F-4D97-AF65-F5344CB8AC3E}">
-        <p14:creationId xmlns:p14="http://schemas.microsoft.com/office/powerpoint/2010/main" val="2675479163"/>
+        <p14:creationId xmlns:p14="http://schemas.microsoft.com/office/powerpoint/2010/main" val="2036469943"/>
       </p:ext>
     </p:extLst>
   </p:cSld>
@@ -4476,206 +3963,9 @@
           <a:lstStyle/>
           <a:p>
             <a:r>
-              <a:rPr lang="ru-RU" dirty="0"/>
-              <a:t>Задача </a:t>
-            </a:r>
-            <a:r>
-              <a:rPr lang="ru-RU" dirty="0" smtClean="0"/>
-              <a:t>6</a:t>
-            </a:r>
-            <a:endParaRPr lang="ru-RU" dirty="0"/>
-          </a:p>
-        </p:txBody>
-      </p:sp>
-      <p:sp>
-        <p:nvSpPr>
-          <p:cNvPr id="3" name="TextBox 2"/>
-          <p:cNvSpPr txBox="1"/>
-          <p:nvPr/>
-        </p:nvSpPr>
-        <p:spPr>
-          <a:xfrm>
-            <a:off x="212834" y="1826829"/>
-            <a:ext cx="8584325" cy="2677656"/>
-          </a:xfrm>
-          <a:prstGeom prst="rect">
-            <a:avLst/>
-          </a:prstGeom>
-          <a:noFill/>
-        </p:spPr>
-        <p:txBody>
-          <a:bodyPr wrap="square" rtlCol="0">
-            <a:spAutoFit/>
-          </a:bodyPr>
-          <a:lstStyle/>
-          <a:p>
-            <a:r>
-              <a:rPr lang="ru-RU" sz="2400" dirty="0"/>
-              <a:t>В текстовом файле  </a:t>
-            </a:r>
-            <a:r>
-              <a:rPr lang="ru-RU" sz="2400" b="1" dirty="0"/>
-              <a:t>k7-m1.txt</a:t>
-            </a:r>
-            <a:r>
-              <a:rPr lang="ru-RU" sz="2400" dirty="0"/>
-              <a:t> находится цепочка из прописных (заглавных) символов латинского алфавита A, B, C. Найдите длину самой короткой подцепочки, состоящей из символов C (C-подцепочки). В ответе через пробел укажите: длину найденной подцепочки (если C-подцепочек нет, то 0), количество C-подцепочек и длину исходной цепочки.</a:t>
-            </a:r>
-          </a:p>
-        </p:txBody>
-      </p:sp>
-    </p:spTree>
-    <p:extLst>
-      <p:ext uri="{BB962C8B-B14F-4D97-AF65-F5344CB8AC3E}">
-        <p14:creationId xmlns:p14="http://schemas.microsoft.com/office/powerpoint/2010/main" val="970689880"/>
-      </p:ext>
-    </p:extLst>
-  </p:cSld>
-  <p:clrMapOvr>
-    <a:masterClrMapping/>
-  </p:clrMapOvr>
-</p:sld>
-</file>
-
-<file path=ppt/slides/slide14.xml><?xml version="1.0" encoding="utf-8"?>
-<p:sld xmlns:a="http://schemas.openxmlformats.org/drawingml/2006/main" xmlns:r="http://schemas.openxmlformats.org/officeDocument/2006/relationships" xmlns:p="http://schemas.openxmlformats.org/presentationml/2006/main">
-  <p:cSld>
-    <p:spTree>
-      <p:nvGrpSpPr>
-        <p:cNvPr id="1" name=""/>
-        <p:cNvGrpSpPr/>
-        <p:nvPr/>
-      </p:nvGrpSpPr>
-      <p:grpSpPr>
-        <a:xfrm>
-          <a:off x="0" y="0"/>
-          <a:ext cx="0" cy="0"/>
-          <a:chOff x="0" y="0"/>
-          <a:chExt cx="0" cy="0"/>
-        </a:xfrm>
-      </p:grpSpPr>
-      <p:sp>
-        <p:nvSpPr>
-          <p:cNvPr id="2" name="Заголовок 1"/>
-          <p:cNvSpPr>
-            <a:spLocks noGrp="1"/>
-          </p:cNvSpPr>
-          <p:nvPr>
-            <p:ph type="title"/>
-          </p:nvPr>
-        </p:nvSpPr>
-        <p:spPr/>
-        <p:txBody>
-          <a:bodyPr>
-            <a:normAutofit/>
-          </a:bodyPr>
-          <a:lstStyle/>
-          <a:p>
-            <a:r>
-              <a:rPr lang="ru-RU" dirty="0"/>
-              <a:t>Задача </a:t>
-            </a:r>
-            <a:r>
-              <a:rPr lang="ru-RU" dirty="0" smtClean="0"/>
-              <a:t>7</a:t>
-            </a:r>
-            <a:endParaRPr lang="ru-RU" dirty="0"/>
-          </a:p>
-        </p:txBody>
-      </p:sp>
-      <p:sp>
-        <p:nvSpPr>
-          <p:cNvPr id="3" name="TextBox 2"/>
-          <p:cNvSpPr txBox="1"/>
-          <p:nvPr/>
-        </p:nvSpPr>
-        <p:spPr>
-          <a:xfrm>
-            <a:off x="260131" y="1791357"/>
-            <a:ext cx="8560676" cy="3785652"/>
-          </a:xfrm>
-          <a:prstGeom prst="rect">
-            <a:avLst/>
-          </a:prstGeom>
-          <a:noFill/>
-        </p:spPr>
-        <p:txBody>
-          <a:bodyPr wrap="square" rtlCol="0">
-            <a:spAutoFit/>
-          </a:bodyPr>
-          <a:lstStyle/>
-          <a:p>
-            <a:r>
-              <a:rPr lang="ru-RU" sz="2400" dirty="0"/>
-              <a:t>В текстовом файле </a:t>
-            </a:r>
-            <a:r>
-              <a:rPr lang="ru-RU" sz="2400" b="1" dirty="0"/>
-              <a:t>k7-m4.txt</a:t>
-            </a:r>
-            <a:r>
-              <a:rPr lang="ru-RU" sz="2400" dirty="0"/>
-              <a:t> находится цепочка из прописных (заглавных) символов латинского алфавита A, B, C. Найдите все подцепочки, состоящие из символов C (C-подцепочки) длиной не менее шести. В ответе через пробел укажите: порядковый номер найденной подцепочки (начиная с единицы) при проходе по исходной цепочке СПРАВА НАЛЕВО, ее длину и саму подцепочку, заменив в ней все символы «С» слева от правого символа «С» на «с» строчное (маленькое). Гарантируется, что в исходной цепочке есть C-подцепочки</a:t>
-            </a:r>
-          </a:p>
-        </p:txBody>
-      </p:sp>
-    </p:spTree>
-    <p:extLst>
-      <p:ext uri="{BB962C8B-B14F-4D97-AF65-F5344CB8AC3E}">
-        <p14:creationId xmlns:p14="http://schemas.microsoft.com/office/powerpoint/2010/main" val="2036469943"/>
-      </p:ext>
-    </p:extLst>
-  </p:cSld>
-  <p:clrMapOvr>
-    <a:masterClrMapping/>
-  </p:clrMapOvr>
-</p:sld>
-</file>
-
-<file path=ppt/slides/slide15.xml><?xml version="1.0" encoding="utf-8"?>
-<p:sld xmlns:a="http://schemas.openxmlformats.org/drawingml/2006/main" xmlns:r="http://schemas.openxmlformats.org/officeDocument/2006/relationships" xmlns:p="http://schemas.openxmlformats.org/presentationml/2006/main">
-  <p:cSld>
-    <p:spTree>
-      <p:nvGrpSpPr>
-        <p:cNvPr id="1" name=""/>
-        <p:cNvGrpSpPr/>
-        <p:nvPr/>
-      </p:nvGrpSpPr>
-      <p:grpSpPr>
-        <a:xfrm>
-          <a:off x="0" y="0"/>
-          <a:ext cx="0" cy="0"/>
-          <a:chOff x="0" y="0"/>
-          <a:chExt cx="0" cy="0"/>
-        </a:xfrm>
-      </p:grpSpPr>
-      <p:sp>
-        <p:nvSpPr>
-          <p:cNvPr id="2" name="Заголовок 1"/>
-          <p:cNvSpPr>
-            <a:spLocks noGrp="1"/>
-          </p:cNvSpPr>
-          <p:nvPr>
-            <p:ph type="title"/>
-          </p:nvPr>
-        </p:nvSpPr>
-        <p:spPr/>
-        <p:txBody>
-          <a:bodyPr>
-            <a:normAutofit/>
-          </a:bodyPr>
-          <a:lstStyle/>
-          <a:p>
-            <a:r>
               <a:rPr lang="ru-RU"/>
-              <a:t>Задача </a:t>
-            </a:r>
-            <a:r>
-              <a:rPr lang="ru-RU" smtClean="0"/>
-              <a:t>8</a:t>
-            </a:r>
-            <a:endParaRPr lang="ru-RU"/>
+              <a:t>Задача 8</a:t>
+            </a:r>
           </a:p>
         </p:txBody>
       </p:sp>
@@ -4745,2041 +4035,6 @@
   <p:clrMapOvr>
     <a:masterClrMapping/>
   </p:clrMapOvr>
-</p:sld>
-</file>
-
-<file path=ppt/slides/slide16.xml><?xml version="1.0" encoding="utf-8"?>
-<p:sld xmlns:a="http://schemas.openxmlformats.org/drawingml/2006/main" xmlns:r="http://schemas.openxmlformats.org/officeDocument/2006/relationships" xmlns:p="http://schemas.openxmlformats.org/presentationml/2006/main">
-  <p:cSld>
-    <p:spTree>
-      <p:nvGrpSpPr>
-        <p:cNvPr id="1" name=""/>
-        <p:cNvGrpSpPr/>
-        <p:nvPr/>
-      </p:nvGrpSpPr>
-      <p:grpSpPr>
-        <a:xfrm>
-          <a:off x="0" y="0"/>
-          <a:ext cx="0" cy="0"/>
-          <a:chOff x="0" y="0"/>
-          <a:chExt cx="0" cy="0"/>
-        </a:xfrm>
-      </p:grpSpPr>
-      <p:sp>
-        <p:nvSpPr>
-          <p:cNvPr id="3" name="Заголовок 2"/>
-          <p:cNvSpPr>
-            <a:spLocks noGrp="1"/>
-          </p:cNvSpPr>
-          <p:nvPr>
-            <p:ph type="ctrTitle"/>
-          </p:nvPr>
-        </p:nvSpPr>
-        <p:spPr/>
-        <p:txBody>
-          <a:bodyPr/>
-          <a:lstStyle/>
-          <a:p>
-            <a:pPr indent="4763" eaLnBrk="1" hangingPunct="1">
-              <a:lnSpc>
-                <a:spcPct val="90000"/>
-              </a:lnSpc>
-              <a:defRPr/>
-            </a:pPr>
-            <a:r>
-              <a:rPr lang="ru-RU" dirty="0" smtClean="0">
-                <a:solidFill>
-                  <a:srgbClr val="000000"/>
-                </a:solidFill>
-              </a:rPr>
-              <a:t>Дискретизация.</a:t>
-            </a:r>
-            <a:br>
-              <a:rPr lang="ru-RU" dirty="0" smtClean="0">
-                <a:solidFill>
-                  <a:srgbClr val="000000"/>
-                </a:solidFill>
-              </a:rPr>
-            </a:br>
-            <a:r>
-              <a:rPr lang="ru-RU" dirty="0" smtClean="0"/>
-              <a:t>Вычисление </a:t>
-            </a:r>
-            <a:r>
-              <a:rPr lang="ru-RU" dirty="0"/>
-              <a:t>площади фигуры</a:t>
-            </a:r>
-            <a:r>
-              <a:rPr lang="ru-RU" dirty="0">
-                <a:solidFill>
-                  <a:srgbClr val="000000"/>
-                </a:solidFill>
-              </a:rPr>
-              <a:t/>
-            </a:r>
-            <a:br>
-              <a:rPr lang="ru-RU" dirty="0">
-                <a:solidFill>
-                  <a:srgbClr val="000000"/>
-                </a:solidFill>
-              </a:rPr>
-            </a:br>
-            <a:r>
-              <a:rPr lang="ru-RU" dirty="0" smtClean="0"/>
-              <a:t> </a:t>
-            </a:r>
-            <a:endParaRPr lang="ru-RU" dirty="0"/>
-          </a:p>
-        </p:txBody>
-      </p:sp>
-      <p:sp>
-        <p:nvSpPr>
-          <p:cNvPr id="4" name="Подзаголовок 3"/>
-          <p:cNvSpPr>
-            <a:spLocks noGrp="1"/>
-          </p:cNvSpPr>
-          <p:nvPr>
-            <p:ph type="subTitle" idx="1"/>
-          </p:nvPr>
-        </p:nvSpPr>
-        <p:spPr/>
-        <p:txBody>
-          <a:bodyPr/>
-          <a:lstStyle/>
-          <a:p>
-            <a:r>
-              <a:rPr lang="ru-RU" dirty="0" smtClean="0"/>
-              <a:t>24.01.22</a:t>
-            </a:r>
-            <a:endParaRPr lang="ru-RU" dirty="0"/>
-          </a:p>
-        </p:txBody>
-      </p:sp>
-    </p:spTree>
-    <p:extLst>
-      <p:ext uri="{BB962C8B-B14F-4D97-AF65-F5344CB8AC3E}">
-        <p14:creationId xmlns:p14="http://schemas.microsoft.com/office/powerpoint/2010/main" val="511658018"/>
-      </p:ext>
-    </p:extLst>
-  </p:cSld>
-  <p:clrMapOvr>
-    <a:masterClrMapping/>
-  </p:clrMapOvr>
-  <p:timing>
-    <p:tnLst>
-      <p:par>
-        <p:cTn id="1" dur="indefinite" restart="never" nodeType="tmRoot"/>
-      </p:par>
-    </p:tnLst>
-  </p:timing>
-</p:sld>
-</file>
-
-<file path=ppt/slides/slide17.xml><?xml version="1.0" encoding="utf-8"?>
-<p:sld xmlns:a="http://schemas.openxmlformats.org/drawingml/2006/main" xmlns:r="http://schemas.openxmlformats.org/officeDocument/2006/relationships" xmlns:p="http://schemas.openxmlformats.org/presentationml/2006/main">
-  <p:cSld>
-    <p:spTree>
-      <p:nvGrpSpPr>
-        <p:cNvPr id="1" name=""/>
-        <p:cNvGrpSpPr/>
-        <p:nvPr/>
-      </p:nvGrpSpPr>
-      <p:grpSpPr>
-        <a:xfrm>
-          <a:off x="0" y="0"/>
-          <a:ext cx="0" cy="0"/>
-          <a:chOff x="0" y="0"/>
-          <a:chExt cx="0" cy="0"/>
-        </a:xfrm>
-      </p:grpSpPr>
-      <p:sp>
-        <p:nvSpPr>
-          <p:cNvPr id="2" name="Заголовок 1"/>
-          <p:cNvSpPr>
-            <a:spLocks noGrp="1"/>
-          </p:cNvSpPr>
-          <p:nvPr>
-            <p:ph type="title"/>
-          </p:nvPr>
-        </p:nvSpPr>
-        <p:spPr/>
-        <p:txBody>
-          <a:bodyPr/>
-          <a:lstStyle/>
-          <a:p>
-            <a:r>
-              <a:rPr lang="ru-RU" dirty="0" smtClean="0"/>
-              <a:t>Практическая работа</a:t>
-            </a:r>
-            <a:endParaRPr lang="ru-RU" dirty="0"/>
-          </a:p>
-        </p:txBody>
-      </p:sp>
-      <p:sp>
-        <p:nvSpPr>
-          <p:cNvPr id="3" name="Номер слайда 2"/>
-          <p:cNvSpPr>
-            <a:spLocks noGrp="1"/>
-          </p:cNvSpPr>
-          <p:nvPr>
-            <p:ph type="sldNum" sz="quarter" idx="12"/>
-          </p:nvPr>
-        </p:nvSpPr>
-        <p:spPr/>
-        <p:txBody>
-          <a:bodyPr/>
-          <a:lstStyle/>
-          <a:p>
-            <a:pPr>
-              <a:defRPr/>
-            </a:pPr>
-            <a:fld id="{27535A8B-FB4C-4F07-82CA-8A5E8E090EB8}" type="slidenum">
-              <a:rPr lang="ru-RU" smtClean="0">
-                <a:solidFill>
-                  <a:srgbClr val="000000"/>
-                </a:solidFill>
-              </a:rPr>
-              <a:pPr>
-                <a:defRPr/>
-              </a:pPr>
-              <a:t>17</a:t>
-            </a:fld>
-            <a:endParaRPr lang="ru-RU">
-              <a:solidFill>
-                <a:srgbClr val="000000"/>
-              </a:solidFill>
-            </a:endParaRPr>
-          </a:p>
-        </p:txBody>
-      </p:sp>
-      <p:sp>
-        <p:nvSpPr>
-          <p:cNvPr id="4" name="Заголовок 1"/>
-          <p:cNvSpPr txBox="1">
-            <a:spLocks/>
-          </p:cNvSpPr>
-          <p:nvPr/>
-        </p:nvSpPr>
-        <p:spPr bwMode="auto">
-          <a:xfrm>
-            <a:off x="251520" y="2060848"/>
-            <a:ext cx="8376082" cy="471086"/>
-          </a:xfrm>
-          <a:prstGeom prst="rect">
-            <a:avLst/>
-          </a:prstGeom>
-          <a:noFill/>
-          <a:ln>
-            <a:noFill/>
-          </a:ln>
-          <a:extLst>
-            <a:ext uri="{909E8E84-426E-40DD-AFC4-6F175D3DCCD1}">
-              <a14:hiddenFill xmlns:a14="http://schemas.microsoft.com/office/drawing/2010/main">
-                <a:solidFill>
-                  <a:srgbClr val="FFFFFF"/>
-                </a:solidFill>
-              </a14:hiddenFill>
-            </a:ext>
-            <a:ext uri="{91240B29-F687-4F45-9708-019B960494DF}">
-              <a14:hiddenLine xmlns:a14="http://schemas.microsoft.com/office/drawing/2010/main" w="9525">
-                <a:solidFill>
-                  <a:srgbClr val="000000"/>
-                </a:solidFill>
-                <a:miter lim="800000"/>
-                <a:headEnd/>
-                <a:tailEnd/>
-              </a14:hiddenLine>
-            </a:ext>
-          </a:extLst>
-        </p:spPr>
-        <p:txBody>
-          <a:bodyPr vert="horz" wrap="square" lIns="91440" tIns="45720" rIns="91440" bIns="45720" numCol="1" anchor="ctr" anchorCtr="0" compatLnSpc="1">
-            <a:prstTxWarp prst="textNoShape">
-              <a:avLst/>
-            </a:prstTxWarp>
-          </a:bodyPr>
-          <a:lstStyle>
-            <a:lvl1pPr algn="l" rtl="0" eaLnBrk="0" fontAlgn="base" hangingPunct="0">
-              <a:spcBef>
-                <a:spcPct val="0"/>
-              </a:spcBef>
-              <a:spcAft>
-                <a:spcPct val="0"/>
-              </a:spcAft>
-              <a:defRPr sz="3000" b="1">
-                <a:solidFill>
-                  <a:schemeClr val="tx2"/>
-                </a:solidFill>
-                <a:latin typeface="+mj-lt"/>
-                <a:ea typeface="+mj-ea"/>
-                <a:cs typeface="+mj-cs"/>
-              </a:defRPr>
-            </a:lvl1pPr>
-            <a:lvl2pPr algn="ctr" rtl="0" eaLnBrk="0" fontAlgn="base" hangingPunct="0">
-              <a:spcBef>
-                <a:spcPct val="0"/>
-              </a:spcBef>
-              <a:spcAft>
-                <a:spcPct val="0"/>
-              </a:spcAft>
-              <a:defRPr sz="4400">
-                <a:solidFill>
-                  <a:schemeClr val="tx2"/>
-                </a:solidFill>
-                <a:latin typeface="Arial" charset="0"/>
-              </a:defRPr>
-            </a:lvl2pPr>
-            <a:lvl3pPr algn="ctr" rtl="0" eaLnBrk="0" fontAlgn="base" hangingPunct="0">
-              <a:spcBef>
-                <a:spcPct val="0"/>
-              </a:spcBef>
-              <a:spcAft>
-                <a:spcPct val="0"/>
-              </a:spcAft>
-              <a:defRPr sz="4400">
-                <a:solidFill>
-                  <a:schemeClr val="tx2"/>
-                </a:solidFill>
-                <a:latin typeface="Arial" charset="0"/>
-              </a:defRPr>
-            </a:lvl3pPr>
-            <a:lvl4pPr algn="ctr" rtl="0" eaLnBrk="0" fontAlgn="base" hangingPunct="0">
-              <a:spcBef>
-                <a:spcPct val="0"/>
-              </a:spcBef>
-              <a:spcAft>
-                <a:spcPct val="0"/>
-              </a:spcAft>
-              <a:defRPr sz="4400">
-                <a:solidFill>
-                  <a:schemeClr val="tx2"/>
-                </a:solidFill>
-                <a:latin typeface="Arial" charset="0"/>
-              </a:defRPr>
-            </a:lvl4pPr>
-            <a:lvl5pPr algn="ctr" rtl="0" eaLnBrk="0" fontAlgn="base" hangingPunct="0">
-              <a:spcBef>
-                <a:spcPct val="0"/>
-              </a:spcBef>
-              <a:spcAft>
-                <a:spcPct val="0"/>
-              </a:spcAft>
-              <a:defRPr sz="4400">
-                <a:solidFill>
-                  <a:schemeClr val="tx2"/>
-                </a:solidFill>
-                <a:latin typeface="Arial" charset="0"/>
-              </a:defRPr>
-            </a:lvl5pPr>
-            <a:lvl6pPr marL="457200" algn="ctr" rtl="0" fontAlgn="base">
-              <a:spcBef>
-                <a:spcPct val="0"/>
-              </a:spcBef>
-              <a:spcAft>
-                <a:spcPct val="0"/>
-              </a:spcAft>
-              <a:defRPr sz="4400">
-                <a:solidFill>
-                  <a:schemeClr val="tx2"/>
-                </a:solidFill>
-                <a:latin typeface="Arial" charset="0"/>
-              </a:defRPr>
-            </a:lvl6pPr>
-            <a:lvl7pPr marL="914400" algn="ctr" rtl="0" fontAlgn="base">
-              <a:spcBef>
-                <a:spcPct val="0"/>
-              </a:spcBef>
-              <a:spcAft>
-                <a:spcPct val="0"/>
-              </a:spcAft>
-              <a:defRPr sz="4400">
-                <a:solidFill>
-                  <a:schemeClr val="tx2"/>
-                </a:solidFill>
-                <a:latin typeface="Arial" charset="0"/>
-              </a:defRPr>
-            </a:lvl7pPr>
-            <a:lvl8pPr marL="1371600" algn="ctr" rtl="0" fontAlgn="base">
-              <a:spcBef>
-                <a:spcPct val="0"/>
-              </a:spcBef>
-              <a:spcAft>
-                <a:spcPct val="0"/>
-              </a:spcAft>
-              <a:defRPr sz="4400">
-                <a:solidFill>
-                  <a:schemeClr val="tx2"/>
-                </a:solidFill>
-                <a:latin typeface="Arial" charset="0"/>
-              </a:defRPr>
-            </a:lvl8pPr>
-            <a:lvl9pPr marL="1828800" algn="ctr" rtl="0" fontAlgn="base">
-              <a:spcBef>
-                <a:spcPct val="0"/>
-              </a:spcBef>
-              <a:spcAft>
-                <a:spcPct val="0"/>
-              </a:spcAft>
-              <a:defRPr sz="4400">
-                <a:solidFill>
-                  <a:schemeClr val="tx2"/>
-                </a:solidFill>
-                <a:latin typeface="Arial" charset="0"/>
-              </a:defRPr>
-            </a:lvl9pPr>
-          </a:lstStyle>
-          <a:p>
-            <a:pPr algn="just"/>
-            <a:r>
-              <a:rPr lang="ru-RU" sz="3200" b="0" dirty="0" smtClean="0"/>
-              <a:t>Написать программу, реализующую  вычисление площади криволинейной трапеции на языке программирования</a:t>
-            </a:r>
-          </a:p>
-          <a:p>
-            <a:pPr algn="just"/>
-            <a:endParaRPr lang="ru-RU" sz="3200" dirty="0" smtClean="0"/>
-          </a:p>
-          <a:p>
-            <a:pPr algn="just"/>
-            <a:r>
-              <a:rPr lang="ru-RU" sz="3200" dirty="0" smtClean="0"/>
-              <a:t>§71 стр. 285</a:t>
-            </a:r>
-            <a:endParaRPr lang="ru-RU" sz="3200" dirty="0"/>
-          </a:p>
-        </p:txBody>
-      </p:sp>
-    </p:spTree>
-    <p:extLst>
-      <p:ext uri="{BB962C8B-B14F-4D97-AF65-F5344CB8AC3E}">
-        <p14:creationId xmlns:p14="http://schemas.microsoft.com/office/powerpoint/2010/main" val="3228141990"/>
-      </p:ext>
-    </p:extLst>
-  </p:cSld>
-  <p:clrMapOvr>
-    <a:masterClrMapping/>
-  </p:clrMapOvr>
-  <p:timing>
-    <p:tnLst>
-      <p:par>
-        <p:cTn id="1" dur="indefinite" restart="never" nodeType="tmRoot"/>
-      </p:par>
-    </p:tnLst>
-  </p:timing>
-</p:sld>
-</file>
-
-<file path=ppt/slides/slide18.xml><?xml version="1.0" encoding="utf-8"?>
-<p:sld xmlns:a="http://schemas.openxmlformats.org/drawingml/2006/main" xmlns:r="http://schemas.openxmlformats.org/officeDocument/2006/relationships" xmlns:p="http://schemas.openxmlformats.org/presentationml/2006/main">
-  <p:cSld>
-    <p:spTree>
-      <p:nvGrpSpPr>
-        <p:cNvPr id="1" name=""/>
-        <p:cNvGrpSpPr/>
-        <p:nvPr/>
-      </p:nvGrpSpPr>
-      <p:grpSpPr>
-        <a:xfrm>
-          <a:off x="0" y="0"/>
-          <a:ext cx="0" cy="0"/>
-          <a:chOff x="0" y="0"/>
-          <a:chExt cx="0" cy="0"/>
-        </a:xfrm>
-      </p:grpSpPr>
-      <p:sp>
-        <p:nvSpPr>
-          <p:cNvPr id="3" name="Заголовок 2"/>
-          <p:cNvSpPr>
-            <a:spLocks noGrp="1"/>
-          </p:cNvSpPr>
-          <p:nvPr>
-            <p:ph type="ctrTitle"/>
-          </p:nvPr>
-        </p:nvSpPr>
-        <p:spPr/>
-        <p:txBody>
-          <a:bodyPr/>
-          <a:lstStyle/>
-          <a:p>
-            <a:pPr indent="4763" eaLnBrk="1" hangingPunct="1">
-              <a:lnSpc>
-                <a:spcPct val="90000"/>
-              </a:lnSpc>
-              <a:defRPr/>
-            </a:pPr>
-            <a:r>
-              <a:rPr lang="ru-RU" dirty="0" smtClean="0">
-                <a:solidFill>
-                  <a:srgbClr val="000000"/>
-                </a:solidFill>
-              </a:rPr>
-              <a:t>Оптимизация</a:t>
-            </a:r>
-            <a:r>
-              <a:rPr lang="ru-RU" dirty="0" smtClean="0"/>
-              <a:t> </a:t>
-            </a:r>
-            <a:endParaRPr lang="ru-RU" dirty="0"/>
-          </a:p>
-        </p:txBody>
-      </p:sp>
-      <p:sp>
-        <p:nvSpPr>
-          <p:cNvPr id="4" name="Подзаголовок 3"/>
-          <p:cNvSpPr>
-            <a:spLocks noGrp="1"/>
-          </p:cNvSpPr>
-          <p:nvPr>
-            <p:ph type="subTitle" idx="1"/>
-          </p:nvPr>
-        </p:nvSpPr>
-        <p:spPr/>
-        <p:txBody>
-          <a:bodyPr/>
-          <a:lstStyle/>
-          <a:p>
-            <a:r>
-              <a:rPr lang="ru-RU" dirty="0" smtClean="0"/>
-              <a:t>28.01.22</a:t>
-            </a:r>
-            <a:endParaRPr lang="ru-RU" dirty="0"/>
-          </a:p>
-        </p:txBody>
-      </p:sp>
-    </p:spTree>
-    <p:extLst>
-      <p:ext uri="{BB962C8B-B14F-4D97-AF65-F5344CB8AC3E}">
-        <p14:creationId xmlns:p14="http://schemas.microsoft.com/office/powerpoint/2010/main" val="2401701418"/>
-      </p:ext>
-    </p:extLst>
-  </p:cSld>
-  <p:clrMapOvr>
-    <a:masterClrMapping/>
-  </p:clrMapOvr>
-  <p:timing>
-    <p:tnLst>
-      <p:par>
-        <p:cTn id="1" dur="indefinite" restart="never" nodeType="tmRoot"/>
-      </p:par>
-    </p:tnLst>
-  </p:timing>
-</p:sld>
-</file>
-
-<file path=ppt/slides/slide19.xml><?xml version="1.0" encoding="utf-8"?>
-<p:sld xmlns:a="http://schemas.openxmlformats.org/drawingml/2006/main" xmlns:r="http://schemas.openxmlformats.org/officeDocument/2006/relationships" xmlns:p="http://schemas.openxmlformats.org/presentationml/2006/main">
-  <p:cSld>
-    <p:spTree>
-      <p:nvGrpSpPr>
-        <p:cNvPr id="1" name=""/>
-        <p:cNvGrpSpPr/>
-        <p:nvPr/>
-      </p:nvGrpSpPr>
-      <p:grpSpPr>
-        <a:xfrm>
-          <a:off x="0" y="0"/>
-          <a:ext cx="0" cy="0"/>
-          <a:chOff x="0" y="0"/>
-          <a:chExt cx="0" cy="0"/>
-        </a:xfrm>
-      </p:grpSpPr>
-      <p:sp>
-        <p:nvSpPr>
-          <p:cNvPr id="3" name="Номер слайда 2"/>
-          <p:cNvSpPr>
-            <a:spLocks noGrp="1"/>
-          </p:cNvSpPr>
-          <p:nvPr>
-            <p:ph type="sldNum" sz="quarter" idx="12"/>
-          </p:nvPr>
-        </p:nvSpPr>
-        <p:spPr/>
-        <p:txBody>
-          <a:bodyPr/>
-          <a:lstStyle/>
-          <a:p>
-            <a:pPr>
-              <a:defRPr/>
-            </a:pPr>
-            <a:fld id="{27535A8B-FB4C-4F07-82CA-8A5E8E090EB8}" type="slidenum">
-              <a:rPr lang="ru-RU" smtClean="0">
-                <a:solidFill>
-                  <a:srgbClr val="000000"/>
-                </a:solidFill>
-              </a:rPr>
-              <a:pPr>
-                <a:defRPr/>
-              </a:pPr>
-              <a:t>19</a:t>
-            </a:fld>
-            <a:endParaRPr lang="ru-RU">
-              <a:solidFill>
-                <a:srgbClr val="000000"/>
-              </a:solidFill>
-            </a:endParaRPr>
-          </a:p>
-        </p:txBody>
-      </p:sp>
-      <p:sp>
-        <p:nvSpPr>
-          <p:cNvPr id="4" name="TextBox 3"/>
-          <p:cNvSpPr txBox="1"/>
-          <p:nvPr/>
-        </p:nvSpPr>
-        <p:spPr>
-          <a:xfrm>
-            <a:off x="323528" y="836712"/>
-            <a:ext cx="8496944" cy="2031325"/>
-          </a:xfrm>
-          <a:prstGeom prst="rect">
-            <a:avLst/>
-          </a:prstGeom>
-          <a:noFill/>
-        </p:spPr>
-        <p:txBody>
-          <a:bodyPr wrap="square" rtlCol="0">
-            <a:spAutoFit/>
-          </a:bodyPr>
-          <a:lstStyle/>
-          <a:p>
-            <a:pPr algn="just"/>
-            <a:r>
-              <a:rPr lang="ru-RU" dirty="0"/>
-              <a:t>Компания "</a:t>
-            </a:r>
-            <a:r>
-              <a:rPr lang="ru-RU" dirty="0" err="1"/>
-              <a:t>Евростройтур</a:t>
-            </a:r>
-            <a:r>
-              <a:rPr lang="ru-RU" dirty="0"/>
-              <a:t>" организует экскурсионные автобусные туры по странам Европы. Компания получила 4 новых автобуса и предполагает направить их на маршруты во Францию, Италию, Чехию и Испанию. Каждый автобус обслуживают 2 водителя. Компанией приглашены 8 водителей, в различной степени знакомых с дорогами европейских стран (в% от экскурсионного маршрута):</a:t>
-            </a:r>
-          </a:p>
-          <a:p>
-            <a:pPr algn="just"/>
-            <a:endParaRPr lang="ru-RU" dirty="0"/>
-          </a:p>
-        </p:txBody>
-      </p:sp>
-      <p:graphicFrame>
-        <p:nvGraphicFramePr>
-          <p:cNvPr id="9" name="Таблица 8"/>
-          <p:cNvGraphicFramePr>
-            <a:graphicFrameLocks noGrp="1"/>
-          </p:cNvGraphicFramePr>
-          <p:nvPr>
-            <p:extLst/>
-          </p:nvPr>
-        </p:nvGraphicFramePr>
-        <p:xfrm>
-          <a:off x="1187624" y="2708920"/>
-          <a:ext cx="6120680" cy="2881054"/>
-        </p:xfrm>
-        <a:graphic>
-          <a:graphicData uri="http://schemas.openxmlformats.org/drawingml/2006/table">
-            <a:tbl>
-              <a:tblPr firstRow="1" firstCol="1" bandRow="1">
-                <a:tableStyleId>{5940675A-B579-460E-94D1-54222C63F5DA}</a:tableStyleId>
-              </a:tblPr>
-              <a:tblGrid>
-                <a:gridCol w="1407938"/>
-                <a:gridCol w="1317000"/>
-                <a:gridCol w="1219643"/>
-                <a:gridCol w="941478"/>
-                <a:gridCol w="1234621"/>
-              </a:tblGrid>
-              <a:tr h="288032">
-                <a:tc>
-                  <a:txBody>
-                    <a:bodyPr/>
-                    <a:lstStyle/>
-                    <a:p>
-                      <a:pPr>
-                        <a:lnSpc>
-                          <a:spcPct val="150000"/>
-                        </a:lnSpc>
-                        <a:spcAft>
-                          <a:spcPts val="0"/>
-                        </a:spcAft>
-                      </a:pPr>
-                      <a:r>
-                        <a:rPr lang="ru-RU" sz="1400" u="none" strike="noStrike" dirty="0">
-                          <a:effectLst/>
-                        </a:rPr>
-                        <a:t> </a:t>
-                      </a:r>
-                      <a:endParaRPr lang="ru-RU" sz="1200" u="none" dirty="0">
-                        <a:effectLst/>
-                        <a:latin typeface="Calibri"/>
-                        <a:ea typeface="Calibri"/>
-                        <a:cs typeface="Times New Roman"/>
-                      </a:endParaRPr>
-                    </a:p>
-                  </a:txBody>
-                  <a:tcPr marL="68580" marR="68580" marT="0" marB="0"/>
-                </a:tc>
-                <a:tc>
-                  <a:txBody>
-                    <a:bodyPr/>
-                    <a:lstStyle/>
-                    <a:p>
-                      <a:pPr algn="ctr">
-                        <a:lnSpc>
-                          <a:spcPct val="150000"/>
-                        </a:lnSpc>
-                        <a:spcAft>
-                          <a:spcPts val="0"/>
-                        </a:spcAft>
-                      </a:pPr>
-                      <a:r>
-                        <a:rPr lang="ru-RU" sz="1400" b="1" u="none" dirty="0">
-                          <a:effectLst/>
-                        </a:rPr>
-                        <a:t>Франция</a:t>
-                      </a:r>
-                      <a:endParaRPr lang="ru-RU" sz="1200" b="1" u="none" dirty="0">
-                        <a:effectLst/>
-                        <a:latin typeface="Calibri"/>
-                        <a:ea typeface="Calibri"/>
-                        <a:cs typeface="Times New Roman"/>
-                      </a:endParaRPr>
-                    </a:p>
-                  </a:txBody>
-                  <a:tcPr marL="68580" marR="68580" marT="0" marB="0"/>
-                </a:tc>
-                <a:tc>
-                  <a:txBody>
-                    <a:bodyPr/>
-                    <a:lstStyle/>
-                    <a:p>
-                      <a:pPr algn="ctr">
-                        <a:lnSpc>
-                          <a:spcPct val="150000"/>
-                        </a:lnSpc>
-                        <a:spcAft>
-                          <a:spcPts val="0"/>
-                        </a:spcAft>
-                      </a:pPr>
-                      <a:r>
-                        <a:rPr lang="ru-RU" sz="1400" b="1" u="none" dirty="0">
-                          <a:effectLst/>
-                        </a:rPr>
-                        <a:t>Италия</a:t>
-                      </a:r>
-                      <a:endParaRPr lang="ru-RU" sz="1200" b="1" u="none" dirty="0">
-                        <a:effectLst/>
-                        <a:latin typeface="Calibri"/>
-                        <a:ea typeface="Calibri"/>
-                        <a:cs typeface="Times New Roman"/>
-                      </a:endParaRPr>
-                    </a:p>
-                  </a:txBody>
-                  <a:tcPr marL="68580" marR="68580" marT="0" marB="0"/>
-                </a:tc>
-                <a:tc>
-                  <a:txBody>
-                    <a:bodyPr/>
-                    <a:lstStyle/>
-                    <a:p>
-                      <a:pPr algn="ctr">
-                        <a:lnSpc>
-                          <a:spcPct val="150000"/>
-                        </a:lnSpc>
-                        <a:spcAft>
-                          <a:spcPts val="0"/>
-                        </a:spcAft>
-                      </a:pPr>
-                      <a:r>
-                        <a:rPr lang="ru-RU" sz="1400" b="1" u="none" dirty="0">
-                          <a:effectLst/>
-                        </a:rPr>
-                        <a:t>Чехия</a:t>
-                      </a:r>
-                      <a:endParaRPr lang="ru-RU" sz="1200" b="1" u="none" dirty="0">
-                        <a:effectLst/>
-                        <a:latin typeface="Calibri"/>
-                        <a:ea typeface="Calibri"/>
-                        <a:cs typeface="Times New Roman"/>
-                      </a:endParaRPr>
-                    </a:p>
-                  </a:txBody>
-                  <a:tcPr marL="68580" marR="68580" marT="0" marB="0"/>
-                </a:tc>
-                <a:tc>
-                  <a:txBody>
-                    <a:bodyPr/>
-                    <a:lstStyle/>
-                    <a:p>
-                      <a:pPr algn="ctr">
-                        <a:lnSpc>
-                          <a:spcPct val="150000"/>
-                        </a:lnSpc>
-                        <a:spcAft>
-                          <a:spcPts val="0"/>
-                        </a:spcAft>
-                      </a:pPr>
-                      <a:r>
-                        <a:rPr lang="ru-RU" sz="1400" b="1" u="none" dirty="0">
-                          <a:effectLst/>
-                        </a:rPr>
-                        <a:t>Испания</a:t>
-                      </a:r>
-                      <a:endParaRPr lang="ru-RU" sz="1200" b="1" u="none" dirty="0">
-                        <a:effectLst/>
-                        <a:latin typeface="Calibri"/>
-                        <a:ea typeface="Calibri"/>
-                        <a:cs typeface="Times New Roman"/>
-                      </a:endParaRPr>
-                    </a:p>
-                  </a:txBody>
-                  <a:tcPr marL="68580" marR="68580" marT="0" marB="0"/>
-                </a:tc>
-              </a:tr>
-              <a:tr h="320734">
-                <a:tc>
-                  <a:txBody>
-                    <a:bodyPr/>
-                    <a:lstStyle/>
-                    <a:p>
-                      <a:pPr>
-                        <a:lnSpc>
-                          <a:spcPct val="150000"/>
-                        </a:lnSpc>
-                        <a:spcAft>
-                          <a:spcPts val="0"/>
-                        </a:spcAft>
-                      </a:pPr>
-                      <a:r>
-                        <a:rPr lang="ru-RU" sz="1400" b="1" u="none">
-                          <a:effectLst/>
-                        </a:rPr>
-                        <a:t>Александр</a:t>
-                      </a:r>
-                      <a:endParaRPr lang="ru-RU" sz="1200" b="1" u="none">
-                        <a:effectLst/>
-                        <a:latin typeface="Calibri"/>
-                        <a:ea typeface="Calibri"/>
-                        <a:cs typeface="Times New Roman"/>
-                      </a:endParaRPr>
-                    </a:p>
-                  </a:txBody>
-                  <a:tcPr marL="68580" marR="68580" marT="0" marB="0"/>
-                </a:tc>
-                <a:tc>
-                  <a:txBody>
-                    <a:bodyPr/>
-                    <a:lstStyle/>
-                    <a:p>
-                      <a:pPr algn="ctr">
-                        <a:lnSpc>
-                          <a:spcPct val="150000"/>
-                        </a:lnSpc>
-                        <a:spcAft>
-                          <a:spcPts val="0"/>
-                        </a:spcAft>
-                      </a:pPr>
-                      <a:r>
-                        <a:rPr lang="ru-RU" sz="1400" u="none" dirty="0">
-                          <a:effectLst/>
-                        </a:rPr>
-                        <a:t>56</a:t>
-                      </a:r>
-                      <a:endParaRPr lang="ru-RU" sz="1200" u="none" dirty="0">
-                        <a:effectLst/>
-                        <a:latin typeface="Calibri"/>
-                        <a:ea typeface="Calibri"/>
-                        <a:cs typeface="Times New Roman"/>
-                      </a:endParaRPr>
-                    </a:p>
-                  </a:txBody>
-                  <a:tcPr marL="68580" marR="68580" marT="0" marB="0"/>
-                </a:tc>
-                <a:tc>
-                  <a:txBody>
-                    <a:bodyPr/>
-                    <a:lstStyle/>
-                    <a:p>
-                      <a:pPr algn="ctr">
-                        <a:lnSpc>
-                          <a:spcPct val="150000"/>
-                        </a:lnSpc>
-                        <a:spcAft>
-                          <a:spcPts val="0"/>
-                        </a:spcAft>
-                      </a:pPr>
-                      <a:r>
-                        <a:rPr lang="ru-RU" sz="1400" u="none" dirty="0">
-                          <a:effectLst/>
-                        </a:rPr>
-                        <a:t>43</a:t>
-                      </a:r>
-                      <a:endParaRPr lang="ru-RU" sz="1200" u="none" dirty="0">
-                        <a:effectLst/>
-                        <a:latin typeface="Calibri"/>
-                        <a:ea typeface="Calibri"/>
-                        <a:cs typeface="Times New Roman"/>
-                      </a:endParaRPr>
-                    </a:p>
-                  </a:txBody>
-                  <a:tcPr marL="68580" marR="68580" marT="0" marB="0"/>
-                </a:tc>
-                <a:tc>
-                  <a:txBody>
-                    <a:bodyPr/>
-                    <a:lstStyle/>
-                    <a:p>
-                      <a:pPr algn="ctr">
-                        <a:lnSpc>
-                          <a:spcPct val="150000"/>
-                        </a:lnSpc>
-                        <a:spcAft>
-                          <a:spcPts val="0"/>
-                        </a:spcAft>
-                      </a:pPr>
-                      <a:r>
-                        <a:rPr lang="ru-RU" sz="1400" u="none">
-                          <a:effectLst/>
-                        </a:rPr>
-                        <a:t>85</a:t>
-                      </a:r>
-                      <a:endParaRPr lang="ru-RU" sz="1200" u="none">
-                        <a:effectLst/>
-                        <a:latin typeface="Calibri"/>
-                        <a:ea typeface="Calibri"/>
-                        <a:cs typeface="Times New Roman"/>
-                      </a:endParaRPr>
-                    </a:p>
-                  </a:txBody>
-                  <a:tcPr marL="68580" marR="68580" marT="0" marB="0"/>
-                </a:tc>
-                <a:tc>
-                  <a:txBody>
-                    <a:bodyPr/>
-                    <a:lstStyle/>
-                    <a:p>
-                      <a:pPr algn="ctr">
-                        <a:lnSpc>
-                          <a:spcPct val="150000"/>
-                        </a:lnSpc>
-                        <a:spcAft>
-                          <a:spcPts val="0"/>
-                        </a:spcAft>
-                      </a:pPr>
-                      <a:r>
-                        <a:rPr lang="ru-RU" sz="1400" u="none">
-                          <a:effectLst/>
-                        </a:rPr>
-                        <a:t>68</a:t>
-                      </a:r>
-                      <a:endParaRPr lang="ru-RU" sz="1200" u="none">
-                        <a:effectLst/>
-                        <a:latin typeface="Calibri"/>
-                        <a:ea typeface="Calibri"/>
-                        <a:cs typeface="Times New Roman"/>
-                      </a:endParaRPr>
-                    </a:p>
-                  </a:txBody>
-                  <a:tcPr marL="68580" marR="68580" marT="0" marB="0"/>
-                </a:tc>
-              </a:tr>
-              <a:tr h="256228">
-                <a:tc>
-                  <a:txBody>
-                    <a:bodyPr/>
-                    <a:lstStyle/>
-                    <a:p>
-                      <a:pPr>
-                        <a:lnSpc>
-                          <a:spcPct val="150000"/>
-                        </a:lnSpc>
-                        <a:spcAft>
-                          <a:spcPts val="0"/>
-                        </a:spcAft>
-                      </a:pPr>
-                      <a:r>
-                        <a:rPr lang="ru-RU" sz="1400" b="1" u="none" dirty="0">
-                          <a:effectLst/>
-                        </a:rPr>
-                        <a:t>Алексей</a:t>
-                      </a:r>
-                      <a:endParaRPr lang="ru-RU" sz="1200" b="1" u="none" dirty="0">
-                        <a:effectLst/>
-                        <a:latin typeface="Calibri"/>
-                        <a:ea typeface="Calibri"/>
-                        <a:cs typeface="Times New Roman"/>
-                      </a:endParaRPr>
-                    </a:p>
-                  </a:txBody>
-                  <a:tcPr marL="68580" marR="68580" marT="0" marB="0"/>
-                </a:tc>
-                <a:tc>
-                  <a:txBody>
-                    <a:bodyPr/>
-                    <a:lstStyle/>
-                    <a:p>
-                      <a:pPr algn="ctr">
-                        <a:lnSpc>
-                          <a:spcPct val="150000"/>
-                        </a:lnSpc>
-                        <a:spcAft>
-                          <a:spcPts val="0"/>
-                        </a:spcAft>
-                      </a:pPr>
-                      <a:r>
-                        <a:rPr lang="ru-RU" sz="1400" u="none">
-                          <a:effectLst/>
-                        </a:rPr>
-                        <a:t>56</a:t>
-                      </a:r>
-                      <a:endParaRPr lang="ru-RU" sz="1200" u="none">
-                        <a:effectLst/>
-                        <a:latin typeface="Calibri"/>
-                        <a:ea typeface="Calibri"/>
-                        <a:cs typeface="Times New Roman"/>
-                      </a:endParaRPr>
-                    </a:p>
-                  </a:txBody>
-                  <a:tcPr marL="68580" marR="68580" marT="0" marB="0"/>
-                </a:tc>
-                <a:tc>
-                  <a:txBody>
-                    <a:bodyPr/>
-                    <a:lstStyle/>
-                    <a:p>
-                      <a:pPr algn="ctr">
-                        <a:lnSpc>
-                          <a:spcPct val="150000"/>
-                        </a:lnSpc>
-                        <a:spcAft>
-                          <a:spcPts val="0"/>
-                        </a:spcAft>
-                      </a:pPr>
-                      <a:r>
-                        <a:rPr lang="ru-RU" sz="1400" u="none" dirty="0">
-                          <a:effectLst/>
-                        </a:rPr>
-                        <a:t>38</a:t>
-                      </a:r>
-                      <a:endParaRPr lang="ru-RU" sz="1200" u="none" dirty="0">
-                        <a:effectLst/>
-                        <a:latin typeface="Calibri"/>
-                        <a:ea typeface="Calibri"/>
-                        <a:cs typeface="Times New Roman"/>
-                      </a:endParaRPr>
-                    </a:p>
-                  </a:txBody>
-                  <a:tcPr marL="68580" marR="68580" marT="0" marB="0"/>
-                </a:tc>
-                <a:tc>
-                  <a:txBody>
-                    <a:bodyPr/>
-                    <a:lstStyle/>
-                    <a:p>
-                      <a:pPr algn="ctr">
-                        <a:lnSpc>
-                          <a:spcPct val="150000"/>
-                        </a:lnSpc>
-                        <a:spcAft>
-                          <a:spcPts val="0"/>
-                        </a:spcAft>
-                      </a:pPr>
-                      <a:r>
-                        <a:rPr lang="ru-RU" sz="1400" u="none">
-                          <a:effectLst/>
-                        </a:rPr>
-                        <a:t>99</a:t>
-                      </a:r>
-                      <a:endParaRPr lang="ru-RU" sz="1200" u="none">
-                        <a:effectLst/>
-                        <a:latin typeface="Calibri"/>
-                        <a:ea typeface="Calibri"/>
-                        <a:cs typeface="Times New Roman"/>
-                      </a:endParaRPr>
-                    </a:p>
-                  </a:txBody>
-                  <a:tcPr marL="68580" marR="68580" marT="0" marB="0"/>
-                </a:tc>
-                <a:tc>
-                  <a:txBody>
-                    <a:bodyPr/>
-                    <a:lstStyle/>
-                    <a:p>
-                      <a:pPr algn="ctr">
-                        <a:lnSpc>
-                          <a:spcPct val="150000"/>
-                        </a:lnSpc>
-                        <a:spcAft>
-                          <a:spcPts val="0"/>
-                        </a:spcAft>
-                      </a:pPr>
-                      <a:r>
-                        <a:rPr lang="ru-RU" sz="1400" u="none">
-                          <a:effectLst/>
-                        </a:rPr>
-                        <a:t>70</a:t>
-                      </a:r>
-                      <a:endParaRPr lang="ru-RU" sz="1200" u="none">
-                        <a:effectLst/>
-                        <a:latin typeface="Calibri"/>
-                        <a:ea typeface="Calibri"/>
-                        <a:cs typeface="Times New Roman"/>
-                      </a:endParaRPr>
-                    </a:p>
-                  </a:txBody>
-                  <a:tcPr marL="68580" marR="68580" marT="0" marB="0"/>
-                </a:tc>
-              </a:tr>
-              <a:tr h="256228">
-                <a:tc>
-                  <a:txBody>
-                    <a:bodyPr/>
-                    <a:lstStyle/>
-                    <a:p>
-                      <a:pPr>
-                        <a:lnSpc>
-                          <a:spcPct val="150000"/>
-                        </a:lnSpc>
-                        <a:spcAft>
-                          <a:spcPts val="0"/>
-                        </a:spcAft>
-                      </a:pPr>
-                      <a:r>
-                        <a:rPr lang="ru-RU" sz="1400" b="1" u="none">
-                          <a:effectLst/>
-                        </a:rPr>
-                        <a:t>Валентин</a:t>
-                      </a:r>
-                      <a:endParaRPr lang="ru-RU" sz="1200" b="1" u="none">
-                        <a:effectLst/>
-                        <a:latin typeface="Calibri"/>
-                        <a:ea typeface="Calibri"/>
-                        <a:cs typeface="Times New Roman"/>
-                      </a:endParaRPr>
-                    </a:p>
-                  </a:txBody>
-                  <a:tcPr marL="68580" marR="68580" marT="0" marB="0"/>
-                </a:tc>
-                <a:tc>
-                  <a:txBody>
-                    <a:bodyPr/>
-                    <a:lstStyle/>
-                    <a:p>
-                      <a:pPr algn="ctr">
-                        <a:lnSpc>
-                          <a:spcPct val="150000"/>
-                        </a:lnSpc>
-                        <a:spcAft>
-                          <a:spcPts val="0"/>
-                        </a:spcAft>
-                      </a:pPr>
-                      <a:r>
-                        <a:rPr lang="ru-RU" sz="1400" u="none">
-                          <a:effectLst/>
-                        </a:rPr>
-                        <a:t>63</a:t>
-                      </a:r>
-                      <a:endParaRPr lang="ru-RU" sz="1200" u="none">
-                        <a:effectLst/>
-                        <a:latin typeface="Calibri"/>
-                        <a:ea typeface="Calibri"/>
-                        <a:cs typeface="Times New Roman"/>
-                      </a:endParaRPr>
-                    </a:p>
-                  </a:txBody>
-                  <a:tcPr marL="68580" marR="68580" marT="0" marB="0"/>
-                </a:tc>
-                <a:tc>
-                  <a:txBody>
-                    <a:bodyPr/>
-                    <a:lstStyle/>
-                    <a:p>
-                      <a:pPr algn="ctr">
-                        <a:lnSpc>
-                          <a:spcPct val="150000"/>
-                        </a:lnSpc>
-                        <a:spcAft>
-                          <a:spcPts val="0"/>
-                        </a:spcAft>
-                      </a:pPr>
-                      <a:r>
-                        <a:rPr lang="ru-RU" sz="1400" u="none" dirty="0">
-                          <a:effectLst/>
-                        </a:rPr>
-                        <a:t>94</a:t>
-                      </a:r>
-                      <a:endParaRPr lang="ru-RU" sz="1200" u="none" dirty="0">
-                        <a:effectLst/>
-                        <a:latin typeface="Calibri"/>
-                        <a:ea typeface="Calibri"/>
-                        <a:cs typeface="Times New Roman"/>
-                      </a:endParaRPr>
-                    </a:p>
-                  </a:txBody>
-                  <a:tcPr marL="68580" marR="68580" marT="0" marB="0"/>
-                </a:tc>
-                <a:tc>
-                  <a:txBody>
-                    <a:bodyPr/>
-                    <a:lstStyle/>
-                    <a:p>
-                      <a:pPr algn="ctr">
-                        <a:lnSpc>
-                          <a:spcPct val="150000"/>
-                        </a:lnSpc>
-                        <a:spcAft>
-                          <a:spcPts val="0"/>
-                        </a:spcAft>
-                      </a:pPr>
-                      <a:r>
-                        <a:rPr lang="ru-RU" sz="1400" u="none" dirty="0">
-                          <a:effectLst/>
-                        </a:rPr>
-                        <a:t>54</a:t>
-                      </a:r>
-                      <a:endParaRPr lang="ru-RU" sz="1200" u="none" dirty="0">
-                        <a:effectLst/>
-                        <a:latin typeface="Calibri"/>
-                        <a:ea typeface="Calibri"/>
-                        <a:cs typeface="Times New Roman"/>
-                      </a:endParaRPr>
-                    </a:p>
-                  </a:txBody>
-                  <a:tcPr marL="68580" marR="68580" marT="0" marB="0"/>
-                </a:tc>
-                <a:tc>
-                  <a:txBody>
-                    <a:bodyPr/>
-                    <a:lstStyle/>
-                    <a:p>
-                      <a:pPr algn="ctr">
-                        <a:lnSpc>
-                          <a:spcPct val="150000"/>
-                        </a:lnSpc>
-                        <a:spcAft>
-                          <a:spcPts val="0"/>
-                        </a:spcAft>
-                      </a:pPr>
-                      <a:r>
-                        <a:rPr lang="ru-RU" sz="1400" u="none">
-                          <a:effectLst/>
-                        </a:rPr>
-                        <a:t>84</a:t>
-                      </a:r>
-                      <a:endParaRPr lang="ru-RU" sz="1200" u="none">
-                        <a:effectLst/>
-                        <a:latin typeface="Calibri"/>
-                        <a:ea typeface="Calibri"/>
-                        <a:cs typeface="Times New Roman"/>
-                      </a:endParaRPr>
-                    </a:p>
-                  </a:txBody>
-                  <a:tcPr marL="68580" marR="68580" marT="0" marB="0"/>
-                </a:tc>
-              </a:tr>
-              <a:tr h="256228">
-                <a:tc>
-                  <a:txBody>
-                    <a:bodyPr/>
-                    <a:lstStyle/>
-                    <a:p>
-                      <a:pPr>
-                        <a:lnSpc>
-                          <a:spcPct val="150000"/>
-                        </a:lnSpc>
-                        <a:spcAft>
-                          <a:spcPts val="0"/>
-                        </a:spcAft>
-                      </a:pPr>
-                      <a:r>
-                        <a:rPr lang="ru-RU" sz="1400" b="1" u="none">
-                          <a:effectLst/>
-                        </a:rPr>
-                        <a:t>Василий</a:t>
-                      </a:r>
-                      <a:endParaRPr lang="ru-RU" sz="1200" b="1" u="none">
-                        <a:effectLst/>
-                        <a:latin typeface="Calibri"/>
-                        <a:ea typeface="Calibri"/>
-                        <a:cs typeface="Times New Roman"/>
-                      </a:endParaRPr>
-                    </a:p>
-                  </a:txBody>
-                  <a:tcPr marL="68580" marR="68580" marT="0" marB="0"/>
-                </a:tc>
-                <a:tc>
-                  <a:txBody>
-                    <a:bodyPr/>
-                    <a:lstStyle/>
-                    <a:p>
-                      <a:pPr algn="ctr">
-                        <a:lnSpc>
-                          <a:spcPct val="150000"/>
-                        </a:lnSpc>
-                        <a:spcAft>
-                          <a:spcPts val="0"/>
-                        </a:spcAft>
-                      </a:pPr>
-                      <a:r>
-                        <a:rPr lang="ru-RU" sz="1400" u="none">
-                          <a:effectLst/>
-                        </a:rPr>
-                        <a:t>96</a:t>
-                      </a:r>
-                      <a:endParaRPr lang="ru-RU" sz="1200" u="none">
-                        <a:effectLst/>
-                        <a:latin typeface="Calibri"/>
-                        <a:ea typeface="Calibri"/>
-                        <a:cs typeface="Times New Roman"/>
-                      </a:endParaRPr>
-                    </a:p>
-                  </a:txBody>
-                  <a:tcPr marL="68580" marR="68580" marT="0" marB="0"/>
-                </a:tc>
-                <a:tc>
-                  <a:txBody>
-                    <a:bodyPr/>
-                    <a:lstStyle/>
-                    <a:p>
-                      <a:pPr algn="ctr">
-                        <a:lnSpc>
-                          <a:spcPct val="150000"/>
-                        </a:lnSpc>
-                        <a:spcAft>
-                          <a:spcPts val="0"/>
-                        </a:spcAft>
-                      </a:pPr>
-                      <a:r>
-                        <a:rPr lang="ru-RU" sz="1400" u="none" dirty="0">
-                          <a:effectLst/>
-                        </a:rPr>
-                        <a:t>89</a:t>
-                      </a:r>
-                      <a:endParaRPr lang="ru-RU" sz="1200" u="none" dirty="0">
-                        <a:effectLst/>
-                        <a:latin typeface="Calibri"/>
-                        <a:ea typeface="Calibri"/>
-                        <a:cs typeface="Times New Roman"/>
-                      </a:endParaRPr>
-                    </a:p>
-                  </a:txBody>
-                  <a:tcPr marL="68580" marR="68580" marT="0" marB="0"/>
-                </a:tc>
-                <a:tc>
-                  <a:txBody>
-                    <a:bodyPr/>
-                    <a:lstStyle/>
-                    <a:p>
-                      <a:pPr algn="ctr">
-                        <a:lnSpc>
-                          <a:spcPct val="150000"/>
-                        </a:lnSpc>
-                        <a:spcAft>
-                          <a:spcPts val="0"/>
-                        </a:spcAft>
-                      </a:pPr>
-                      <a:r>
-                        <a:rPr lang="ru-RU" sz="1400" u="none" dirty="0">
-                          <a:effectLst/>
-                        </a:rPr>
-                        <a:t>65</a:t>
-                      </a:r>
-                      <a:endParaRPr lang="ru-RU" sz="1200" u="none" dirty="0">
-                        <a:effectLst/>
-                        <a:latin typeface="Calibri"/>
-                        <a:ea typeface="Calibri"/>
-                        <a:cs typeface="Times New Roman"/>
-                      </a:endParaRPr>
-                    </a:p>
-                  </a:txBody>
-                  <a:tcPr marL="68580" marR="68580" marT="0" marB="0"/>
-                </a:tc>
-                <a:tc>
-                  <a:txBody>
-                    <a:bodyPr/>
-                    <a:lstStyle/>
-                    <a:p>
-                      <a:pPr algn="ctr">
-                        <a:lnSpc>
-                          <a:spcPct val="150000"/>
-                        </a:lnSpc>
-                        <a:spcAft>
-                          <a:spcPts val="0"/>
-                        </a:spcAft>
-                      </a:pPr>
-                      <a:r>
-                        <a:rPr lang="ru-RU" sz="1400" u="none">
-                          <a:effectLst/>
-                        </a:rPr>
-                        <a:t>24</a:t>
-                      </a:r>
-                      <a:endParaRPr lang="ru-RU" sz="1200" u="none">
-                        <a:effectLst/>
-                        <a:latin typeface="Calibri"/>
-                        <a:ea typeface="Calibri"/>
-                        <a:cs typeface="Times New Roman"/>
-                      </a:endParaRPr>
-                    </a:p>
-                  </a:txBody>
-                  <a:tcPr marL="68580" marR="68580" marT="0" marB="0"/>
-                </a:tc>
-              </a:tr>
-              <a:tr h="256228">
-                <a:tc>
-                  <a:txBody>
-                    <a:bodyPr/>
-                    <a:lstStyle/>
-                    <a:p>
-                      <a:pPr>
-                        <a:lnSpc>
-                          <a:spcPct val="150000"/>
-                        </a:lnSpc>
-                        <a:spcAft>
-                          <a:spcPts val="0"/>
-                        </a:spcAft>
-                      </a:pPr>
-                      <a:r>
-                        <a:rPr lang="ru-RU" sz="1400" b="1" u="none">
-                          <a:effectLst/>
-                        </a:rPr>
-                        <a:t>Николай</a:t>
-                      </a:r>
-                      <a:endParaRPr lang="ru-RU" sz="1200" b="1" u="none">
-                        <a:effectLst/>
-                        <a:latin typeface="Calibri"/>
-                        <a:ea typeface="Calibri"/>
-                        <a:cs typeface="Times New Roman"/>
-                      </a:endParaRPr>
-                    </a:p>
-                  </a:txBody>
-                  <a:tcPr marL="68580" marR="68580" marT="0" marB="0"/>
-                </a:tc>
-                <a:tc>
-                  <a:txBody>
-                    <a:bodyPr/>
-                    <a:lstStyle/>
-                    <a:p>
-                      <a:pPr algn="ctr">
-                        <a:lnSpc>
-                          <a:spcPct val="150000"/>
-                        </a:lnSpc>
-                        <a:spcAft>
-                          <a:spcPts val="0"/>
-                        </a:spcAft>
-                      </a:pPr>
-                      <a:r>
-                        <a:rPr lang="ru-RU" sz="1400" u="none">
-                          <a:effectLst/>
-                        </a:rPr>
-                        <a:t>44</a:t>
-                      </a:r>
-                      <a:endParaRPr lang="ru-RU" sz="1200" u="none">
-                        <a:effectLst/>
-                        <a:latin typeface="Calibri"/>
-                        <a:ea typeface="Calibri"/>
-                        <a:cs typeface="Times New Roman"/>
-                      </a:endParaRPr>
-                    </a:p>
-                  </a:txBody>
-                  <a:tcPr marL="68580" marR="68580" marT="0" marB="0"/>
-                </a:tc>
-                <a:tc>
-                  <a:txBody>
-                    <a:bodyPr/>
-                    <a:lstStyle/>
-                    <a:p>
-                      <a:pPr algn="ctr">
-                        <a:lnSpc>
-                          <a:spcPct val="150000"/>
-                        </a:lnSpc>
-                        <a:spcAft>
-                          <a:spcPts val="0"/>
-                        </a:spcAft>
-                      </a:pPr>
-                      <a:r>
-                        <a:rPr lang="ru-RU" sz="1400" u="none">
-                          <a:effectLst/>
-                        </a:rPr>
-                        <a:t>62</a:t>
-                      </a:r>
-                      <a:endParaRPr lang="ru-RU" sz="1200" u="none">
-                        <a:effectLst/>
-                        <a:latin typeface="Calibri"/>
-                        <a:ea typeface="Calibri"/>
-                        <a:cs typeface="Times New Roman"/>
-                      </a:endParaRPr>
-                    </a:p>
-                  </a:txBody>
-                  <a:tcPr marL="68580" marR="68580" marT="0" marB="0"/>
-                </a:tc>
-                <a:tc>
-                  <a:txBody>
-                    <a:bodyPr/>
-                    <a:lstStyle/>
-                    <a:p>
-                      <a:pPr algn="ctr">
-                        <a:lnSpc>
-                          <a:spcPct val="150000"/>
-                        </a:lnSpc>
-                        <a:spcAft>
-                          <a:spcPts val="0"/>
-                        </a:spcAft>
-                      </a:pPr>
-                      <a:r>
-                        <a:rPr lang="ru-RU" sz="1400" u="none" dirty="0">
-                          <a:effectLst/>
-                        </a:rPr>
-                        <a:t>63</a:t>
-                      </a:r>
-                      <a:endParaRPr lang="ru-RU" sz="1200" u="none" dirty="0">
-                        <a:effectLst/>
-                        <a:latin typeface="Calibri"/>
-                        <a:ea typeface="Calibri"/>
-                        <a:cs typeface="Times New Roman"/>
-                      </a:endParaRPr>
-                    </a:p>
-                  </a:txBody>
-                  <a:tcPr marL="68580" marR="68580" marT="0" marB="0"/>
-                </a:tc>
-                <a:tc>
-                  <a:txBody>
-                    <a:bodyPr/>
-                    <a:lstStyle/>
-                    <a:p>
-                      <a:pPr algn="ctr">
-                        <a:lnSpc>
-                          <a:spcPct val="150000"/>
-                        </a:lnSpc>
-                        <a:spcAft>
-                          <a:spcPts val="0"/>
-                        </a:spcAft>
-                      </a:pPr>
-                      <a:r>
-                        <a:rPr lang="ru-RU" sz="1400" u="none">
-                          <a:effectLst/>
-                        </a:rPr>
-                        <a:t>72</a:t>
-                      </a:r>
-                      <a:endParaRPr lang="ru-RU" sz="1200" u="none">
-                        <a:effectLst/>
-                        <a:latin typeface="Calibri"/>
-                        <a:ea typeface="Calibri"/>
-                        <a:cs typeface="Times New Roman"/>
-                      </a:endParaRPr>
-                    </a:p>
-                  </a:txBody>
-                  <a:tcPr marL="68580" marR="68580" marT="0" marB="0"/>
-                </a:tc>
-              </a:tr>
-              <a:tr h="256228">
-                <a:tc>
-                  <a:txBody>
-                    <a:bodyPr/>
-                    <a:lstStyle/>
-                    <a:p>
-                      <a:pPr>
-                        <a:lnSpc>
-                          <a:spcPct val="150000"/>
-                        </a:lnSpc>
-                        <a:spcAft>
-                          <a:spcPts val="0"/>
-                        </a:spcAft>
-                      </a:pPr>
-                      <a:r>
-                        <a:rPr lang="ru-RU" sz="1400" b="1" u="none">
-                          <a:effectLst/>
-                        </a:rPr>
-                        <a:t>Виктор</a:t>
-                      </a:r>
-                      <a:endParaRPr lang="ru-RU" sz="1200" b="1" u="none">
-                        <a:effectLst/>
-                        <a:latin typeface="Calibri"/>
-                        <a:ea typeface="Calibri"/>
-                        <a:cs typeface="Times New Roman"/>
-                      </a:endParaRPr>
-                    </a:p>
-                  </a:txBody>
-                  <a:tcPr marL="68580" marR="68580" marT="0" marB="0"/>
-                </a:tc>
-                <a:tc>
-                  <a:txBody>
-                    <a:bodyPr/>
-                    <a:lstStyle/>
-                    <a:p>
-                      <a:pPr algn="ctr">
-                        <a:lnSpc>
-                          <a:spcPct val="150000"/>
-                        </a:lnSpc>
-                        <a:spcAft>
-                          <a:spcPts val="0"/>
-                        </a:spcAft>
-                      </a:pPr>
-                      <a:r>
-                        <a:rPr lang="ru-RU" sz="1400" u="none">
-                          <a:effectLst/>
-                        </a:rPr>
-                        <a:t>74</a:t>
-                      </a:r>
-                      <a:endParaRPr lang="ru-RU" sz="1200" u="none">
-                        <a:effectLst/>
-                        <a:latin typeface="Calibri"/>
-                        <a:ea typeface="Calibri"/>
-                        <a:cs typeface="Times New Roman"/>
-                      </a:endParaRPr>
-                    </a:p>
-                  </a:txBody>
-                  <a:tcPr marL="68580" marR="68580" marT="0" marB="0"/>
-                </a:tc>
-                <a:tc>
-                  <a:txBody>
-                    <a:bodyPr/>
-                    <a:lstStyle/>
-                    <a:p>
-                      <a:pPr algn="ctr">
-                        <a:lnSpc>
-                          <a:spcPct val="150000"/>
-                        </a:lnSpc>
-                        <a:spcAft>
-                          <a:spcPts val="0"/>
-                        </a:spcAft>
-                      </a:pPr>
-                      <a:r>
-                        <a:rPr lang="ru-RU" sz="1400" u="none">
-                          <a:effectLst/>
-                        </a:rPr>
-                        <a:t>85</a:t>
-                      </a:r>
-                      <a:endParaRPr lang="ru-RU" sz="1200" u="none">
-                        <a:effectLst/>
-                        <a:latin typeface="Calibri"/>
-                        <a:ea typeface="Calibri"/>
-                        <a:cs typeface="Times New Roman"/>
-                      </a:endParaRPr>
-                    </a:p>
-                  </a:txBody>
-                  <a:tcPr marL="68580" marR="68580" marT="0" marB="0"/>
-                </a:tc>
-                <a:tc>
-                  <a:txBody>
-                    <a:bodyPr/>
-                    <a:lstStyle/>
-                    <a:p>
-                      <a:pPr algn="ctr">
-                        <a:lnSpc>
-                          <a:spcPct val="150000"/>
-                        </a:lnSpc>
-                        <a:spcAft>
-                          <a:spcPts val="0"/>
-                        </a:spcAft>
-                      </a:pPr>
-                      <a:r>
-                        <a:rPr lang="ru-RU" sz="1400" u="none" dirty="0">
-                          <a:effectLst/>
-                        </a:rPr>
-                        <a:t>42</a:t>
-                      </a:r>
-                      <a:endParaRPr lang="ru-RU" sz="1200" u="none" dirty="0">
-                        <a:effectLst/>
-                        <a:latin typeface="Calibri"/>
-                        <a:ea typeface="Calibri"/>
-                        <a:cs typeface="Times New Roman"/>
-                      </a:endParaRPr>
-                    </a:p>
-                  </a:txBody>
-                  <a:tcPr marL="68580" marR="68580" marT="0" marB="0"/>
-                </a:tc>
-                <a:tc>
-                  <a:txBody>
-                    <a:bodyPr/>
-                    <a:lstStyle/>
-                    <a:p>
-                      <a:pPr algn="ctr">
-                        <a:lnSpc>
-                          <a:spcPct val="150000"/>
-                        </a:lnSpc>
-                        <a:spcAft>
-                          <a:spcPts val="0"/>
-                        </a:spcAft>
-                      </a:pPr>
-                      <a:r>
-                        <a:rPr lang="ru-RU" sz="1400" u="none">
-                          <a:effectLst/>
-                        </a:rPr>
-                        <a:t>68</a:t>
-                      </a:r>
-                      <a:endParaRPr lang="ru-RU" sz="1200" u="none">
-                        <a:effectLst/>
-                        <a:latin typeface="Calibri"/>
-                        <a:ea typeface="Calibri"/>
-                        <a:cs typeface="Times New Roman"/>
-                      </a:endParaRPr>
-                    </a:p>
-                  </a:txBody>
-                  <a:tcPr marL="68580" marR="68580" marT="0" marB="0"/>
-                </a:tc>
-              </a:tr>
-              <a:tr h="256228">
-                <a:tc>
-                  <a:txBody>
-                    <a:bodyPr/>
-                    <a:lstStyle/>
-                    <a:p>
-                      <a:pPr>
-                        <a:lnSpc>
-                          <a:spcPct val="150000"/>
-                        </a:lnSpc>
-                        <a:spcAft>
-                          <a:spcPts val="0"/>
-                        </a:spcAft>
-                      </a:pPr>
-                      <a:r>
-                        <a:rPr lang="ru-RU" sz="1400" b="1" u="none">
-                          <a:effectLst/>
-                        </a:rPr>
-                        <a:t>Андрей</a:t>
-                      </a:r>
-                      <a:endParaRPr lang="ru-RU" sz="1200" b="1" u="none">
-                        <a:effectLst/>
-                        <a:latin typeface="Calibri"/>
-                        <a:ea typeface="Calibri"/>
-                        <a:cs typeface="Times New Roman"/>
-                      </a:endParaRPr>
-                    </a:p>
-                  </a:txBody>
-                  <a:tcPr marL="68580" marR="68580" marT="0" marB="0"/>
-                </a:tc>
-                <a:tc>
-                  <a:txBody>
-                    <a:bodyPr/>
-                    <a:lstStyle/>
-                    <a:p>
-                      <a:pPr algn="ctr">
-                        <a:lnSpc>
-                          <a:spcPct val="150000"/>
-                        </a:lnSpc>
-                        <a:spcAft>
-                          <a:spcPts val="0"/>
-                        </a:spcAft>
-                      </a:pPr>
-                      <a:r>
-                        <a:rPr lang="ru-RU" sz="1400" u="none">
-                          <a:effectLst/>
-                        </a:rPr>
-                        <a:t>23</a:t>
-                      </a:r>
-                      <a:endParaRPr lang="ru-RU" sz="1200" u="none">
-                        <a:effectLst/>
-                        <a:latin typeface="Calibri"/>
-                        <a:ea typeface="Calibri"/>
-                        <a:cs typeface="Times New Roman"/>
-                      </a:endParaRPr>
-                    </a:p>
-                  </a:txBody>
-                  <a:tcPr marL="68580" marR="68580" marT="0" marB="0"/>
-                </a:tc>
-                <a:tc>
-                  <a:txBody>
-                    <a:bodyPr/>
-                    <a:lstStyle/>
-                    <a:p>
-                      <a:pPr algn="ctr">
-                        <a:lnSpc>
-                          <a:spcPct val="150000"/>
-                        </a:lnSpc>
-                        <a:spcAft>
-                          <a:spcPts val="0"/>
-                        </a:spcAft>
-                      </a:pPr>
-                      <a:r>
-                        <a:rPr lang="ru-RU" sz="1400" u="none">
-                          <a:effectLst/>
-                        </a:rPr>
-                        <a:t>59</a:t>
-                      </a:r>
-                      <a:endParaRPr lang="ru-RU" sz="1200" u="none">
-                        <a:effectLst/>
-                        <a:latin typeface="Calibri"/>
-                        <a:ea typeface="Calibri"/>
-                        <a:cs typeface="Times New Roman"/>
-                      </a:endParaRPr>
-                    </a:p>
-                  </a:txBody>
-                  <a:tcPr marL="68580" marR="68580" marT="0" marB="0"/>
-                </a:tc>
-                <a:tc>
-                  <a:txBody>
-                    <a:bodyPr/>
-                    <a:lstStyle/>
-                    <a:p>
-                      <a:pPr algn="ctr">
-                        <a:lnSpc>
-                          <a:spcPct val="150000"/>
-                        </a:lnSpc>
-                        <a:spcAft>
-                          <a:spcPts val="0"/>
-                        </a:spcAft>
-                      </a:pPr>
-                      <a:r>
-                        <a:rPr lang="ru-RU" sz="1400" u="none" dirty="0">
-                          <a:effectLst/>
-                        </a:rPr>
-                        <a:t>37</a:t>
-                      </a:r>
-                      <a:endParaRPr lang="ru-RU" sz="1200" u="none" dirty="0">
-                        <a:effectLst/>
-                        <a:latin typeface="Calibri"/>
-                        <a:ea typeface="Calibri"/>
-                        <a:cs typeface="Times New Roman"/>
-                      </a:endParaRPr>
-                    </a:p>
-                  </a:txBody>
-                  <a:tcPr marL="68580" marR="68580" marT="0" marB="0"/>
-                </a:tc>
-                <a:tc>
-                  <a:txBody>
-                    <a:bodyPr/>
-                    <a:lstStyle/>
-                    <a:p>
-                      <a:pPr algn="ctr">
-                        <a:lnSpc>
-                          <a:spcPct val="150000"/>
-                        </a:lnSpc>
-                        <a:spcAft>
-                          <a:spcPts val="0"/>
-                        </a:spcAft>
-                      </a:pPr>
-                      <a:r>
-                        <a:rPr lang="ru-RU" sz="1400" u="none" dirty="0">
-                          <a:effectLst/>
-                        </a:rPr>
-                        <a:t>92</a:t>
-                      </a:r>
-                      <a:endParaRPr lang="ru-RU" sz="1200" u="none" dirty="0">
-                        <a:effectLst/>
-                        <a:latin typeface="Calibri"/>
-                        <a:ea typeface="Calibri"/>
-                        <a:cs typeface="Times New Roman"/>
-                      </a:endParaRPr>
-                    </a:p>
-                  </a:txBody>
-                  <a:tcPr marL="68580" marR="68580" marT="0" marB="0"/>
-                </a:tc>
-              </a:tr>
-              <a:tr h="256228">
-                <a:tc>
-                  <a:txBody>
-                    <a:bodyPr/>
-                    <a:lstStyle/>
-                    <a:p>
-                      <a:pPr>
-                        <a:lnSpc>
-                          <a:spcPct val="150000"/>
-                        </a:lnSpc>
-                        <a:spcAft>
-                          <a:spcPts val="0"/>
-                        </a:spcAft>
-                      </a:pPr>
-                      <a:r>
-                        <a:rPr lang="ru-RU" sz="1400" b="1" u="none" dirty="0">
-                          <a:effectLst/>
-                        </a:rPr>
-                        <a:t>Юрий</a:t>
-                      </a:r>
-                      <a:endParaRPr lang="ru-RU" sz="1200" b="1" u="none" dirty="0">
-                        <a:effectLst/>
-                        <a:latin typeface="Calibri"/>
-                        <a:ea typeface="Calibri"/>
-                        <a:cs typeface="Times New Roman"/>
-                      </a:endParaRPr>
-                    </a:p>
-                  </a:txBody>
-                  <a:tcPr marL="68580" marR="68580" marT="0" marB="0"/>
-                </a:tc>
-                <a:tc>
-                  <a:txBody>
-                    <a:bodyPr/>
-                    <a:lstStyle/>
-                    <a:p>
-                      <a:pPr algn="ctr">
-                        <a:lnSpc>
-                          <a:spcPct val="150000"/>
-                        </a:lnSpc>
-                        <a:spcAft>
-                          <a:spcPts val="0"/>
-                        </a:spcAft>
-                      </a:pPr>
-                      <a:r>
-                        <a:rPr lang="ru-RU" sz="1400" u="none">
-                          <a:effectLst/>
-                        </a:rPr>
-                        <a:t>89</a:t>
-                      </a:r>
-                      <a:endParaRPr lang="ru-RU" sz="1200" u="none">
-                        <a:effectLst/>
-                        <a:latin typeface="Calibri"/>
-                        <a:ea typeface="Calibri"/>
-                        <a:cs typeface="Times New Roman"/>
-                      </a:endParaRPr>
-                    </a:p>
-                  </a:txBody>
-                  <a:tcPr marL="68580" marR="68580" marT="0" marB="0"/>
-                </a:tc>
-                <a:tc>
-                  <a:txBody>
-                    <a:bodyPr/>
-                    <a:lstStyle/>
-                    <a:p>
-                      <a:pPr algn="ctr">
-                        <a:lnSpc>
-                          <a:spcPct val="150000"/>
-                        </a:lnSpc>
-                        <a:spcAft>
-                          <a:spcPts val="0"/>
-                        </a:spcAft>
-                      </a:pPr>
-                      <a:r>
-                        <a:rPr lang="ru-RU" sz="1400" u="none">
-                          <a:effectLst/>
-                        </a:rPr>
-                        <a:t>45</a:t>
-                      </a:r>
-                      <a:endParaRPr lang="ru-RU" sz="1200" u="none">
-                        <a:effectLst/>
-                        <a:latin typeface="Calibri"/>
-                        <a:ea typeface="Calibri"/>
-                        <a:cs typeface="Times New Roman"/>
-                      </a:endParaRPr>
-                    </a:p>
-                  </a:txBody>
-                  <a:tcPr marL="68580" marR="68580" marT="0" marB="0"/>
-                </a:tc>
-                <a:tc>
-                  <a:txBody>
-                    <a:bodyPr/>
-                    <a:lstStyle/>
-                    <a:p>
-                      <a:pPr algn="ctr">
-                        <a:lnSpc>
-                          <a:spcPct val="150000"/>
-                        </a:lnSpc>
-                        <a:spcAft>
-                          <a:spcPts val="0"/>
-                        </a:spcAft>
-                      </a:pPr>
-                      <a:r>
-                        <a:rPr lang="ru-RU" sz="1400" u="none">
-                          <a:effectLst/>
-                        </a:rPr>
-                        <a:t>53</a:t>
-                      </a:r>
-                      <a:endParaRPr lang="ru-RU" sz="1200" u="none">
-                        <a:effectLst/>
-                        <a:latin typeface="Calibri"/>
-                        <a:ea typeface="Calibri"/>
-                        <a:cs typeface="Times New Roman"/>
-                      </a:endParaRPr>
-                    </a:p>
-                  </a:txBody>
-                  <a:tcPr marL="68580" marR="68580" marT="0" marB="0"/>
-                </a:tc>
-                <a:tc>
-                  <a:txBody>
-                    <a:bodyPr/>
-                    <a:lstStyle/>
-                    <a:p>
-                      <a:pPr algn="ctr">
-                        <a:lnSpc>
-                          <a:spcPct val="150000"/>
-                        </a:lnSpc>
-                        <a:spcAft>
-                          <a:spcPts val="0"/>
-                        </a:spcAft>
-                      </a:pPr>
-                      <a:r>
-                        <a:rPr lang="ru-RU" sz="1400" u="none" dirty="0">
-                          <a:effectLst/>
-                        </a:rPr>
-                        <a:t>78</a:t>
-                      </a:r>
-                      <a:endParaRPr lang="ru-RU" sz="1200" u="none" dirty="0">
-                        <a:effectLst/>
-                        <a:latin typeface="Calibri"/>
-                        <a:ea typeface="Calibri"/>
-                        <a:cs typeface="Times New Roman"/>
-                      </a:endParaRPr>
-                    </a:p>
-                  </a:txBody>
-                  <a:tcPr marL="68580" marR="68580" marT="0" marB="0"/>
-                </a:tc>
-              </a:tr>
-            </a:tbl>
-          </a:graphicData>
-        </a:graphic>
-      </p:graphicFrame>
-      <p:sp>
-        <p:nvSpPr>
-          <p:cNvPr id="10" name="Прямоугольник 9"/>
-          <p:cNvSpPr/>
-          <p:nvPr/>
-        </p:nvSpPr>
-        <p:spPr>
-          <a:xfrm>
-            <a:off x="323528" y="5661248"/>
-            <a:ext cx="8820472" cy="646331"/>
-          </a:xfrm>
-          <a:prstGeom prst="rect">
-            <a:avLst/>
-          </a:prstGeom>
-        </p:spPr>
-        <p:txBody>
-          <a:bodyPr wrap="square">
-            <a:spAutoFit/>
-          </a:bodyPr>
-          <a:lstStyle/>
-          <a:p>
-            <a:r>
-              <a:rPr lang="ru-RU" dirty="0"/>
-              <a:t>Необходимо распределить водителей так, чтобы общий показатель освоения маршрутов был максимальным.</a:t>
-            </a:r>
-          </a:p>
-        </p:txBody>
-      </p:sp>
-      <p:sp>
-        <p:nvSpPr>
-          <p:cNvPr id="5" name="Заголовок 4"/>
-          <p:cNvSpPr>
-            <a:spLocks noGrp="1"/>
-          </p:cNvSpPr>
-          <p:nvPr>
-            <p:ph type="title"/>
-          </p:nvPr>
-        </p:nvSpPr>
-        <p:spPr/>
-        <p:txBody>
-          <a:bodyPr/>
-          <a:lstStyle/>
-          <a:p>
-            <a:endParaRPr lang="ru-RU"/>
-          </a:p>
-        </p:txBody>
-      </p:sp>
-    </p:spTree>
-    <p:extLst>
-      <p:ext uri="{BB962C8B-B14F-4D97-AF65-F5344CB8AC3E}">
-        <p14:creationId xmlns:p14="http://schemas.microsoft.com/office/powerpoint/2010/main" val="1585340847"/>
-      </p:ext>
-    </p:extLst>
-  </p:cSld>
-  <p:clrMapOvr>
-    <a:masterClrMapping/>
-  </p:clrMapOvr>
-  <p:timing>
-    <p:tnLst>
-      <p:par>
-        <p:cTn id="1" dur="indefinite" restart="never" nodeType="tmRoot"/>
-      </p:par>
-    </p:tnLst>
-  </p:timing>
 </p:sld>
 </file>
 
@@ -6821,10 +4076,9 @@
           <a:lstStyle/>
           <a:p>
             <a:r>
-              <a:rPr lang="ru-RU" sz="1600" dirty="0" smtClean="0"/>
+              <a:rPr lang="ru-RU" sz="1600" dirty="0"/>
               <a:t>№1 (14.01.22)</a:t>
             </a:r>
-            <a:endParaRPr lang="ru-RU" sz="1600" dirty="0"/>
           </a:p>
         </p:txBody>
       </p:sp>
@@ -6878,58 +4132,30 @@
           <a:p>
             <a:r>
               <a:rPr lang="ru-RU" sz="1550" dirty="0"/>
-              <a:t>Системный администратор раз в неделю создаёт архив пользовательских файлов. Однако объём диска, куда он помещает архив, может быть меньше, чем суммарный объём архивируемых </a:t>
-            </a:r>
-            <a:r>
-              <a:rPr lang="ru-RU" sz="1550" dirty="0" smtClean="0"/>
-              <a:t>файлов. Известно</a:t>
-            </a:r>
+              <a:t>Системный администратор раз в неделю создаёт архив пользовательских файлов. Однако объём диска, куда он помещает архив, может быть меньше, чем суммарный объём архивируемых файлов. Известно, какой объём занимает файл каждого пользователя.  По заданной информации об объёме файлов пользователей и свободном объёме на архивном диске определите максимальное число пользователей, чьи файлы можно сохранить в архиве, а также максимальный размер имеющегося файла, который может быть сохранён в архиве, при условии, что сохранены файлы максимально возможного числа пользователей.</a:t>
+            </a:r>
+          </a:p>
+          <a:p>
             <a:r>
               <a:rPr lang="ru-RU" sz="1550" dirty="0"/>
-              <a:t>, какой объём занимает файл каждого пользователя</a:t>
-            </a:r>
-            <a:r>
-              <a:rPr lang="ru-RU" sz="1550" dirty="0" smtClean="0"/>
-              <a:t>.  По </a:t>
-            </a:r>
+              <a:t>Входные данные.</a:t>
+            </a:r>
+          </a:p>
+          <a:p>
             <a:r>
               <a:rPr lang="ru-RU" sz="1550" dirty="0"/>
-              <a:t>заданной информации об объёме файлов пользователей и свободном объёме на архивном диске определите максимальное число пользователей, чьи файлы можно сохранить в архиве, а также максимальный размер имеющегося файла, который может быть сохранён в архиве, при условии, что сохранены файлы максимально возможного числа пользователей.</a:t>
-            </a:r>
-          </a:p>
-          <a:p>
-            <a:r>
-              <a:rPr lang="ru-RU" sz="1550" dirty="0" smtClean="0"/>
-              <a:t>Входные </a:t>
-            </a:r>
-            <a:r>
-              <a:rPr lang="ru-RU" sz="1550" dirty="0"/>
-              <a:t>данные.</a:t>
-            </a:r>
-          </a:p>
-          <a:p>
-            <a:r>
-              <a:rPr lang="ru-RU" sz="1550" dirty="0" smtClean="0"/>
-              <a:t>В </a:t>
-            </a:r>
-            <a:r>
-              <a:rPr lang="ru-RU" sz="1550" dirty="0"/>
-              <a:t>первой строке входного </a:t>
-            </a:r>
-            <a:r>
-              <a:rPr lang="ru-RU" sz="1550" dirty="0" smtClean="0"/>
-              <a:t>файла </a:t>
-            </a:r>
-            <a:r>
-              <a:rPr lang="ru-RU" sz="1550" b="1" dirty="0" smtClean="0"/>
+              <a:t>В первой строке входного файла </a:t>
+            </a:r>
+            <a:r>
+              <a:rPr lang="ru-RU" sz="1550" b="1" dirty="0"/>
               <a:t>26-1</a:t>
             </a:r>
             <a:r>
-              <a:rPr lang="en-US" sz="1550" b="1" dirty="0" smtClean="0"/>
+              <a:rPr lang="en-US" sz="1550" b="1" dirty="0"/>
               <a:t>.txt </a:t>
             </a:r>
             <a:r>
-              <a:rPr lang="ru-RU" sz="1550" b="1" dirty="0" smtClean="0"/>
+              <a:rPr lang="ru-RU" sz="1550" b="1" dirty="0"/>
               <a:t> </a:t>
             </a:r>
             <a:r>
@@ -6939,22 +4165,14 @@
           </a:p>
           <a:p>
             <a:r>
-              <a:rPr lang="ru-RU" sz="1550" dirty="0" smtClean="0"/>
-              <a:t>Запишите </a:t>
-            </a:r>
-            <a:r>
               <a:rPr lang="ru-RU" sz="1550" dirty="0"/>
-              <a:t>в ответе два числа: сначала наибольшее число пользователей, чьи файлы могут быть помещены в архив, затем максимальный размер имеющегося файла, который может быть сохранён в архиве, при условии, что сохранены файлы максимально возможного числа пользователей.</a:t>
-            </a:r>
-          </a:p>
-          <a:p>
-            <a:r>
-              <a:rPr lang="ru-RU" sz="1550" dirty="0" smtClean="0"/>
-              <a:t>Пример </a:t>
-            </a:r>
+              <a:t>Запишите в ответе два числа: сначала наибольшее число пользователей, чьи файлы могут быть помещены в архив, затем максимальный размер имеющегося файла, который может быть сохранён в архиве, при условии, что сохранены файлы максимально возможного числа пользователей.</a:t>
+            </a:r>
+          </a:p>
+          <a:p>
             <a:r>
               <a:rPr lang="ru-RU" sz="1550" dirty="0"/>
-              <a:t>входного файла:</a:t>
+              <a:t>Пример входного файла:</a:t>
             </a:r>
           </a:p>
           <a:p>
@@ -6993,15 +4211,7 @@
           <a:p>
             <a:r>
               <a:rPr lang="ru-RU" sz="1550" dirty="0"/>
-              <a:t>При таких исходных данных можно сохранить файлы максимум двух пользователей. Возможные объёмы этих двух файлов 30 и 40, 30 и 50 или 40 и 50. Наибольший объём файла из перечисленных пар – 50, поэтому ответ для приведённого </a:t>
-            </a:r>
-            <a:r>
-              <a:rPr lang="ru-RU" sz="1550" dirty="0" smtClean="0"/>
-              <a:t>примера:   2</a:t>
-            </a:r>
-            <a:r>
-              <a:rPr lang="ru-RU" sz="1550" dirty="0"/>
-              <a:t>	50</a:t>
+              <a:t>При таких исходных данных можно сохранить файлы максимум двух пользователей. Возможные объёмы этих двух файлов 30 и 40, 30 и 50 или 40 и 50. Наибольший объём файла из перечисленных пар – 50, поэтому ответ для приведённого примера:   2	50</a:t>
             </a:r>
           </a:p>
         </p:txBody>
@@ -7010,686 +4220,6 @@
     <p:extLst>
       <p:ext uri="{BB962C8B-B14F-4D97-AF65-F5344CB8AC3E}">
         <p14:creationId xmlns:p14="http://schemas.microsoft.com/office/powerpoint/2010/main" val="165216071"/>
-      </p:ext>
-    </p:extLst>
-  </p:cSld>
-  <p:clrMapOvr>
-    <a:masterClrMapping/>
-  </p:clrMapOvr>
-  <p:timing>
-    <p:tnLst>
-      <p:par>
-        <p:cTn id="1" dur="indefinite" restart="never" nodeType="tmRoot"/>
-      </p:par>
-    </p:tnLst>
-  </p:timing>
-</p:sld>
-</file>
-
-<file path=ppt/slides/slide20.xml><?xml version="1.0" encoding="utf-8"?>
-<p:sld xmlns:a="http://schemas.openxmlformats.org/drawingml/2006/main" xmlns:r="http://schemas.openxmlformats.org/officeDocument/2006/relationships" xmlns:p="http://schemas.openxmlformats.org/presentationml/2006/main">
-  <p:cSld>
-    <p:spTree>
-      <p:nvGrpSpPr>
-        <p:cNvPr id="1" name=""/>
-        <p:cNvGrpSpPr/>
-        <p:nvPr/>
-      </p:nvGrpSpPr>
-      <p:grpSpPr>
-        <a:xfrm>
-          <a:off x="0" y="0"/>
-          <a:ext cx="0" cy="0"/>
-          <a:chOff x="0" y="0"/>
-          <a:chExt cx="0" cy="0"/>
-        </a:xfrm>
-      </p:grpSpPr>
-      <p:sp>
-        <p:nvSpPr>
-          <p:cNvPr id="3" name="Заголовок 2"/>
-          <p:cNvSpPr>
-            <a:spLocks noGrp="1"/>
-          </p:cNvSpPr>
-          <p:nvPr>
-            <p:ph type="ctrTitle"/>
-          </p:nvPr>
-        </p:nvSpPr>
-        <p:spPr/>
-        <p:txBody>
-          <a:bodyPr/>
-          <a:lstStyle/>
-          <a:p>
-            <a:pPr indent="4763" eaLnBrk="1" hangingPunct="1">
-              <a:lnSpc>
-                <a:spcPct val="90000"/>
-              </a:lnSpc>
-              <a:defRPr/>
-            </a:pPr>
-            <a:r>
-              <a:rPr lang="ru-RU" b="1" dirty="0"/>
-              <a:t>Решение уравнений методом деления отрезка пополам</a:t>
-            </a:r>
-            <a:r>
-              <a:rPr lang="ru-RU" dirty="0"/>
-              <a:t/>
-            </a:r>
-            <a:br>
-              <a:rPr lang="ru-RU" dirty="0"/>
-            </a:br>
-            <a:r>
-              <a:rPr lang="ru-RU" dirty="0"/>
-              <a:t> </a:t>
-            </a:r>
-          </a:p>
-        </p:txBody>
-      </p:sp>
-      <p:sp>
-        <p:nvSpPr>
-          <p:cNvPr id="4" name="Подзаголовок 3"/>
-          <p:cNvSpPr>
-            <a:spLocks noGrp="1"/>
-          </p:cNvSpPr>
-          <p:nvPr>
-            <p:ph type="subTitle" idx="1"/>
-          </p:nvPr>
-        </p:nvSpPr>
-        <p:spPr/>
-        <p:txBody>
-          <a:bodyPr/>
-          <a:lstStyle/>
-          <a:p>
-            <a:r>
-              <a:rPr lang="ru-RU" dirty="0" smtClean="0"/>
-              <a:t>28.01.22</a:t>
-            </a:r>
-            <a:endParaRPr lang="ru-RU" dirty="0"/>
-          </a:p>
-        </p:txBody>
-      </p:sp>
-    </p:spTree>
-    <p:extLst>
-      <p:ext uri="{BB962C8B-B14F-4D97-AF65-F5344CB8AC3E}">
-        <p14:creationId xmlns:p14="http://schemas.microsoft.com/office/powerpoint/2010/main" val="531543212"/>
-      </p:ext>
-    </p:extLst>
-  </p:cSld>
-  <p:clrMapOvr>
-    <a:masterClrMapping/>
-  </p:clrMapOvr>
-  <p:timing>
-    <p:tnLst>
-      <p:par>
-        <p:cTn id="1" dur="indefinite" restart="never" nodeType="tmRoot"/>
-      </p:par>
-    </p:tnLst>
-  </p:timing>
-</p:sld>
-</file>
-
-<file path=ppt/slides/slide21.xml><?xml version="1.0" encoding="utf-8"?>
-<p:sld xmlns:a="http://schemas.openxmlformats.org/drawingml/2006/main" xmlns:r="http://schemas.openxmlformats.org/officeDocument/2006/relationships" xmlns:p="http://schemas.openxmlformats.org/presentationml/2006/main">
-  <p:cSld>
-    <p:spTree>
-      <p:nvGrpSpPr>
-        <p:cNvPr id="1" name=""/>
-        <p:cNvGrpSpPr/>
-        <p:nvPr/>
-      </p:nvGrpSpPr>
-      <p:grpSpPr>
-        <a:xfrm>
-          <a:off x="0" y="0"/>
-          <a:ext cx="0" cy="0"/>
-          <a:chOff x="0" y="0"/>
-          <a:chExt cx="0" cy="0"/>
-        </a:xfrm>
-      </p:grpSpPr>
-      <p:pic>
-        <p:nvPicPr>
-          <p:cNvPr id="2" name="Рисунок 1" descr="Слайд7"/>
-          <p:cNvPicPr>
-            <a:picLocks noGrp="1" noChangeAspect="1"/>
-          </p:cNvPicPr>
-          <p:nvPr isPhoto="1"/>
-        </p:nvPicPr>
-        <p:blipFill>
-          <a:blip r:embed="rId2">
-            <a:lum/>
-            <a:extLst>
-              <a:ext uri="{28A0092B-C50C-407E-A947-70E740481C1C}">
-                <a14:useLocalDpi xmlns:a14="http://schemas.microsoft.com/office/drawing/2010/main" val="0"/>
-              </a:ext>
-            </a:extLst>
-          </a:blip>
-          <a:stretch>
-            <a:fillRect/>
-          </a:stretch>
-        </p:blipFill>
-        <p:spPr>
-          <a:xfrm>
-            <a:off x="0" y="0"/>
-            <a:ext cx="9144000" cy="6858000"/>
-          </a:xfrm>
-          <a:prstGeom prst="rect">
-            <a:avLst/>
-          </a:prstGeom>
-          <a:noFill/>
-          <a:ln>
-            <a:noFill/>
-          </a:ln>
-        </p:spPr>
-      </p:pic>
-      <p:sp>
-        <p:nvSpPr>
-          <p:cNvPr id="13" name="Стрелка влево 12"/>
-          <p:cNvSpPr/>
-          <p:nvPr/>
-        </p:nvSpPr>
-        <p:spPr>
-          <a:xfrm>
-            <a:off x="2411760" y="3429000"/>
-            <a:ext cx="576064" cy="144016"/>
-          </a:xfrm>
-          <a:prstGeom prst="leftArrow">
-            <a:avLst/>
-          </a:prstGeom>
-          <a:solidFill>
-            <a:srgbClr val="C00000"/>
-          </a:solidFill>
-          <a:ln>
-            <a:solidFill>
-              <a:srgbClr val="C00000"/>
-            </a:solidFill>
-          </a:ln>
-        </p:spPr>
-        <p:style>
-          <a:lnRef idx="2">
-            <a:schemeClr val="accent1">
-              <a:shade val="50000"/>
-            </a:schemeClr>
-          </a:lnRef>
-          <a:fillRef idx="1">
-            <a:schemeClr val="accent1"/>
-          </a:fillRef>
-          <a:effectRef idx="0">
-            <a:schemeClr val="accent1"/>
-          </a:effectRef>
-          <a:fontRef idx="minor">
-            <a:schemeClr val="lt1"/>
-          </a:fontRef>
-        </p:style>
-        <p:txBody>
-          <a:bodyPr rtlCol="0" anchor="ctr"/>
-          <a:lstStyle/>
-          <a:p>
-            <a:pPr algn="ctr"/>
-            <a:endParaRPr lang="ru-RU"/>
-          </a:p>
-        </p:txBody>
-      </p:sp>
-      <p:sp>
-        <p:nvSpPr>
-          <p:cNvPr id="14" name="Стрелка влево 13"/>
-          <p:cNvSpPr/>
-          <p:nvPr/>
-        </p:nvSpPr>
-        <p:spPr>
-          <a:xfrm>
-            <a:off x="2339752" y="5301208"/>
-            <a:ext cx="576064" cy="144016"/>
-          </a:xfrm>
-          <a:prstGeom prst="leftArrow">
-            <a:avLst/>
-          </a:prstGeom>
-          <a:solidFill>
-            <a:srgbClr val="C00000"/>
-          </a:solidFill>
-          <a:ln>
-            <a:solidFill>
-              <a:srgbClr val="C00000"/>
-            </a:solidFill>
-          </a:ln>
-        </p:spPr>
-        <p:style>
-          <a:lnRef idx="2">
-            <a:schemeClr val="accent1">
-              <a:shade val="50000"/>
-            </a:schemeClr>
-          </a:lnRef>
-          <a:fillRef idx="1">
-            <a:schemeClr val="accent1"/>
-          </a:fillRef>
-          <a:effectRef idx="0">
-            <a:schemeClr val="accent1"/>
-          </a:effectRef>
-          <a:fontRef idx="minor">
-            <a:schemeClr val="lt1"/>
-          </a:fontRef>
-        </p:style>
-        <p:txBody>
-          <a:bodyPr rtlCol="0" anchor="ctr"/>
-          <a:lstStyle/>
-          <a:p>
-            <a:pPr algn="ctr"/>
-            <a:endParaRPr lang="ru-RU"/>
-          </a:p>
-        </p:txBody>
-      </p:sp>
-      <p:sp>
-        <p:nvSpPr>
-          <p:cNvPr id="15" name="Стрелка влево 14"/>
-          <p:cNvSpPr/>
-          <p:nvPr/>
-        </p:nvSpPr>
-        <p:spPr>
-          <a:xfrm rot="10800000">
-            <a:off x="5148064" y="4005064"/>
-            <a:ext cx="576064" cy="144016"/>
-          </a:xfrm>
-          <a:prstGeom prst="leftArrow">
-            <a:avLst/>
-          </a:prstGeom>
-          <a:solidFill>
-            <a:srgbClr val="C00000"/>
-          </a:solidFill>
-          <a:ln>
-            <a:solidFill>
-              <a:srgbClr val="C00000"/>
-            </a:solidFill>
-          </a:ln>
-        </p:spPr>
-        <p:style>
-          <a:lnRef idx="2">
-            <a:schemeClr val="accent1">
-              <a:shade val="50000"/>
-            </a:schemeClr>
-          </a:lnRef>
-          <a:fillRef idx="1">
-            <a:schemeClr val="accent1"/>
-          </a:fillRef>
-          <a:effectRef idx="0">
-            <a:schemeClr val="accent1"/>
-          </a:effectRef>
-          <a:fontRef idx="minor">
-            <a:schemeClr val="lt1"/>
-          </a:fontRef>
-        </p:style>
-        <p:txBody>
-          <a:bodyPr rtlCol="0" anchor="ctr"/>
-          <a:lstStyle/>
-          <a:p>
-            <a:pPr algn="ctr"/>
-            <a:endParaRPr lang="ru-RU"/>
-          </a:p>
-        </p:txBody>
-      </p:sp>
-      <p:sp>
-        <p:nvSpPr>
-          <p:cNvPr id="16" name="Стрелка влево 15"/>
-          <p:cNvSpPr/>
-          <p:nvPr/>
-        </p:nvSpPr>
-        <p:spPr>
-          <a:xfrm rot="10800000">
-            <a:off x="5148064" y="4725144"/>
-            <a:ext cx="576064" cy="144016"/>
-          </a:xfrm>
-          <a:prstGeom prst="leftArrow">
-            <a:avLst/>
-          </a:prstGeom>
-          <a:solidFill>
-            <a:srgbClr val="C00000"/>
-          </a:solidFill>
-          <a:ln>
-            <a:solidFill>
-              <a:srgbClr val="C00000"/>
-            </a:solidFill>
-          </a:ln>
-        </p:spPr>
-        <p:style>
-          <a:lnRef idx="2">
-            <a:schemeClr val="accent1">
-              <a:shade val="50000"/>
-            </a:schemeClr>
-          </a:lnRef>
-          <a:fillRef idx="1">
-            <a:schemeClr val="accent1"/>
-          </a:fillRef>
-          <a:effectRef idx="0">
-            <a:schemeClr val="accent1"/>
-          </a:effectRef>
-          <a:fontRef idx="minor">
-            <a:schemeClr val="lt1"/>
-          </a:fontRef>
-        </p:style>
-        <p:txBody>
-          <a:bodyPr rtlCol="0" anchor="ctr"/>
-          <a:lstStyle/>
-          <a:p>
-            <a:pPr algn="ctr"/>
-            <a:endParaRPr lang="ru-RU"/>
-          </a:p>
-        </p:txBody>
-      </p:sp>
-    </p:spTree>
-    <p:extLst>
-      <p:ext uri="{BB962C8B-B14F-4D97-AF65-F5344CB8AC3E}">
-        <p14:creationId xmlns:p14="http://schemas.microsoft.com/office/powerpoint/2010/main" val="713195020"/>
-      </p:ext>
-    </p:extLst>
-  </p:cSld>
-  <p:clrMapOvr>
-    <a:masterClrMapping/>
-  </p:clrMapOvr>
-  <p:timing>
-    <p:tnLst>
-      <p:par>
-        <p:cTn id="1" dur="indefinite" restart="never" nodeType="tmRoot"/>
-      </p:par>
-    </p:tnLst>
-  </p:timing>
-</p:sld>
-</file>
-
-<file path=ppt/slides/slide22.xml><?xml version="1.0" encoding="utf-8"?>
-<p:sld xmlns:a="http://schemas.openxmlformats.org/drawingml/2006/main" xmlns:r="http://schemas.openxmlformats.org/officeDocument/2006/relationships" xmlns:p="http://schemas.openxmlformats.org/presentationml/2006/main">
-  <p:cSld>
-    <p:spTree>
-      <p:nvGrpSpPr>
-        <p:cNvPr id="1" name=""/>
-        <p:cNvGrpSpPr/>
-        <p:nvPr/>
-      </p:nvGrpSpPr>
-      <p:grpSpPr>
-        <a:xfrm>
-          <a:off x="0" y="0"/>
-          <a:ext cx="0" cy="0"/>
-          <a:chOff x="0" y="0"/>
-          <a:chExt cx="0" cy="0"/>
-        </a:xfrm>
-      </p:grpSpPr>
-      <p:pic>
-        <p:nvPicPr>
-          <p:cNvPr id="2051" name="Picture 3"/>
-          <p:cNvPicPr>
-            <a:picLocks noChangeAspect="1" noChangeArrowheads="1"/>
-          </p:cNvPicPr>
-          <p:nvPr/>
-        </p:nvPicPr>
-        <p:blipFill>
-          <a:blip r:embed="rId2">
-            <a:extLst>
-              <a:ext uri="{28A0092B-C50C-407E-A947-70E740481C1C}">
-                <a14:useLocalDpi xmlns:a14="http://schemas.microsoft.com/office/drawing/2010/main" val="0"/>
-              </a:ext>
-            </a:extLst>
-          </a:blip>
-          <a:srcRect/>
-          <a:stretch>
-            <a:fillRect/>
-          </a:stretch>
-        </p:blipFill>
-        <p:spPr bwMode="auto">
-          <a:xfrm>
-            <a:off x="1445895" y="503070"/>
-            <a:ext cx="5912147" cy="6226914"/>
-          </a:xfrm>
-          <a:prstGeom prst="rect">
-            <a:avLst/>
-          </a:prstGeom>
-          <a:noFill/>
-          <a:ln>
-            <a:noFill/>
-          </a:ln>
-          <a:effectLst/>
-          <a:extLst>
-            <a:ext uri="{909E8E84-426E-40DD-AFC4-6F175D3DCCD1}">
-              <a14:hiddenFill xmlns:a14="http://schemas.microsoft.com/office/drawing/2010/main">
-                <a:solidFill>
-                  <a:schemeClr val="accent1"/>
-                </a:solidFill>
-              </a14:hiddenFill>
-            </a:ext>
-            <a:ext uri="{91240B29-F687-4F45-9708-019B960494DF}">
-              <a14:hiddenLine xmlns:a14="http://schemas.microsoft.com/office/drawing/2010/main" w="9525">
-                <a:solidFill>
-                  <a:schemeClr val="tx1"/>
-                </a:solidFill>
-                <a:miter lim="800000"/>
-                <a:headEnd/>
-                <a:tailEnd/>
-              </a14:hiddenLine>
-            </a:ext>
-            <a:ext uri="{AF507438-7753-43E0-B8FC-AC1667EBCBE1}">
-              <a14:hiddenEffects xmlns:a14="http://schemas.microsoft.com/office/drawing/2010/main">
-                <a:effectLst>
-                  <a:outerShdw dist="35921" dir="2700000" algn="ctr" rotWithShape="0">
-                    <a:schemeClr val="bg2"/>
-                  </a:outerShdw>
-                </a:effectLst>
-              </a14:hiddenEffects>
-            </a:ext>
-          </a:extLst>
-        </p:spPr>
-      </p:pic>
-    </p:spTree>
-    <p:extLst>
-      <p:ext uri="{BB962C8B-B14F-4D97-AF65-F5344CB8AC3E}">
-        <p14:creationId xmlns:p14="http://schemas.microsoft.com/office/powerpoint/2010/main" val="1951039687"/>
-      </p:ext>
-    </p:extLst>
-  </p:cSld>
-  <p:clrMapOvr>
-    <a:masterClrMapping/>
-  </p:clrMapOvr>
-  <p:timing>
-    <p:tnLst>
-      <p:par>
-        <p:cTn id="1" dur="indefinite" restart="never" nodeType="tmRoot"/>
-      </p:par>
-    </p:tnLst>
-  </p:timing>
-</p:sld>
-</file>
-
-<file path=ppt/slides/slide23.xml><?xml version="1.0" encoding="utf-8"?>
-<p:sld xmlns:a="http://schemas.openxmlformats.org/drawingml/2006/main" xmlns:r="http://schemas.openxmlformats.org/officeDocument/2006/relationships" xmlns:p="http://schemas.openxmlformats.org/presentationml/2006/main">
-  <p:cSld>
-    <p:spTree>
-      <p:nvGrpSpPr>
-        <p:cNvPr id="1" name=""/>
-        <p:cNvGrpSpPr/>
-        <p:nvPr/>
-      </p:nvGrpSpPr>
-      <p:grpSpPr>
-        <a:xfrm>
-          <a:off x="0" y="0"/>
-          <a:ext cx="0" cy="0"/>
-          <a:chOff x="0" y="0"/>
-          <a:chExt cx="0" cy="0"/>
-        </a:xfrm>
-      </p:grpSpPr>
-      <p:sp>
-        <p:nvSpPr>
-          <p:cNvPr id="8" name="TextBox 7"/>
-          <p:cNvSpPr txBox="1"/>
-          <p:nvPr/>
-        </p:nvSpPr>
-        <p:spPr>
-          <a:xfrm>
-            <a:off x="179512" y="260648"/>
-            <a:ext cx="8712968" cy="1200329"/>
-          </a:xfrm>
-          <a:prstGeom prst="rect">
-            <a:avLst/>
-          </a:prstGeom>
-          <a:noFill/>
-        </p:spPr>
-        <p:txBody>
-          <a:bodyPr wrap="square" rtlCol="0">
-            <a:spAutoFit/>
-          </a:bodyPr>
-          <a:lstStyle/>
-          <a:p>
-            <a:r>
-              <a:rPr lang="ru-RU" dirty="0"/>
-              <a:t>Напишите программу, которая находит все решения заданного </a:t>
-            </a:r>
-            <a:r>
-              <a:rPr lang="ru-RU" dirty="0" smtClean="0"/>
-              <a:t>уравнения </a:t>
-            </a:r>
-          </a:p>
-          <a:p>
-            <a:r>
-              <a:rPr lang="en-US" b="1" dirty="0" smtClean="0"/>
-              <a:t>x</a:t>
-            </a:r>
-            <a:r>
-              <a:rPr lang="en-US" b="1" baseline="30000" dirty="0" smtClean="0"/>
-              <a:t>3</a:t>
-            </a:r>
-            <a:r>
-              <a:rPr lang="en-US" b="1" dirty="0"/>
-              <a:t> - 8*x + 1 = sin(x)</a:t>
-            </a:r>
-            <a:r>
-              <a:rPr lang="ru-RU" dirty="0" smtClean="0"/>
-              <a:t> </a:t>
-            </a:r>
-            <a:r>
-              <a:rPr lang="ru-RU" dirty="0"/>
-              <a:t>на интервале [-5;5</a:t>
-            </a:r>
-            <a:r>
-              <a:rPr lang="ru-RU" dirty="0" smtClean="0"/>
-              <a:t>] </a:t>
-            </a:r>
-            <a:r>
-              <a:rPr lang="ru-RU" dirty="0"/>
-              <a:t>с точностью 0,001 и выводит полученные решения на экран.</a:t>
-            </a:r>
-          </a:p>
-          <a:p>
-            <a:r>
-              <a:rPr lang="ru-RU" dirty="0"/>
-              <a:t> </a:t>
-            </a:r>
-          </a:p>
-        </p:txBody>
-      </p:sp>
-      <p:sp>
-        <p:nvSpPr>
-          <p:cNvPr id="10" name="TextBox 9"/>
-          <p:cNvSpPr txBox="1"/>
-          <p:nvPr/>
-        </p:nvSpPr>
-        <p:spPr>
-          <a:xfrm>
-            <a:off x="223452" y="1340768"/>
-            <a:ext cx="8640960" cy="2862322"/>
-          </a:xfrm>
-          <a:prstGeom prst="rect">
-            <a:avLst/>
-          </a:prstGeom>
-          <a:noFill/>
-        </p:spPr>
-        <p:txBody>
-          <a:bodyPr wrap="square" rtlCol="0">
-            <a:spAutoFit/>
-          </a:bodyPr>
-          <a:lstStyle/>
-          <a:p>
-            <a:pPr lvl="0"/>
-            <a:r>
-              <a:rPr lang="ru-RU" dirty="0" smtClean="0"/>
-              <a:t>Программа запрашивает </a:t>
-            </a:r>
-            <a:r>
-              <a:rPr lang="ru-RU" dirty="0"/>
-              <a:t>границы очередного интервала и выводит найденный корень уравнения, а также число шагов, которые потребовались для достижения заданной точности. </a:t>
-            </a:r>
-          </a:p>
-          <a:p>
-            <a:endParaRPr lang="ru-RU" b="1" dirty="0" smtClean="0">
-              <a:latin typeface="Courier New" pitchFamily="49" charset="0"/>
-              <a:cs typeface="Courier New" pitchFamily="49" charset="0"/>
-            </a:endParaRPr>
-          </a:p>
-          <a:p>
-            <a:r>
-              <a:rPr lang="ru-RU" b="1" dirty="0" smtClean="0">
-                <a:latin typeface="Courier New" pitchFamily="49" charset="0"/>
-                <a:cs typeface="Courier New" pitchFamily="49" charset="0"/>
-              </a:rPr>
-              <a:t>Пример</a:t>
-            </a:r>
-            <a:r>
-              <a:rPr lang="ru-RU" b="1" dirty="0">
-                <a:latin typeface="Courier New" pitchFamily="49" charset="0"/>
-                <a:cs typeface="Courier New" pitchFamily="49" charset="0"/>
-              </a:rPr>
-              <a:t>:</a:t>
-            </a:r>
-          </a:p>
-          <a:p>
-            <a:endParaRPr lang="ru-RU" dirty="0" smtClean="0">
-              <a:latin typeface="Courier New" pitchFamily="49" charset="0"/>
-              <a:cs typeface="Courier New" pitchFamily="49" charset="0"/>
-            </a:endParaRPr>
-          </a:p>
-          <a:p>
-            <a:r>
-              <a:rPr lang="ru-RU" dirty="0" smtClean="0">
-                <a:latin typeface="Courier New" pitchFamily="49" charset="0"/>
-                <a:cs typeface="Courier New" pitchFamily="49" charset="0"/>
-              </a:rPr>
-              <a:t>Введите </a:t>
-            </a:r>
-            <a:r>
-              <a:rPr lang="ru-RU" dirty="0">
-                <a:latin typeface="Courier New" pitchFamily="49" charset="0"/>
-                <a:cs typeface="Courier New" pitchFamily="49" charset="0"/>
-              </a:rPr>
-              <a:t>границы </a:t>
-            </a:r>
-            <a:r>
-              <a:rPr lang="ru-RU" dirty="0" smtClean="0">
-                <a:latin typeface="Courier New" pitchFamily="49" charset="0"/>
-                <a:cs typeface="Courier New" pitchFamily="49" charset="0"/>
-              </a:rPr>
-              <a:t>интервала: 1.5  2</a:t>
-            </a:r>
-            <a:endParaRPr lang="ru-RU" dirty="0">
-              <a:latin typeface="Courier New" pitchFamily="49" charset="0"/>
-              <a:cs typeface="Courier New" pitchFamily="49" charset="0"/>
-            </a:endParaRPr>
-          </a:p>
-          <a:p>
-            <a:r>
-              <a:rPr lang="ru-RU" dirty="0">
-                <a:latin typeface="Courier New" pitchFamily="49" charset="0"/>
-                <a:cs typeface="Courier New" pitchFamily="49" charset="0"/>
-              </a:rPr>
-              <a:t>Решение: 1.7201</a:t>
-            </a:r>
-          </a:p>
-          <a:p>
-            <a:r>
-              <a:rPr lang="ru-RU" dirty="0">
-                <a:latin typeface="Courier New" pitchFamily="49" charset="0"/>
-                <a:cs typeface="Courier New" pitchFamily="49" charset="0"/>
-              </a:rPr>
-              <a:t>Число шагов: 8</a:t>
-            </a:r>
-          </a:p>
-          <a:p>
-            <a:endParaRPr lang="ru-RU" dirty="0"/>
-          </a:p>
-        </p:txBody>
-      </p:sp>
-    </p:spTree>
-    <p:extLst>
-      <p:ext uri="{BB962C8B-B14F-4D97-AF65-F5344CB8AC3E}">
-        <p14:creationId xmlns:p14="http://schemas.microsoft.com/office/powerpoint/2010/main" val="852812911"/>
       </p:ext>
     </p:extLst>
   </p:cSld>
@@ -7732,10 +4262,9 @@
           <a:lstStyle/>
           <a:p>
             <a:r>
-              <a:rPr lang="ru-RU" dirty="0" smtClean="0"/>
+              <a:rPr lang="ru-RU" dirty="0"/>
               <a:t>№2 (14.01.22)</a:t>
             </a:r>
-            <a:endParaRPr lang="ru-RU" dirty="0"/>
           </a:p>
         </p:txBody>
       </p:sp>
@@ -7796,41 +4325,27 @@
               <a:rPr lang="ru-RU" sz="2200" b="1" dirty="0"/>
               <a:t>Входные и выходные данные. </a:t>
             </a:r>
-            <a:endParaRPr lang="ru-RU" sz="2200" b="1" dirty="0" smtClean="0"/>
           </a:p>
           <a:p>
             <a:pPr algn="just"/>
             <a:r>
-              <a:rPr lang="ru-RU" sz="2200" dirty="0" smtClean="0"/>
-              <a:t>В </a:t>
-            </a:r>
-            <a:r>
               <a:rPr lang="ru-RU" sz="2200" dirty="0"/>
-              <a:t>первой строке входного файла </a:t>
-            </a:r>
-            <a:r>
-              <a:rPr lang="ru-RU" sz="2200" b="1" dirty="0" smtClean="0"/>
+              <a:t>В первой строке входного файла </a:t>
+            </a:r>
+            <a:r>
+              <a:rPr lang="ru-RU" sz="2200" b="1" dirty="0"/>
               <a:t>26-2.txt</a:t>
             </a:r>
             <a:r>
-              <a:rPr lang="ru-RU" sz="2200" dirty="0" smtClean="0"/>
-              <a:t> </a:t>
-            </a:r>
-            <a:r>
               <a:rPr lang="ru-RU" sz="2200" dirty="0"/>
-              <a:t>находятся два числа, записанные через пробел: N – общее количество измерений (натуральное число, не превышающее 10 000) и K – количество исключаемых минимальных и максимальных значений. </a:t>
-            </a:r>
-            <a:endParaRPr lang="ru-RU" sz="2200" dirty="0" smtClean="0"/>
+              <a:t> находятся два числа, записанные через пробел: N – общее количество измерений (натуральное число, не превышающее 10 000) и K – количество исключаемых минимальных и максимальных значений. </a:t>
+            </a:r>
           </a:p>
           <a:p>
             <a:pPr algn="just"/>
             <a:r>
-              <a:rPr lang="ru-RU" sz="2200" dirty="0" smtClean="0"/>
-              <a:t>В </a:t>
-            </a:r>
-            <a:r>
               <a:rPr lang="ru-RU" sz="2200" dirty="0"/>
-              <a:t>следующих N строках находятся значения каждого из измерений (все числа натуральные, не превышающие 1000), каждое в отдельной строке. Запишите в ответе два числа: сначала наибольшее достоверное измерение, а затем целую часть среднего значения всех достоверных измерений.</a:t>
+              <a:t>В следующих N строках находятся значения каждого из измерений (все числа натуральные, не превышающие 1000), каждое в отдельной строке. Запишите в ответе два числа: сначала наибольшее достоверное измерение, а затем целую часть среднего значения всех достоверных измерений.</a:t>
             </a:r>
           </a:p>
         </p:txBody>
@@ -7845,13 +4360,6 @@
   <p:clrMapOvr>
     <a:masterClrMapping/>
   </p:clrMapOvr>
-  <p:timing>
-    <p:tnLst>
-      <p:par>
-        <p:cTn id="1" dur="indefinite" restart="never" nodeType="tmRoot"/>
-      </p:par>
-    </p:tnLst>
-  </p:timing>
 </p:sld>
 </file>
 
@@ -7874,10 +4382,10 @@
       </p:grpSpPr>
       <p:sp>
         <p:nvSpPr>
-          <p:cNvPr id="65538" name="Заголовок 1">
+          <p:cNvPr id="67586" name="Заголовок 1">
             <a:extLst>
               <a:ext uri="{FF2B5EF4-FFF2-40B4-BE49-F238E27FC236}">
-                <a16:creationId xmlns="" xmlns:a16="http://schemas.microsoft.com/office/drawing/2014/main" id="{862CB3DB-B432-47A7-9EDE-1C37C5E3CA30}"/>
+                <a16:creationId xmlns:a16="http://schemas.microsoft.com/office/drawing/2014/main" id="{389C7EE3-352E-4EC2-85BD-18BE9335DB4D}"/>
               </a:ext>
             </a:extLst>
           </p:cNvPr>
@@ -7899,19 +4407,18 @@
           <a:lstStyle/>
           <a:p>
             <a:r>
-              <a:rPr lang="ru-RU" altLang="ru-RU" dirty="0" smtClean="0"/>
+              <a:rPr lang="ru-RU" altLang="ru-RU" dirty="0"/>
               <a:t>Задачи (17.01.22)</a:t>
             </a:r>
-            <a:endParaRPr lang="ru-RU" altLang="ru-RU" dirty="0"/>
-          </a:p>
-        </p:txBody>
-      </p:sp>
-      <p:sp>
-        <p:nvSpPr>
-          <p:cNvPr id="65539" name="Номер слайда 2">
+          </a:p>
+        </p:txBody>
+      </p:sp>
+      <p:sp>
+        <p:nvSpPr>
+          <p:cNvPr id="67587" name="Номер слайда 2">
             <a:extLst>
               <a:ext uri="{FF2B5EF4-FFF2-40B4-BE49-F238E27FC236}">
-                <a16:creationId xmlns="" xmlns:a16="http://schemas.microsoft.com/office/drawing/2014/main" id="{4BD4081D-3369-4603-A085-B1B735C10312}"/>
+                <a16:creationId xmlns:a16="http://schemas.microsoft.com/office/drawing/2014/main" id="{65F50044-84CA-4FF7-840E-A7F2EDF6497D}"/>
               </a:ext>
             </a:extLst>
           </p:cNvPr>
@@ -8077,7 +4584,7 @@
               <a:buFontTx/>
               <a:buNone/>
             </a:pPr>
-            <a:fld id="{FCEDEFDA-161C-43C3-AE72-6B7BCEBB5446}" type="slidenum">
+            <a:fld id="{2C62DB52-BFC8-432A-9BC9-240E3B058490}" type="slidenum">
               <a:rPr lang="ru-RU" altLang="ru-RU" sz="1400"/>
               <a:pPr>
                 <a:spcBef>
@@ -8097,7 +4604,7 @@
           <p:cNvPr id="4" name="Text Box 5">
             <a:extLst>
               <a:ext uri="{FF2B5EF4-FFF2-40B4-BE49-F238E27FC236}">
-                <a16:creationId xmlns="" xmlns:a16="http://schemas.microsoft.com/office/drawing/2014/main" id="{51DD9542-B4F9-414A-9D98-86F4F87C92D0}"/>
+                <a16:creationId xmlns:a16="http://schemas.microsoft.com/office/drawing/2014/main" id="{070D0D85-4B8B-4C3A-B302-250A0F60812F}"/>
               </a:ext>
             </a:extLst>
           </p:cNvPr>
@@ -8109,7 +4616,7 @@
         <p:spPr bwMode="auto">
           <a:xfrm>
             <a:off x="369888" y="809625"/>
-            <a:ext cx="8420100" cy="4494213"/>
+            <a:ext cx="8420100" cy="5878513"/>
           </a:xfrm>
           <a:prstGeom prst="rect">
             <a:avLst/>
@@ -8132,25 +4639,28 @@
               <a:defRPr/>
             </a:pPr>
             <a:r>
-              <a:rPr lang="ru-RU" sz="2200" b="1" dirty="0" smtClean="0">
+              <a:rPr lang="ru-RU" sz="2200" b="1" dirty="0">
                 <a:solidFill>
                   <a:srgbClr val="3333FF"/>
                 </a:solidFill>
               </a:rPr>
-              <a:t>«1»: </a:t>
+              <a:t>«3»: </a:t>
             </a:r>
             <a:r>
               <a:rPr lang="ru-RU" sz="2200" dirty="0"/>
-              <a:t>Заполнить массив случайными числами и отсортировать его.  Ввести число X. Используя двоичный поиск, определить, есть ли в массиве число, равное X. Подсчитать количество сравнений. </a:t>
+              <a:t>Заполнить массив случайными числами и ввести число и отсортировать его.  Ввести число X. Используя двоичный поиск, определить, есть ли в массиве число, равное X. Если такого числа нет, вывести число, ближайшее к X. </a:t>
             </a:r>
             <a:endParaRPr lang="en-US" sz="2200" dirty="0"/>
           </a:p>
           <a:p>
             <a:pPr marL="714375" indent="-357188" eaLnBrk="1" hangingPunct="1">
+              <a:lnSpc>
+                <a:spcPct val="90000"/>
+              </a:lnSpc>
               <a:defRPr/>
             </a:pPr>
             <a:r>
-              <a:rPr lang="ru-RU" sz="2200" b="1" dirty="0">
+              <a:rPr lang="ru-RU" sz="2000" b="1" dirty="0">
                 <a:solidFill>
                   <a:srgbClr val="333399"/>
                 </a:solidFill>
@@ -8158,16 +4668,19 @@
               <a:t>Пример</a:t>
             </a:r>
             <a:r>
-              <a:rPr lang="ru-RU" sz="2200" b="1" dirty="0"/>
+              <a:rPr lang="ru-RU" sz="2000" b="1" dirty="0"/>
               <a:t>:</a:t>
             </a:r>
           </a:p>
           <a:p>
             <a:pPr marL="714375" eaLnBrk="1" hangingPunct="1">
+              <a:lnSpc>
+                <a:spcPct val="90000"/>
+              </a:lnSpc>
               <a:defRPr/>
             </a:pPr>
             <a:r>
-              <a:rPr lang="ru-RU" sz="2200" b="1" dirty="0">
+              <a:rPr lang="ru-RU" sz="2000" b="1" dirty="0">
                 <a:latin typeface="Courier New" pitchFamily="49" charset="0"/>
                 <a:cs typeface="Courier New" pitchFamily="49" charset="0"/>
               </a:rPr>
@@ -8176,10 +4689,13 @@
           </a:p>
           <a:p>
             <a:pPr marL="714375" eaLnBrk="1" hangingPunct="1">
+              <a:lnSpc>
+                <a:spcPct val="90000"/>
+              </a:lnSpc>
               <a:defRPr/>
             </a:pPr>
             <a:r>
-              <a:rPr lang="ru-RU" sz="2200" b="1" dirty="0">
+              <a:rPr lang="ru-RU" sz="2000" b="1" dirty="0">
                 <a:latin typeface="Courier New" pitchFamily="49" charset="0"/>
                 <a:cs typeface="Courier New" pitchFamily="49" charset="0"/>
               </a:rPr>
@@ -8188,10 +4704,13 @@
           </a:p>
           <a:p>
             <a:pPr marL="714375" eaLnBrk="1" hangingPunct="1">
+              <a:lnSpc>
+                <a:spcPct val="90000"/>
+              </a:lnSpc>
               <a:defRPr/>
             </a:pPr>
             <a:r>
-              <a:rPr lang="ru-RU" sz="2200" b="1" dirty="0">
+              <a:rPr lang="ru-RU" sz="2000" b="1" dirty="0">
                 <a:latin typeface="Courier New" pitchFamily="49" charset="0"/>
                 <a:cs typeface="Courier New" pitchFamily="49" charset="0"/>
               </a:rPr>
@@ -8200,22 +4719,28 @@
           </a:p>
           <a:p>
             <a:pPr marL="714375" eaLnBrk="1" hangingPunct="1">
+              <a:lnSpc>
+                <a:spcPct val="90000"/>
+              </a:lnSpc>
               <a:defRPr/>
             </a:pPr>
             <a:r>
-              <a:rPr lang="ru-RU" sz="2200" b="1" dirty="0">
+              <a:rPr lang="ru-RU" sz="2000" b="1" dirty="0">
                 <a:latin typeface="Courier New" pitchFamily="49" charset="0"/>
                 <a:cs typeface="Courier New" pitchFamily="49" charset="0"/>
               </a:rPr>
-              <a:t>1 2 2 3 4 4 5 7 9</a:t>
+              <a:t>1 2 2 3 4 4 5 12 19</a:t>
             </a:r>
           </a:p>
           <a:p>
             <a:pPr marL="714375" eaLnBrk="1" hangingPunct="1">
+              <a:lnSpc>
+                <a:spcPct val="90000"/>
+              </a:lnSpc>
               <a:defRPr/>
             </a:pPr>
             <a:r>
-              <a:rPr lang="ru-RU" sz="2200" b="1" dirty="0">
+              <a:rPr lang="ru-RU" sz="2000" b="1" dirty="0">
                 <a:latin typeface="Courier New" pitchFamily="49" charset="0"/>
                 <a:cs typeface="Courier New" pitchFamily="49" charset="0"/>
               </a:rPr>
@@ -8224,43 +4749,183 @@
           </a:p>
           <a:p>
             <a:pPr marL="714375" eaLnBrk="1" hangingPunct="1">
+              <a:lnSpc>
+                <a:spcPct val="90000"/>
+              </a:lnSpc>
               <a:defRPr/>
             </a:pPr>
             <a:r>
-              <a:rPr lang="ru-RU" sz="2200" b="1" dirty="0">
+              <a:rPr lang="ru-RU" sz="2000" b="1" dirty="0">
                 <a:solidFill>
                   <a:srgbClr val="FF0000"/>
                 </a:solidFill>
                 <a:latin typeface="Courier New" pitchFamily="49" charset="0"/>
                 <a:cs typeface="Courier New" pitchFamily="49" charset="0"/>
               </a:rPr>
-              <a:t>2</a:t>
+              <a:t>12</a:t>
             </a:r>
           </a:p>
           <a:p>
             <a:pPr marL="714375" eaLnBrk="1" hangingPunct="1">
+              <a:lnSpc>
+                <a:spcPct val="90000"/>
+              </a:lnSpc>
               <a:defRPr/>
             </a:pPr>
             <a:r>
-              <a:rPr lang="ru-RU" sz="2200" b="1" dirty="0">
+              <a:rPr lang="ru-RU" sz="2000" b="1" dirty="0">
                 <a:latin typeface="Courier New" pitchFamily="49" charset="0"/>
                 <a:cs typeface="Courier New" pitchFamily="49" charset="0"/>
               </a:rPr>
-              <a:t>Число 2 найдено.</a:t>
-            </a:r>
-          </a:p>
-          <a:p>
-            <a:pPr marL="714375" eaLnBrk="1" hangingPunct="1">
+              <a:t>Число 12 найдено. </a:t>
+            </a:r>
+            <a:endParaRPr lang="en-US" sz="2000" b="1" dirty="0">
+              <a:latin typeface="Courier New" pitchFamily="49" charset="0"/>
+              <a:cs typeface="Courier New" pitchFamily="49" charset="0"/>
+            </a:endParaRPr>
+          </a:p>
+          <a:p>
+            <a:pPr marL="360363" eaLnBrk="1" hangingPunct="1">
+              <a:lnSpc>
+                <a:spcPct val="90000"/>
+              </a:lnSpc>
               <a:defRPr/>
             </a:pPr>
             <a:r>
-              <a:rPr lang="ru-RU" sz="2200" b="1" dirty="0">
+              <a:rPr lang="ru-RU" sz="2000" b="1" dirty="0">
+                <a:solidFill>
+                  <a:srgbClr val="333399"/>
+                </a:solidFill>
+              </a:rPr>
+              <a:t>Пример</a:t>
+            </a:r>
+            <a:r>
+              <a:rPr lang="ru-RU" sz="2000" b="1" dirty="0"/>
+              <a:t>:</a:t>
+            </a:r>
+          </a:p>
+          <a:p>
+            <a:pPr marL="714375" eaLnBrk="1" hangingPunct="1">
+              <a:lnSpc>
+                <a:spcPct val="90000"/>
+              </a:lnSpc>
+              <a:defRPr/>
+            </a:pPr>
+            <a:r>
+              <a:rPr lang="ru-RU" sz="2000" b="1" dirty="0">
                 <a:latin typeface="Courier New" pitchFamily="49" charset="0"/>
                 <a:cs typeface="Courier New" pitchFamily="49" charset="0"/>
               </a:rPr>
-              <a:t>Количество сравнений: 2</a:t>
-            </a:r>
-            <a:endParaRPr lang="ru-RU" sz="2200" b="1" dirty="0">
+              <a:t>Массив:</a:t>
+            </a:r>
+          </a:p>
+          <a:p>
+            <a:pPr marL="714375" eaLnBrk="1" hangingPunct="1">
+              <a:lnSpc>
+                <a:spcPct val="90000"/>
+              </a:lnSpc>
+              <a:defRPr/>
+            </a:pPr>
+            <a:r>
+              <a:rPr lang="ru-RU" sz="2000" b="1" dirty="0">
+                <a:latin typeface="Courier New" pitchFamily="49" charset="0"/>
+                <a:cs typeface="Courier New" pitchFamily="49" charset="0"/>
+              </a:rPr>
+              <a:t>1 4 7 3 9 2 4 5 2</a:t>
+            </a:r>
+          </a:p>
+          <a:p>
+            <a:pPr marL="714375" eaLnBrk="1" hangingPunct="1">
+              <a:lnSpc>
+                <a:spcPct val="90000"/>
+              </a:lnSpc>
+              <a:defRPr/>
+            </a:pPr>
+            <a:r>
+              <a:rPr lang="ru-RU" sz="2000" b="1" dirty="0">
+                <a:latin typeface="Courier New" pitchFamily="49" charset="0"/>
+                <a:cs typeface="Courier New" pitchFamily="49" charset="0"/>
+              </a:rPr>
+              <a:t>После сортировки:</a:t>
+            </a:r>
+          </a:p>
+          <a:p>
+            <a:pPr marL="714375" eaLnBrk="1" hangingPunct="1">
+              <a:lnSpc>
+                <a:spcPct val="90000"/>
+              </a:lnSpc>
+              <a:defRPr/>
+            </a:pPr>
+            <a:r>
+              <a:rPr lang="ru-RU" sz="2000" b="1" dirty="0">
+                <a:latin typeface="Courier New" pitchFamily="49" charset="0"/>
+                <a:cs typeface="Courier New" pitchFamily="49" charset="0"/>
+              </a:rPr>
+              <a:t>1 2 2 3 4 4 5 12 19</a:t>
+            </a:r>
+          </a:p>
+          <a:p>
+            <a:pPr marL="714375" eaLnBrk="1" hangingPunct="1">
+              <a:lnSpc>
+                <a:spcPct val="90000"/>
+              </a:lnSpc>
+              <a:defRPr/>
+            </a:pPr>
+            <a:r>
+              <a:rPr lang="ru-RU" sz="2000" b="1" dirty="0">
+                <a:latin typeface="Courier New" pitchFamily="49" charset="0"/>
+                <a:cs typeface="Courier New" pitchFamily="49" charset="0"/>
+              </a:rPr>
+              <a:t>Введите число X:</a:t>
+            </a:r>
+          </a:p>
+          <a:p>
+            <a:pPr marL="714375" eaLnBrk="1" hangingPunct="1">
+              <a:lnSpc>
+                <a:spcPct val="90000"/>
+              </a:lnSpc>
+              <a:defRPr/>
+            </a:pPr>
+            <a:r>
+              <a:rPr lang="ru-RU" sz="2000" b="1" dirty="0">
+                <a:solidFill>
+                  <a:srgbClr val="FF0000"/>
+                </a:solidFill>
+                <a:latin typeface="Courier New" pitchFamily="49" charset="0"/>
+                <a:cs typeface="Courier New" pitchFamily="49" charset="0"/>
+              </a:rPr>
+              <a:t>11</a:t>
+            </a:r>
+          </a:p>
+          <a:p>
+            <a:pPr marL="714375" eaLnBrk="1" hangingPunct="1">
+              <a:lnSpc>
+                <a:spcPct val="90000"/>
+              </a:lnSpc>
+              <a:defRPr/>
+            </a:pPr>
+            <a:r>
+              <a:rPr lang="ru-RU" sz="2000" b="1" dirty="0">
+                <a:latin typeface="Courier New" pitchFamily="49" charset="0"/>
+                <a:cs typeface="Courier New" pitchFamily="49" charset="0"/>
+              </a:rPr>
+              <a:t>Число 11 не найдено.</a:t>
+            </a:r>
+            <a:r>
+              <a:rPr lang="en-US" sz="2000" b="1" dirty="0">
+                <a:latin typeface="Courier New" pitchFamily="49" charset="0"/>
+                <a:cs typeface="Courier New" pitchFamily="49" charset="0"/>
+              </a:rPr>
+              <a:t> </a:t>
+            </a:r>
+            <a:r>
+              <a:rPr lang="ru-RU" sz="2000" b="1" dirty="0">
+                <a:latin typeface="Courier New" pitchFamily="49" charset="0"/>
+                <a:cs typeface="Courier New" pitchFamily="49" charset="0"/>
+              </a:rPr>
+              <a:t>Ближайшее число 12.</a:t>
+            </a:r>
+            <a:endParaRPr lang="ru-RU" sz="2000" b="1" dirty="0">
               <a:solidFill>
                 <a:srgbClr val="FF0000"/>
               </a:solidFill>
@@ -8273,20 +4938,13 @@
     </p:spTree>
     <p:extLst>
       <p:ext uri="{BB962C8B-B14F-4D97-AF65-F5344CB8AC3E}">
-        <p14:creationId xmlns:p14="http://schemas.microsoft.com/office/powerpoint/2010/main" val="2695874427"/>
+        <p14:creationId xmlns:p14="http://schemas.microsoft.com/office/powerpoint/2010/main" val="1442645149"/>
       </p:ext>
     </p:extLst>
   </p:cSld>
   <p:clrMapOvr>
     <a:masterClrMapping/>
   </p:clrMapOvr>
-  <p:timing>
-    <p:tnLst>
-      <p:par>
-        <p:cTn id="1" dur="indefinite" restart="never" nodeType="tmRoot"/>
-      </p:par>
-    </p:tnLst>
-  </p:timing>
 </p:sld>
 </file>
 
@@ -8309,562 +4967,58 @@
       </p:grpSpPr>
       <p:sp>
         <p:nvSpPr>
-          <p:cNvPr id="66562" name="Заголовок 1">
-            <a:extLst>
-              <a:ext uri="{FF2B5EF4-FFF2-40B4-BE49-F238E27FC236}">
-                <a16:creationId xmlns="" xmlns:a16="http://schemas.microsoft.com/office/drawing/2014/main" id="{492D65A9-47CA-464D-8265-F278ED19F121}"/>
-              </a:ext>
-            </a:extLst>
-          </p:cNvPr>
+          <p:cNvPr id="3" name="Заголовок 2"/>
           <p:cNvSpPr>
             <a:spLocks noGrp="1"/>
           </p:cNvSpPr>
           <p:nvPr>
-            <p:ph type="title"/>
-          </p:nvPr>
-        </p:nvSpPr>
-        <p:spPr>
-          <a:xfrm>
-            <a:off x="311150" y="301625"/>
-            <a:ext cx="8375650" cy="471488"/>
-          </a:xfrm>
-        </p:spPr>
+            <p:ph type="ctrTitle"/>
+          </p:nvPr>
+        </p:nvSpPr>
+        <p:spPr/>
         <p:txBody>
           <a:bodyPr/>
           <a:lstStyle/>
           <a:p>
             <a:r>
-              <a:rPr lang="ru-RU" altLang="ru-RU" dirty="0"/>
-              <a:t>Задачи (17.01.22)</a:t>
-            </a:r>
-          </a:p>
-        </p:txBody>
-      </p:sp>
-      <p:sp>
-        <p:nvSpPr>
-          <p:cNvPr id="66563" name="Номер слайда 2">
-            <a:extLst>
-              <a:ext uri="{FF2B5EF4-FFF2-40B4-BE49-F238E27FC236}">
-                <a16:creationId xmlns="" xmlns:a16="http://schemas.microsoft.com/office/drawing/2014/main" id="{8EC90FB4-A520-4009-A2C6-2FD1A4216B48}"/>
-              </a:ext>
-            </a:extLst>
-          </p:cNvPr>
+              <a:rPr lang="ru-RU" dirty="0"/>
+              <a:t>Обработка строк из файла</a:t>
+            </a:r>
+          </a:p>
+        </p:txBody>
+      </p:sp>
+      <p:sp>
+        <p:nvSpPr>
+          <p:cNvPr id="4" name="Подзаголовок 3"/>
           <p:cNvSpPr>
             <a:spLocks noGrp="1"/>
           </p:cNvSpPr>
           <p:nvPr>
-            <p:ph type="sldNum" sz="quarter" idx="12"/>
-          </p:nvPr>
-        </p:nvSpPr>
-        <p:spPr>
-          <a:noFill/>
-          <a:ln/>
-          <a:extLst>
-            <a:ext uri="{909E8E84-426E-40DD-AFC4-6F175D3DCCD1}">
-              <a14:hiddenFill xmlns:a14="http://schemas.microsoft.com/office/drawing/2010/main">
-                <a:solidFill>
-                  <a:srgbClr val="FFFFFF"/>
-                </a:solidFill>
-              </a14:hiddenFill>
-            </a:ext>
-            <a:ext uri="{91240B29-F687-4F45-9708-019B960494DF}">
-              <a14:hiddenLine xmlns:a14="http://schemas.microsoft.com/office/drawing/2010/main" w="9525">
-                <a:solidFill>
-                  <a:srgbClr val="000000"/>
-                </a:solidFill>
-                <a:miter lim="800000"/>
-                <a:headEnd/>
-                <a:tailEnd/>
-              </a14:hiddenLine>
-            </a:ext>
-          </a:extLst>
-        </p:spPr>
+            <p:ph type="subTitle" idx="1"/>
+          </p:nvPr>
+        </p:nvSpPr>
+        <p:spPr/>
         <p:txBody>
           <a:bodyPr/>
-          <a:lstStyle>
-            <a:lvl1pPr>
-              <a:spcBef>
-                <a:spcPct val="20000"/>
-              </a:spcBef>
-              <a:buChar char="•"/>
-              <a:defRPr sz="3200">
-                <a:solidFill>
-                  <a:schemeClr val="tx1"/>
-                </a:solidFill>
-                <a:latin typeface="Arial" panose="020B0604020202020204" pitchFamily="34" charset="0"/>
-              </a:defRPr>
-            </a:lvl1pPr>
-            <a:lvl2pPr marL="742950" indent="-285750">
-              <a:spcBef>
-                <a:spcPct val="20000"/>
-              </a:spcBef>
-              <a:buChar char="–"/>
-              <a:defRPr sz="2800">
-                <a:solidFill>
-                  <a:schemeClr val="tx1"/>
-                </a:solidFill>
-                <a:latin typeface="Arial" panose="020B0604020202020204" pitchFamily="34" charset="0"/>
-              </a:defRPr>
-            </a:lvl2pPr>
-            <a:lvl3pPr marL="1143000" indent="-228600">
-              <a:spcBef>
-                <a:spcPct val="20000"/>
-              </a:spcBef>
-              <a:buChar char="•"/>
-              <a:defRPr sz="2400">
-                <a:solidFill>
-                  <a:schemeClr val="tx1"/>
-                </a:solidFill>
-                <a:latin typeface="Arial" panose="020B0604020202020204" pitchFamily="34" charset="0"/>
-              </a:defRPr>
-            </a:lvl3pPr>
-            <a:lvl4pPr marL="1600200" indent="-228600">
-              <a:spcBef>
-                <a:spcPct val="20000"/>
-              </a:spcBef>
-              <a:buChar char="–"/>
-              <a:defRPr sz="2000">
-                <a:solidFill>
-                  <a:schemeClr val="tx1"/>
-                </a:solidFill>
-                <a:latin typeface="Arial" panose="020B0604020202020204" pitchFamily="34" charset="0"/>
-              </a:defRPr>
-            </a:lvl4pPr>
-            <a:lvl5pPr marL="2057400" indent="-228600">
-              <a:spcBef>
-                <a:spcPct val="20000"/>
-              </a:spcBef>
-              <a:buChar char="»"/>
-              <a:defRPr sz="2000">
-                <a:solidFill>
-                  <a:schemeClr val="tx1"/>
-                </a:solidFill>
-                <a:latin typeface="Arial" panose="020B0604020202020204" pitchFamily="34" charset="0"/>
-              </a:defRPr>
-            </a:lvl5pPr>
-            <a:lvl6pPr marL="2514600" indent="-228600" eaLnBrk="0" fontAlgn="base" hangingPunct="0">
-              <a:spcBef>
-                <a:spcPct val="20000"/>
-              </a:spcBef>
-              <a:spcAft>
-                <a:spcPct val="0"/>
-              </a:spcAft>
-              <a:buChar char="»"/>
-              <a:defRPr sz="2000">
-                <a:solidFill>
-                  <a:schemeClr val="tx1"/>
-                </a:solidFill>
-                <a:latin typeface="Arial" panose="020B0604020202020204" pitchFamily="34" charset="0"/>
-              </a:defRPr>
-            </a:lvl6pPr>
-            <a:lvl7pPr marL="2971800" indent="-228600" eaLnBrk="0" fontAlgn="base" hangingPunct="0">
-              <a:spcBef>
-                <a:spcPct val="20000"/>
-              </a:spcBef>
-              <a:spcAft>
-                <a:spcPct val="0"/>
-              </a:spcAft>
-              <a:buChar char="»"/>
-              <a:defRPr sz="2000">
-                <a:solidFill>
-                  <a:schemeClr val="tx1"/>
-                </a:solidFill>
-                <a:latin typeface="Arial" panose="020B0604020202020204" pitchFamily="34" charset="0"/>
-              </a:defRPr>
-            </a:lvl7pPr>
-            <a:lvl8pPr marL="3429000" indent="-228600" eaLnBrk="0" fontAlgn="base" hangingPunct="0">
-              <a:spcBef>
-                <a:spcPct val="20000"/>
-              </a:spcBef>
-              <a:spcAft>
-                <a:spcPct val="0"/>
-              </a:spcAft>
-              <a:buChar char="»"/>
-              <a:defRPr sz="2000">
-                <a:solidFill>
-                  <a:schemeClr val="tx1"/>
-                </a:solidFill>
-                <a:latin typeface="Arial" panose="020B0604020202020204" pitchFamily="34" charset="0"/>
-              </a:defRPr>
-            </a:lvl8pPr>
-            <a:lvl9pPr marL="3886200" indent="-228600" eaLnBrk="0" fontAlgn="base" hangingPunct="0">
-              <a:spcBef>
-                <a:spcPct val="20000"/>
-              </a:spcBef>
-              <a:spcAft>
-                <a:spcPct val="0"/>
-              </a:spcAft>
-              <a:buChar char="»"/>
-              <a:defRPr sz="2000">
-                <a:solidFill>
-                  <a:schemeClr val="tx1"/>
-                </a:solidFill>
-                <a:latin typeface="Arial" panose="020B0604020202020204" pitchFamily="34" charset="0"/>
-              </a:defRPr>
-            </a:lvl9pPr>
-          </a:lstStyle>
-          <a:p>
-            <a:pPr>
-              <a:spcBef>
-                <a:spcPct val="0"/>
-              </a:spcBef>
-              <a:buFontTx/>
-              <a:buNone/>
-            </a:pPr>
-            <a:fld id="{9CD03BD7-79D4-449E-B6D5-97D5C0C9C22C}" type="slidenum">
-              <a:rPr lang="ru-RU" altLang="ru-RU" sz="1400"/>
-              <a:pPr>
-                <a:spcBef>
-                  <a:spcPct val="0"/>
-                </a:spcBef>
-                <a:buFontTx/>
-                <a:buNone/>
-              </a:pPr>
-              <a:t>5</a:t>
-            </a:fld>
-            <a:endParaRPr lang="ru-RU" altLang="ru-RU" sz="1400"/>
-          </a:p>
-        </p:txBody>
-      </p:sp>
-      <p:sp>
-        <p:nvSpPr>
-          <p:cNvPr id="4" name="Text Box 5">
-            <a:extLst>
-              <a:ext uri="{FF2B5EF4-FFF2-40B4-BE49-F238E27FC236}">
-                <a16:creationId xmlns="" xmlns:a16="http://schemas.microsoft.com/office/drawing/2014/main" id="{B08497E1-46D5-4378-8D3F-BCBD119E1B60}"/>
-              </a:ext>
-            </a:extLst>
-          </p:cNvPr>
-          <p:cNvSpPr txBox="1">
-            <a:spLocks noChangeArrowheads="1"/>
-          </p:cNvSpPr>
-          <p:nvPr/>
-        </p:nvSpPr>
-        <p:spPr bwMode="auto">
-          <a:xfrm>
-            <a:off x="369888" y="809625"/>
-            <a:ext cx="8420100" cy="5878513"/>
-          </a:xfrm>
-          <a:prstGeom prst="rect">
-            <a:avLst/>
-          </a:prstGeom>
-          <a:noFill/>
-          <a:ln w="9525">
-            <a:noFill/>
-            <a:miter lim="800000"/>
-            <a:headEnd/>
-            <a:tailEnd/>
-          </a:ln>
-        </p:spPr>
-        <p:txBody>
-          <a:bodyPr>
-            <a:spAutoFit/>
-          </a:bodyPr>
           <a:lstStyle/>
           <a:p>
-            <a:pPr marL="630238" indent="-630238" eaLnBrk="1" hangingPunct="1">
-              <a:defRPr/>
-            </a:pPr>
-            <a:r>
-              <a:rPr lang="ru-RU" sz="2200" b="1" dirty="0" smtClean="0">
-                <a:solidFill>
-                  <a:srgbClr val="3333FF"/>
-                </a:solidFill>
-              </a:rPr>
-              <a:t>«2»: </a:t>
-            </a:r>
-            <a:r>
-              <a:rPr lang="ru-RU" sz="2200" dirty="0"/>
-              <a:t>Заполнить массив случайными числами и отсортировать его.  Ввести число X. Используя двоичный поиск, определить, сколько чисел, равных X, находится в массиве. </a:t>
-            </a:r>
-            <a:endParaRPr lang="en-US" sz="2200" dirty="0"/>
-          </a:p>
-          <a:p>
-            <a:pPr marL="714375" indent="-357188" eaLnBrk="1" hangingPunct="1">
-              <a:lnSpc>
-                <a:spcPct val="90000"/>
-              </a:lnSpc>
-              <a:defRPr/>
-            </a:pPr>
-            <a:r>
-              <a:rPr lang="ru-RU" sz="2000" b="1" dirty="0">
-                <a:solidFill>
-                  <a:srgbClr val="333399"/>
-                </a:solidFill>
-              </a:rPr>
-              <a:t>Пример</a:t>
-            </a:r>
-            <a:r>
-              <a:rPr lang="ru-RU" sz="2000" b="1" dirty="0"/>
-              <a:t>:</a:t>
-            </a:r>
-          </a:p>
-          <a:p>
-            <a:pPr marL="714375" eaLnBrk="1" hangingPunct="1">
-              <a:lnSpc>
-                <a:spcPct val="90000"/>
-              </a:lnSpc>
-              <a:defRPr/>
-            </a:pPr>
-            <a:r>
-              <a:rPr lang="ru-RU" sz="2000" b="1" dirty="0">
-                <a:latin typeface="Courier New" pitchFamily="49" charset="0"/>
-                <a:cs typeface="Courier New" pitchFamily="49" charset="0"/>
-              </a:rPr>
-              <a:t>Массив:</a:t>
-            </a:r>
-          </a:p>
-          <a:p>
-            <a:pPr marL="714375" eaLnBrk="1" hangingPunct="1">
-              <a:lnSpc>
-                <a:spcPct val="90000"/>
-              </a:lnSpc>
-              <a:defRPr/>
-            </a:pPr>
-            <a:r>
-              <a:rPr lang="ru-RU" sz="2000" b="1" dirty="0">
-                <a:latin typeface="Courier New" pitchFamily="49" charset="0"/>
-                <a:cs typeface="Courier New" pitchFamily="49" charset="0"/>
-              </a:rPr>
-              <a:t>1 4 7 3 9 2 4 5 2</a:t>
-            </a:r>
-          </a:p>
-          <a:p>
-            <a:pPr marL="714375" eaLnBrk="1" hangingPunct="1">
-              <a:lnSpc>
-                <a:spcPct val="90000"/>
-              </a:lnSpc>
-              <a:defRPr/>
-            </a:pPr>
-            <a:r>
-              <a:rPr lang="ru-RU" sz="2000" b="1" dirty="0">
-                <a:latin typeface="Courier New" pitchFamily="49" charset="0"/>
-                <a:cs typeface="Courier New" pitchFamily="49" charset="0"/>
-              </a:rPr>
-              <a:t>После сортировки:</a:t>
-            </a:r>
-          </a:p>
-          <a:p>
-            <a:pPr marL="714375" eaLnBrk="1" hangingPunct="1">
-              <a:lnSpc>
-                <a:spcPct val="90000"/>
-              </a:lnSpc>
-              <a:defRPr/>
-            </a:pPr>
-            <a:r>
-              <a:rPr lang="ru-RU" sz="2000" b="1" dirty="0">
-                <a:latin typeface="Courier New" pitchFamily="49" charset="0"/>
-                <a:cs typeface="Courier New" pitchFamily="49" charset="0"/>
-              </a:rPr>
-              <a:t>1 2 2 3 4 4 5 7 9</a:t>
-            </a:r>
-          </a:p>
-          <a:p>
-            <a:pPr marL="714375" eaLnBrk="1" hangingPunct="1">
-              <a:lnSpc>
-                <a:spcPct val="90000"/>
-              </a:lnSpc>
-              <a:defRPr/>
-            </a:pPr>
-            <a:r>
-              <a:rPr lang="ru-RU" sz="2000" b="1" dirty="0">
-                <a:latin typeface="Courier New" pitchFamily="49" charset="0"/>
-                <a:cs typeface="Courier New" pitchFamily="49" charset="0"/>
-              </a:rPr>
-              <a:t>Введите число X:</a:t>
-            </a:r>
-          </a:p>
-          <a:p>
-            <a:pPr marL="714375" eaLnBrk="1" hangingPunct="1">
-              <a:lnSpc>
-                <a:spcPct val="90000"/>
-              </a:lnSpc>
-              <a:defRPr/>
-            </a:pPr>
-            <a:r>
-              <a:rPr lang="ru-RU" sz="2000" b="1" dirty="0">
-                <a:solidFill>
-                  <a:srgbClr val="FF0000"/>
-                </a:solidFill>
-                <a:latin typeface="Courier New" pitchFamily="49" charset="0"/>
-                <a:cs typeface="Courier New" pitchFamily="49" charset="0"/>
-              </a:rPr>
-              <a:t>4</a:t>
-            </a:r>
-          </a:p>
-          <a:p>
-            <a:pPr marL="714375" eaLnBrk="1" hangingPunct="1">
-              <a:lnSpc>
-                <a:spcPct val="90000"/>
-              </a:lnSpc>
-              <a:defRPr/>
-            </a:pPr>
-            <a:r>
-              <a:rPr lang="ru-RU" sz="2000" b="1" dirty="0">
-                <a:latin typeface="Courier New" pitchFamily="49" charset="0"/>
-                <a:cs typeface="Courier New" pitchFamily="49" charset="0"/>
-              </a:rPr>
-              <a:t>Число 4 встречается 2 раз(а).</a:t>
-            </a:r>
-            <a:endParaRPr lang="en-US" sz="2000" b="1" dirty="0">
-              <a:latin typeface="Courier New" pitchFamily="49" charset="0"/>
-              <a:cs typeface="Courier New" pitchFamily="49" charset="0"/>
-            </a:endParaRPr>
-          </a:p>
-          <a:p>
-            <a:pPr marL="714375" indent="-357188" eaLnBrk="1" hangingPunct="1">
-              <a:lnSpc>
-                <a:spcPct val="90000"/>
-              </a:lnSpc>
-              <a:defRPr/>
-            </a:pPr>
-            <a:r>
-              <a:rPr lang="ru-RU" sz="2000" b="1" dirty="0">
-                <a:solidFill>
-                  <a:srgbClr val="333399"/>
-                </a:solidFill>
-              </a:rPr>
-              <a:t>Пример</a:t>
-            </a:r>
-            <a:r>
-              <a:rPr lang="ru-RU" sz="2000" b="1" dirty="0"/>
-              <a:t>:</a:t>
-            </a:r>
-          </a:p>
-          <a:p>
-            <a:pPr marL="714375" eaLnBrk="1" hangingPunct="1">
-              <a:lnSpc>
-                <a:spcPct val="90000"/>
-              </a:lnSpc>
-              <a:defRPr/>
-            </a:pPr>
-            <a:r>
-              <a:rPr lang="ru-RU" sz="2000" b="1" dirty="0">
-                <a:latin typeface="Courier New" pitchFamily="49" charset="0"/>
-                <a:cs typeface="Courier New" pitchFamily="49" charset="0"/>
-              </a:rPr>
-              <a:t>Массив:</a:t>
-            </a:r>
-          </a:p>
-          <a:p>
-            <a:pPr marL="714375" eaLnBrk="1" hangingPunct="1">
-              <a:lnSpc>
-                <a:spcPct val="90000"/>
-              </a:lnSpc>
-              <a:defRPr/>
-            </a:pPr>
-            <a:r>
-              <a:rPr lang="ru-RU" sz="2000" b="1" dirty="0">
-                <a:latin typeface="Courier New" pitchFamily="49" charset="0"/>
-                <a:cs typeface="Courier New" pitchFamily="49" charset="0"/>
-              </a:rPr>
-              <a:t>1 4 7 3 9 2 4 5 2</a:t>
-            </a:r>
-          </a:p>
-          <a:p>
-            <a:pPr marL="714375" eaLnBrk="1" hangingPunct="1">
-              <a:lnSpc>
-                <a:spcPct val="90000"/>
-              </a:lnSpc>
-              <a:defRPr/>
-            </a:pPr>
-            <a:r>
-              <a:rPr lang="ru-RU" sz="2000" b="1" dirty="0">
-                <a:latin typeface="Courier New" pitchFamily="49" charset="0"/>
-                <a:cs typeface="Courier New" pitchFamily="49" charset="0"/>
-              </a:rPr>
-              <a:t>После сортировки:</a:t>
-            </a:r>
-          </a:p>
-          <a:p>
-            <a:pPr marL="714375" eaLnBrk="1" hangingPunct="1">
-              <a:lnSpc>
-                <a:spcPct val="90000"/>
-              </a:lnSpc>
-              <a:defRPr/>
-            </a:pPr>
-            <a:r>
-              <a:rPr lang="ru-RU" sz="2000" b="1" dirty="0">
-                <a:latin typeface="Courier New" pitchFamily="49" charset="0"/>
-                <a:cs typeface="Courier New" pitchFamily="49" charset="0"/>
-              </a:rPr>
-              <a:t>1 2 2 3 4 4 5 7 9</a:t>
-            </a:r>
-          </a:p>
-          <a:p>
-            <a:pPr marL="714375" eaLnBrk="1" hangingPunct="1">
-              <a:lnSpc>
-                <a:spcPct val="90000"/>
-              </a:lnSpc>
-              <a:defRPr/>
-            </a:pPr>
-            <a:r>
-              <a:rPr lang="ru-RU" sz="2000" b="1" dirty="0">
-                <a:latin typeface="Courier New" pitchFamily="49" charset="0"/>
-                <a:cs typeface="Courier New" pitchFamily="49" charset="0"/>
-              </a:rPr>
-              <a:t>Введите число X:</a:t>
-            </a:r>
-          </a:p>
-          <a:p>
-            <a:pPr marL="714375" eaLnBrk="1" hangingPunct="1">
-              <a:lnSpc>
-                <a:spcPct val="90000"/>
-              </a:lnSpc>
-              <a:defRPr/>
-            </a:pPr>
-            <a:r>
-              <a:rPr lang="ru-RU" sz="2000" b="1" dirty="0">
-                <a:solidFill>
-                  <a:srgbClr val="FF0000"/>
-                </a:solidFill>
-                <a:latin typeface="Courier New" pitchFamily="49" charset="0"/>
-                <a:cs typeface="Courier New" pitchFamily="49" charset="0"/>
-              </a:rPr>
-              <a:t>14</a:t>
-            </a:r>
-          </a:p>
-          <a:p>
-            <a:pPr marL="714375" eaLnBrk="1" hangingPunct="1">
-              <a:lnSpc>
-                <a:spcPct val="90000"/>
-              </a:lnSpc>
-              <a:defRPr/>
-            </a:pPr>
-            <a:r>
-              <a:rPr lang="ru-RU" sz="2000" b="1" dirty="0">
-                <a:latin typeface="Courier New" pitchFamily="49" charset="0"/>
-                <a:cs typeface="Courier New" pitchFamily="49" charset="0"/>
-              </a:rPr>
-              <a:t>Число 14 не встречается.</a:t>
-            </a:r>
-            <a:endParaRPr lang="ru-RU" sz="2000" b="1" dirty="0">
-              <a:solidFill>
-                <a:srgbClr val="FF0000"/>
-              </a:solidFill>
-              <a:latin typeface="Courier New" pitchFamily="49" charset="0"/>
-              <a:cs typeface="Courier New" pitchFamily="49" charset="0"/>
-            </a:endParaRPr>
+            <a:r>
+              <a:rPr lang="ru-RU" dirty="0"/>
+              <a:t>21.01.22</a:t>
+            </a:r>
           </a:p>
         </p:txBody>
       </p:sp>
     </p:spTree>
     <p:extLst>
       <p:ext uri="{BB962C8B-B14F-4D97-AF65-F5344CB8AC3E}">
-        <p14:creationId xmlns:p14="http://schemas.microsoft.com/office/powerpoint/2010/main" val="3713741438"/>
+        <p14:creationId xmlns:p14="http://schemas.microsoft.com/office/powerpoint/2010/main" val="2910093099"/>
       </p:ext>
     </p:extLst>
   </p:cSld>
   <p:clrMapOvr>
     <a:masterClrMapping/>
   </p:clrMapOvr>
-  <p:timing>
-    <p:tnLst>
-      <p:par>
-        <p:cTn id="1" dur="indefinite" restart="never" nodeType="tmRoot"/>
-      </p:par>
-    </p:tnLst>
-  </p:timing>
 </p:sld>
 </file>
 
@@ -8887,576 +5041,95 @@
       </p:grpSpPr>
       <p:sp>
         <p:nvSpPr>
-          <p:cNvPr id="67586" name="Заголовок 1">
-            <a:extLst>
-              <a:ext uri="{FF2B5EF4-FFF2-40B4-BE49-F238E27FC236}">
-                <a16:creationId xmlns="" xmlns:a16="http://schemas.microsoft.com/office/drawing/2014/main" id="{389C7EE3-352E-4EC2-85BD-18BE9335DB4D}"/>
-              </a:ext>
-            </a:extLst>
-          </p:cNvPr>
+          <p:cNvPr id="2" name="Заголовок 1"/>
           <p:cNvSpPr>
             <a:spLocks noGrp="1"/>
           </p:cNvSpPr>
           <p:nvPr>
             <p:ph type="title"/>
           </p:nvPr>
+        </p:nvSpPr>
+        <p:spPr/>
+        <p:txBody>
+          <a:bodyPr>
+            <a:normAutofit/>
+          </a:bodyPr>
+          <a:lstStyle/>
+          <a:p>
+            <a:r>
+              <a:rPr lang="ru-RU" dirty="0"/>
+              <a:t>Задача 1</a:t>
+            </a:r>
+          </a:p>
+        </p:txBody>
+      </p:sp>
+      <p:sp>
+        <p:nvSpPr>
+          <p:cNvPr id="3" name="TextBox 2"/>
+          <p:cNvSpPr txBox="1"/>
+          <p:nvPr/>
         </p:nvSpPr>
         <p:spPr>
           <a:xfrm>
-            <a:off x="311150" y="301625"/>
-            <a:ext cx="8375650" cy="471488"/>
-          </a:xfrm>
-        </p:spPr>
-        <p:txBody>
-          <a:bodyPr/>
-          <a:lstStyle/>
-          <a:p>
-            <a:r>
-              <a:rPr lang="ru-RU" altLang="ru-RU" dirty="0"/>
-              <a:t>Задачи (17.01.22)</a:t>
-            </a:r>
-          </a:p>
-        </p:txBody>
-      </p:sp>
-      <p:sp>
-        <p:nvSpPr>
-          <p:cNvPr id="67587" name="Номер слайда 2">
-            <a:extLst>
-              <a:ext uri="{FF2B5EF4-FFF2-40B4-BE49-F238E27FC236}">
-                <a16:creationId xmlns="" xmlns:a16="http://schemas.microsoft.com/office/drawing/2014/main" id="{65F50044-84CA-4FF7-840E-A7F2EDF6497D}"/>
-              </a:ext>
-            </a:extLst>
-          </p:cNvPr>
-          <p:cNvSpPr>
-            <a:spLocks noGrp="1"/>
-          </p:cNvSpPr>
-          <p:nvPr>
-            <p:ph type="sldNum" sz="quarter" idx="12"/>
-          </p:nvPr>
-        </p:nvSpPr>
-        <p:spPr>
-          <a:noFill/>
-          <a:ln/>
-          <a:extLst>
-            <a:ext uri="{909E8E84-426E-40DD-AFC4-6F175D3DCCD1}">
-              <a14:hiddenFill xmlns:a14="http://schemas.microsoft.com/office/drawing/2010/main">
-                <a:solidFill>
-                  <a:srgbClr val="FFFFFF"/>
-                </a:solidFill>
-              </a14:hiddenFill>
-            </a:ext>
-            <a:ext uri="{91240B29-F687-4F45-9708-019B960494DF}">
-              <a14:hiddenLine xmlns:a14="http://schemas.microsoft.com/office/drawing/2010/main" w="9525">
-                <a:solidFill>
-                  <a:srgbClr val="000000"/>
-                </a:solidFill>
-                <a:miter lim="800000"/>
-                <a:headEnd/>
-                <a:tailEnd/>
-              </a14:hiddenLine>
-            </a:ext>
-          </a:extLst>
-        </p:spPr>
-        <p:txBody>
-          <a:bodyPr/>
-          <a:lstStyle>
-            <a:lvl1pPr>
-              <a:spcBef>
-                <a:spcPct val="20000"/>
-              </a:spcBef>
-              <a:buChar char="•"/>
-              <a:defRPr sz="3200">
-                <a:solidFill>
-                  <a:schemeClr val="tx1"/>
-                </a:solidFill>
-                <a:latin typeface="Arial" panose="020B0604020202020204" pitchFamily="34" charset="0"/>
-              </a:defRPr>
-            </a:lvl1pPr>
-            <a:lvl2pPr marL="742950" indent="-285750">
-              <a:spcBef>
-                <a:spcPct val="20000"/>
-              </a:spcBef>
-              <a:buChar char="–"/>
-              <a:defRPr sz="2800">
-                <a:solidFill>
-                  <a:schemeClr val="tx1"/>
-                </a:solidFill>
-                <a:latin typeface="Arial" panose="020B0604020202020204" pitchFamily="34" charset="0"/>
-              </a:defRPr>
-            </a:lvl2pPr>
-            <a:lvl3pPr marL="1143000" indent="-228600">
-              <a:spcBef>
-                <a:spcPct val="20000"/>
-              </a:spcBef>
-              <a:buChar char="•"/>
-              <a:defRPr sz="2400">
-                <a:solidFill>
-                  <a:schemeClr val="tx1"/>
-                </a:solidFill>
-                <a:latin typeface="Arial" panose="020B0604020202020204" pitchFamily="34" charset="0"/>
-              </a:defRPr>
-            </a:lvl3pPr>
-            <a:lvl4pPr marL="1600200" indent="-228600">
-              <a:spcBef>
-                <a:spcPct val="20000"/>
-              </a:spcBef>
-              <a:buChar char="–"/>
-              <a:defRPr sz="2000">
-                <a:solidFill>
-                  <a:schemeClr val="tx1"/>
-                </a:solidFill>
-                <a:latin typeface="Arial" panose="020B0604020202020204" pitchFamily="34" charset="0"/>
-              </a:defRPr>
-            </a:lvl4pPr>
-            <a:lvl5pPr marL="2057400" indent="-228600">
-              <a:spcBef>
-                <a:spcPct val="20000"/>
-              </a:spcBef>
-              <a:buChar char="»"/>
-              <a:defRPr sz="2000">
-                <a:solidFill>
-                  <a:schemeClr val="tx1"/>
-                </a:solidFill>
-                <a:latin typeface="Arial" panose="020B0604020202020204" pitchFamily="34" charset="0"/>
-              </a:defRPr>
-            </a:lvl5pPr>
-            <a:lvl6pPr marL="2514600" indent="-228600" eaLnBrk="0" fontAlgn="base" hangingPunct="0">
-              <a:spcBef>
-                <a:spcPct val="20000"/>
-              </a:spcBef>
-              <a:spcAft>
-                <a:spcPct val="0"/>
-              </a:spcAft>
-              <a:buChar char="»"/>
-              <a:defRPr sz="2000">
-                <a:solidFill>
-                  <a:schemeClr val="tx1"/>
-                </a:solidFill>
-                <a:latin typeface="Arial" panose="020B0604020202020204" pitchFamily="34" charset="0"/>
-              </a:defRPr>
-            </a:lvl6pPr>
-            <a:lvl7pPr marL="2971800" indent="-228600" eaLnBrk="0" fontAlgn="base" hangingPunct="0">
-              <a:spcBef>
-                <a:spcPct val="20000"/>
-              </a:spcBef>
-              <a:spcAft>
-                <a:spcPct val="0"/>
-              </a:spcAft>
-              <a:buChar char="»"/>
-              <a:defRPr sz="2000">
-                <a:solidFill>
-                  <a:schemeClr val="tx1"/>
-                </a:solidFill>
-                <a:latin typeface="Arial" panose="020B0604020202020204" pitchFamily="34" charset="0"/>
-              </a:defRPr>
-            </a:lvl7pPr>
-            <a:lvl8pPr marL="3429000" indent="-228600" eaLnBrk="0" fontAlgn="base" hangingPunct="0">
-              <a:spcBef>
-                <a:spcPct val="20000"/>
-              </a:spcBef>
-              <a:spcAft>
-                <a:spcPct val="0"/>
-              </a:spcAft>
-              <a:buChar char="»"/>
-              <a:defRPr sz="2000">
-                <a:solidFill>
-                  <a:schemeClr val="tx1"/>
-                </a:solidFill>
-                <a:latin typeface="Arial" panose="020B0604020202020204" pitchFamily="34" charset="0"/>
-              </a:defRPr>
-            </a:lvl8pPr>
-            <a:lvl9pPr marL="3886200" indent="-228600" eaLnBrk="0" fontAlgn="base" hangingPunct="0">
-              <a:spcBef>
-                <a:spcPct val="20000"/>
-              </a:spcBef>
-              <a:spcAft>
-                <a:spcPct val="0"/>
-              </a:spcAft>
-              <a:buChar char="»"/>
-              <a:defRPr sz="2000">
-                <a:solidFill>
-                  <a:schemeClr val="tx1"/>
-                </a:solidFill>
-                <a:latin typeface="Arial" panose="020B0604020202020204" pitchFamily="34" charset="0"/>
-              </a:defRPr>
-            </a:lvl9pPr>
-          </a:lstStyle>
-          <a:p>
-            <a:pPr>
-              <a:spcBef>
-                <a:spcPct val="0"/>
-              </a:spcBef>
-              <a:buFontTx/>
-              <a:buNone/>
-            </a:pPr>
-            <a:fld id="{2C62DB52-BFC8-432A-9BC9-240E3B058490}" type="slidenum">
-              <a:rPr lang="ru-RU" altLang="ru-RU" sz="1400"/>
-              <a:pPr>
-                <a:spcBef>
-                  <a:spcPct val="0"/>
-                </a:spcBef>
-                <a:buFontTx/>
-                <a:buNone/>
-              </a:pPr>
-              <a:t>6</a:t>
-            </a:fld>
-            <a:endParaRPr lang="ru-RU" altLang="ru-RU" sz="1400"/>
-          </a:p>
-        </p:txBody>
-      </p:sp>
-      <p:sp>
-        <p:nvSpPr>
-          <p:cNvPr id="4" name="Text Box 5">
-            <a:extLst>
-              <a:ext uri="{FF2B5EF4-FFF2-40B4-BE49-F238E27FC236}">
-                <a16:creationId xmlns="" xmlns:a16="http://schemas.microsoft.com/office/drawing/2014/main" id="{070D0D85-4B8B-4C3A-B302-250A0F60812F}"/>
-              </a:ext>
-            </a:extLst>
-          </p:cNvPr>
-          <p:cNvSpPr txBox="1">
-            <a:spLocks noChangeArrowheads="1"/>
-          </p:cNvSpPr>
-          <p:nvPr/>
-        </p:nvSpPr>
-        <p:spPr bwMode="auto">
-          <a:xfrm>
-            <a:off x="369888" y="809625"/>
-            <a:ext cx="8420100" cy="5878513"/>
+            <a:off x="271956" y="1921423"/>
+            <a:ext cx="8572007" cy="1569660"/>
           </a:xfrm>
           <a:prstGeom prst="rect">
             <a:avLst/>
           </a:prstGeom>
           <a:noFill/>
-          <a:ln w="9525">
-            <a:noFill/>
-            <a:miter lim="800000"/>
-            <a:headEnd/>
-            <a:tailEnd/>
-          </a:ln>
         </p:spPr>
         <p:txBody>
-          <a:bodyPr>
+          <a:bodyPr wrap="square" rtlCol="0">
             <a:spAutoFit/>
           </a:bodyPr>
           <a:lstStyle/>
           <a:p>
-            <a:pPr marL="630238" indent="-630238" eaLnBrk="1" hangingPunct="1">
-              <a:defRPr/>
-            </a:pPr>
-            <a:r>
-              <a:rPr lang="ru-RU" sz="2200" b="1" dirty="0" smtClean="0">
-                <a:solidFill>
-                  <a:srgbClr val="3333FF"/>
-                </a:solidFill>
-              </a:rPr>
-              <a:t>«3»: </a:t>
-            </a:r>
-            <a:r>
-              <a:rPr lang="ru-RU" sz="2200" dirty="0"/>
-              <a:t>Заполнить массив случайными числами и ввести число и отсортировать его.  Ввести число X. Используя двоичный поиск, определить, есть ли в массиве число, равное X. Если такого числа нет, вывести число, ближайшее к X. </a:t>
-            </a:r>
-            <a:endParaRPr lang="en-US" sz="2200" dirty="0"/>
-          </a:p>
-          <a:p>
-            <a:pPr marL="714375" indent="-357188" eaLnBrk="1" hangingPunct="1">
-              <a:lnSpc>
-                <a:spcPct val="90000"/>
-              </a:lnSpc>
-              <a:defRPr/>
-            </a:pPr>
-            <a:r>
-              <a:rPr lang="ru-RU" sz="2000" b="1" dirty="0">
-                <a:solidFill>
-                  <a:srgbClr val="333399"/>
-                </a:solidFill>
-              </a:rPr>
-              <a:t>Пример</a:t>
-            </a:r>
-            <a:r>
-              <a:rPr lang="ru-RU" sz="2000" b="1" dirty="0"/>
-              <a:t>:</a:t>
-            </a:r>
-          </a:p>
-          <a:p>
-            <a:pPr marL="714375" eaLnBrk="1" hangingPunct="1">
-              <a:lnSpc>
-                <a:spcPct val="90000"/>
-              </a:lnSpc>
-              <a:defRPr/>
-            </a:pPr>
-            <a:r>
-              <a:rPr lang="ru-RU" sz="2000" b="1" dirty="0">
-                <a:latin typeface="Courier New" pitchFamily="49" charset="0"/>
-                <a:cs typeface="Courier New" pitchFamily="49" charset="0"/>
-              </a:rPr>
-              <a:t>Массив:</a:t>
-            </a:r>
-          </a:p>
-          <a:p>
-            <a:pPr marL="714375" eaLnBrk="1" hangingPunct="1">
-              <a:lnSpc>
-                <a:spcPct val="90000"/>
-              </a:lnSpc>
-              <a:defRPr/>
-            </a:pPr>
-            <a:r>
-              <a:rPr lang="ru-RU" sz="2000" b="1" dirty="0">
-                <a:latin typeface="Courier New" pitchFamily="49" charset="0"/>
-                <a:cs typeface="Courier New" pitchFamily="49" charset="0"/>
-              </a:rPr>
-              <a:t>1 4 7 3 9 2 4 5 2</a:t>
-            </a:r>
-          </a:p>
-          <a:p>
-            <a:pPr marL="714375" eaLnBrk="1" hangingPunct="1">
-              <a:lnSpc>
-                <a:spcPct val="90000"/>
-              </a:lnSpc>
-              <a:defRPr/>
-            </a:pPr>
-            <a:r>
-              <a:rPr lang="ru-RU" sz="2000" b="1" dirty="0">
-                <a:latin typeface="Courier New" pitchFamily="49" charset="0"/>
-                <a:cs typeface="Courier New" pitchFamily="49" charset="0"/>
-              </a:rPr>
-              <a:t>После сортировки:</a:t>
-            </a:r>
-          </a:p>
-          <a:p>
-            <a:pPr marL="714375" eaLnBrk="1" hangingPunct="1">
-              <a:lnSpc>
-                <a:spcPct val="90000"/>
-              </a:lnSpc>
-              <a:defRPr/>
-            </a:pPr>
-            <a:r>
-              <a:rPr lang="ru-RU" sz="2000" b="1" dirty="0">
-                <a:latin typeface="Courier New" pitchFamily="49" charset="0"/>
-                <a:cs typeface="Courier New" pitchFamily="49" charset="0"/>
-              </a:rPr>
-              <a:t>1 2 2 3 4 4 5 12 19</a:t>
-            </a:r>
-          </a:p>
-          <a:p>
-            <a:pPr marL="714375" eaLnBrk="1" hangingPunct="1">
-              <a:lnSpc>
-                <a:spcPct val="90000"/>
-              </a:lnSpc>
-              <a:defRPr/>
-            </a:pPr>
-            <a:r>
-              <a:rPr lang="ru-RU" sz="2000" b="1" dirty="0">
-                <a:latin typeface="Courier New" pitchFamily="49" charset="0"/>
-                <a:cs typeface="Courier New" pitchFamily="49" charset="0"/>
-              </a:rPr>
-              <a:t>Введите число X:</a:t>
-            </a:r>
-          </a:p>
-          <a:p>
-            <a:pPr marL="714375" eaLnBrk="1" hangingPunct="1">
-              <a:lnSpc>
-                <a:spcPct val="90000"/>
-              </a:lnSpc>
-              <a:defRPr/>
-            </a:pPr>
-            <a:r>
-              <a:rPr lang="ru-RU" sz="2000" b="1" dirty="0">
-                <a:solidFill>
-                  <a:srgbClr val="FF0000"/>
-                </a:solidFill>
-                <a:latin typeface="Courier New" pitchFamily="49" charset="0"/>
-                <a:cs typeface="Courier New" pitchFamily="49" charset="0"/>
-              </a:rPr>
-              <a:t>12</a:t>
-            </a:r>
-          </a:p>
-          <a:p>
-            <a:pPr marL="714375" eaLnBrk="1" hangingPunct="1">
-              <a:lnSpc>
-                <a:spcPct val="90000"/>
-              </a:lnSpc>
-              <a:defRPr/>
-            </a:pPr>
-            <a:r>
-              <a:rPr lang="ru-RU" sz="2000" b="1" dirty="0">
-                <a:latin typeface="Courier New" pitchFamily="49" charset="0"/>
-                <a:cs typeface="Courier New" pitchFamily="49" charset="0"/>
-              </a:rPr>
-              <a:t>Число 12 найдено. </a:t>
-            </a:r>
-            <a:endParaRPr lang="en-US" sz="2000" b="1" dirty="0">
-              <a:latin typeface="Courier New" pitchFamily="49" charset="0"/>
-              <a:cs typeface="Courier New" pitchFamily="49" charset="0"/>
-            </a:endParaRPr>
-          </a:p>
-          <a:p>
-            <a:pPr marL="360363" eaLnBrk="1" hangingPunct="1">
-              <a:lnSpc>
-                <a:spcPct val="90000"/>
-              </a:lnSpc>
-              <a:defRPr/>
-            </a:pPr>
-            <a:r>
-              <a:rPr lang="ru-RU" sz="2000" b="1" dirty="0">
-                <a:solidFill>
-                  <a:srgbClr val="333399"/>
-                </a:solidFill>
-              </a:rPr>
-              <a:t>Пример</a:t>
-            </a:r>
-            <a:r>
-              <a:rPr lang="ru-RU" sz="2000" b="1" dirty="0"/>
-              <a:t>:</a:t>
-            </a:r>
-          </a:p>
-          <a:p>
-            <a:pPr marL="714375" eaLnBrk="1" hangingPunct="1">
-              <a:lnSpc>
-                <a:spcPct val="90000"/>
-              </a:lnSpc>
-              <a:defRPr/>
-            </a:pPr>
-            <a:r>
-              <a:rPr lang="ru-RU" sz="2000" b="1" dirty="0">
-                <a:latin typeface="Courier New" pitchFamily="49" charset="0"/>
-                <a:cs typeface="Courier New" pitchFamily="49" charset="0"/>
-              </a:rPr>
-              <a:t>Массив:</a:t>
-            </a:r>
-          </a:p>
-          <a:p>
-            <a:pPr marL="714375" eaLnBrk="1" hangingPunct="1">
-              <a:lnSpc>
-                <a:spcPct val="90000"/>
-              </a:lnSpc>
-              <a:defRPr/>
-            </a:pPr>
-            <a:r>
-              <a:rPr lang="ru-RU" sz="2000" b="1" dirty="0">
-                <a:latin typeface="Courier New" pitchFamily="49" charset="0"/>
-                <a:cs typeface="Courier New" pitchFamily="49" charset="0"/>
-              </a:rPr>
-              <a:t>1 4 7 3 9 2 4 5 2</a:t>
-            </a:r>
-          </a:p>
-          <a:p>
-            <a:pPr marL="714375" eaLnBrk="1" hangingPunct="1">
-              <a:lnSpc>
-                <a:spcPct val="90000"/>
-              </a:lnSpc>
-              <a:defRPr/>
-            </a:pPr>
-            <a:r>
-              <a:rPr lang="ru-RU" sz="2000" b="1" dirty="0">
-                <a:latin typeface="Courier New" pitchFamily="49" charset="0"/>
-                <a:cs typeface="Courier New" pitchFamily="49" charset="0"/>
-              </a:rPr>
-              <a:t>После сортировки:</a:t>
-            </a:r>
-          </a:p>
-          <a:p>
-            <a:pPr marL="714375" eaLnBrk="1" hangingPunct="1">
-              <a:lnSpc>
-                <a:spcPct val="90000"/>
-              </a:lnSpc>
-              <a:defRPr/>
-            </a:pPr>
-            <a:r>
-              <a:rPr lang="ru-RU" sz="2000" b="1" dirty="0">
-                <a:latin typeface="Courier New" pitchFamily="49" charset="0"/>
-                <a:cs typeface="Courier New" pitchFamily="49" charset="0"/>
-              </a:rPr>
-              <a:t>1 2 2 3 4 4 5 12 19</a:t>
-            </a:r>
-          </a:p>
-          <a:p>
-            <a:pPr marL="714375" eaLnBrk="1" hangingPunct="1">
-              <a:lnSpc>
-                <a:spcPct val="90000"/>
-              </a:lnSpc>
-              <a:defRPr/>
-            </a:pPr>
-            <a:r>
-              <a:rPr lang="ru-RU" sz="2000" b="1" dirty="0">
-                <a:latin typeface="Courier New" pitchFamily="49" charset="0"/>
-                <a:cs typeface="Courier New" pitchFamily="49" charset="0"/>
-              </a:rPr>
-              <a:t>Введите число X:</a:t>
-            </a:r>
-          </a:p>
-          <a:p>
-            <a:pPr marL="714375" eaLnBrk="1" hangingPunct="1">
-              <a:lnSpc>
-                <a:spcPct val="90000"/>
-              </a:lnSpc>
-              <a:defRPr/>
-            </a:pPr>
-            <a:r>
-              <a:rPr lang="ru-RU" sz="2000" b="1" dirty="0">
-                <a:solidFill>
-                  <a:srgbClr val="FF0000"/>
-                </a:solidFill>
-                <a:latin typeface="Courier New" pitchFamily="49" charset="0"/>
-                <a:cs typeface="Courier New" pitchFamily="49" charset="0"/>
-              </a:rPr>
-              <a:t>11</a:t>
-            </a:r>
-          </a:p>
-          <a:p>
-            <a:pPr marL="714375" eaLnBrk="1" hangingPunct="1">
-              <a:lnSpc>
-                <a:spcPct val="90000"/>
-              </a:lnSpc>
-              <a:defRPr/>
-            </a:pPr>
-            <a:r>
-              <a:rPr lang="ru-RU" sz="2000" b="1" dirty="0">
-                <a:latin typeface="Courier New" pitchFamily="49" charset="0"/>
-                <a:cs typeface="Courier New" pitchFamily="49" charset="0"/>
-              </a:rPr>
-              <a:t>Число 11 не найдено.</a:t>
-            </a:r>
-            <a:r>
-              <a:rPr lang="en-US" sz="2000" b="1" dirty="0">
-                <a:latin typeface="Courier New" pitchFamily="49" charset="0"/>
-                <a:cs typeface="Courier New" pitchFamily="49" charset="0"/>
-              </a:rPr>
-              <a:t> </a:t>
-            </a:r>
-            <a:r>
-              <a:rPr lang="ru-RU" sz="2000" b="1" dirty="0">
-                <a:latin typeface="Courier New" pitchFamily="49" charset="0"/>
-                <a:cs typeface="Courier New" pitchFamily="49" charset="0"/>
-              </a:rPr>
-              <a:t>Ближайшее число 12.</a:t>
-            </a:r>
-            <a:endParaRPr lang="ru-RU" sz="2000" b="1" dirty="0">
-              <a:solidFill>
-                <a:srgbClr val="FF0000"/>
-              </a:solidFill>
-              <a:latin typeface="Courier New" pitchFamily="49" charset="0"/>
-              <a:cs typeface="Courier New" pitchFamily="49" charset="0"/>
-            </a:endParaRPr>
+            <a:pPr lvl="0"/>
+            <a:r>
+              <a:rPr lang="ru-RU" sz="2400" dirty="0"/>
+              <a:t>В текстовом файле</a:t>
+            </a:r>
+            <a:r>
+              <a:rPr lang="ru-RU" sz="2400" b="1" dirty="0"/>
+              <a:t> k7-45.txt </a:t>
+            </a:r>
+            <a:r>
+              <a:rPr lang="ru-RU" sz="2400" dirty="0"/>
+              <a:t>находится цепочка из символов латинского алфавита A, </a:t>
+            </a:r>
+            <a:r>
+              <a:rPr lang="en-US" sz="2400" dirty="0"/>
+              <a:t>B</a:t>
+            </a:r>
+            <a:r>
+              <a:rPr lang="ru-RU" sz="2400" dirty="0"/>
+              <a:t>, </a:t>
+            </a:r>
+            <a:r>
+              <a:rPr lang="en-US" sz="2400" dirty="0"/>
+              <a:t>C</a:t>
+            </a:r>
+            <a:r>
+              <a:rPr lang="ru-RU" sz="2400" dirty="0"/>
+              <a:t>. Найдите длину самой длинной подцепочки, состоящей из символов C.</a:t>
+            </a:r>
+          </a:p>
+          <a:p>
+            <a:endParaRPr lang="ru-RU" sz="2400" dirty="0"/>
           </a:p>
         </p:txBody>
       </p:sp>
     </p:spTree>
     <p:extLst>
       <p:ext uri="{BB962C8B-B14F-4D97-AF65-F5344CB8AC3E}">
-        <p14:creationId xmlns:p14="http://schemas.microsoft.com/office/powerpoint/2010/main" val="1442645149"/>
+        <p14:creationId xmlns:p14="http://schemas.microsoft.com/office/powerpoint/2010/main" val="1969928726"/>
       </p:ext>
     </p:extLst>
   </p:cSld>
   <p:clrMapOvr>
     <a:masterClrMapping/>
   </p:clrMapOvr>
-  <p:timing>
-    <p:tnLst>
-      <p:par>
-        <p:cTn id="1" dur="indefinite" restart="never" nodeType="tmRoot"/>
-      </p:par>
-    </p:tnLst>
-  </p:timing>
 </p:sld>
 </file>
 
@@ -9479,67 +5152,75 @@
       </p:grpSpPr>
       <p:sp>
         <p:nvSpPr>
-          <p:cNvPr id="3" name="Заголовок 2"/>
+          <p:cNvPr id="2" name="Заголовок 1"/>
           <p:cNvSpPr>
             <a:spLocks noGrp="1"/>
           </p:cNvSpPr>
           <p:nvPr>
-            <p:ph type="ctrTitle"/>
+            <p:ph type="title"/>
           </p:nvPr>
         </p:nvSpPr>
         <p:spPr/>
         <p:txBody>
-          <a:bodyPr/>
+          <a:bodyPr>
+            <a:normAutofit/>
+          </a:bodyPr>
           <a:lstStyle/>
           <a:p>
             <a:r>
-              <a:rPr lang="ru-RU" dirty="0" smtClean="0"/>
-              <a:t>Обработка строк из файла</a:t>
-            </a:r>
-            <a:endParaRPr lang="ru-RU" dirty="0"/>
-          </a:p>
-        </p:txBody>
-      </p:sp>
-      <p:sp>
-        <p:nvSpPr>
-          <p:cNvPr id="4" name="Подзаголовок 3"/>
-          <p:cNvSpPr>
-            <a:spLocks noGrp="1"/>
-          </p:cNvSpPr>
-          <p:nvPr>
-            <p:ph type="subTitle" idx="1"/>
-          </p:nvPr>
-        </p:nvSpPr>
-        <p:spPr/>
-        <p:txBody>
-          <a:bodyPr/>
+              <a:rPr lang="ru-RU" dirty="0"/>
+              <a:t>Задача 2</a:t>
+            </a:r>
+          </a:p>
+        </p:txBody>
+      </p:sp>
+      <p:sp>
+        <p:nvSpPr>
+          <p:cNvPr id="3" name="TextBox 2"/>
+          <p:cNvSpPr txBox="1"/>
+          <p:nvPr/>
+        </p:nvSpPr>
+        <p:spPr>
+          <a:xfrm>
+            <a:off x="331076" y="1885950"/>
+            <a:ext cx="8684337" cy="1569660"/>
+          </a:xfrm>
+          <a:prstGeom prst="rect">
+            <a:avLst/>
+          </a:prstGeom>
+          <a:noFill/>
+        </p:spPr>
+        <p:txBody>
+          <a:bodyPr wrap="square" rtlCol="0">
+            <a:spAutoFit/>
+          </a:bodyPr>
           <a:lstStyle/>
           <a:p>
             <a:r>
-              <a:rPr lang="ru-RU" dirty="0" smtClean="0"/>
-              <a:t>21.01.22</a:t>
-            </a:r>
-            <a:endParaRPr lang="ru-RU" dirty="0"/>
+              <a:rPr lang="ru-RU" sz="2400" dirty="0"/>
+              <a:t>В текстовом файле </a:t>
+            </a:r>
+            <a:r>
+              <a:rPr lang="ru-RU" sz="2400" b="1" dirty="0"/>
+              <a:t>k7a-1.txt</a:t>
+            </a:r>
+            <a:r>
+              <a:rPr lang="ru-RU" sz="2400" dirty="0"/>
+              <a:t> находится цепочка из символов латинского алфавита A, B, C, D, E. Найдите длину самой длинной подцепочки, состоящей из символов A, B или C (в произвольном порядке).</a:t>
+            </a:r>
           </a:p>
         </p:txBody>
       </p:sp>
     </p:spTree>
     <p:extLst>
       <p:ext uri="{BB962C8B-B14F-4D97-AF65-F5344CB8AC3E}">
-        <p14:creationId xmlns:p14="http://schemas.microsoft.com/office/powerpoint/2010/main" val="2910093099"/>
+        <p14:creationId xmlns:p14="http://schemas.microsoft.com/office/powerpoint/2010/main" val="761697109"/>
       </p:ext>
     </p:extLst>
   </p:cSld>
   <p:clrMapOvr>
     <a:masterClrMapping/>
   </p:clrMapOvr>
-  <p:timing>
-    <p:tnLst>
-      <p:par>
-        <p:cTn id="1" dur="indefinite" restart="never" nodeType="tmRoot"/>
-      </p:par>
-    </p:tnLst>
-  </p:timing>
 </p:sld>
 </file>
 
@@ -9578,10 +5259,9 @@
           <a:lstStyle/>
           <a:p>
             <a:r>
-              <a:rPr lang="ru-RU" dirty="0" smtClean="0"/>
-              <a:t>Задача 1</a:t>
-            </a:r>
-            <a:endParaRPr lang="ru-RU" dirty="0"/>
+              <a:rPr lang="ru-RU" dirty="0"/>
+              <a:t>Задача 3</a:t>
+            </a:r>
           </a:p>
         </p:txBody>
       </p:sp>
@@ -9593,8 +5273,8 @@
         </p:nvSpPr>
         <p:spPr>
           <a:xfrm>
-            <a:off x="271956" y="1921423"/>
-            <a:ext cx="8572007" cy="1569660"/>
+            <a:off x="236482" y="1791357"/>
+            <a:ext cx="8087711" cy="1569660"/>
           </a:xfrm>
           <a:prstGeom prst="rect">
             <a:avLst/>
@@ -9607,18 +5287,25 @@
           </a:bodyPr>
           <a:lstStyle/>
           <a:p>
-            <a:pPr lvl="0"/>
             <a:r>
               <a:rPr lang="ru-RU" sz="2400" dirty="0"/>
-              <a:t>В текстовом файле</a:t>
+              <a:t>В текстовом файле </a:t>
             </a:r>
             <a:r>
               <a:rPr lang="ru-RU" sz="2400" b="1" dirty="0"/>
-              <a:t> k7-45.txt </a:t>
+              <a:t>k7a-6.txt</a:t>
             </a:r>
             <a:r>
               <a:rPr lang="ru-RU" sz="2400" dirty="0"/>
-              <a:t>находится цепочка из символов латинского алфавита A, </a:t>
+              <a:t> находится цепочка из символов латинского алфавита </a:t>
+            </a:r>
+            <a:r>
+              <a:rPr lang="en-US" sz="2400" dirty="0"/>
+              <a:t>A</a:t>
+            </a:r>
+            <a:r>
+              <a:rPr lang="ru-RU" sz="2400" dirty="0"/>
+              <a:t>, </a:t>
             </a:r>
             <a:r>
               <a:rPr lang="en-US" sz="2400" dirty="0"/>
@@ -9634,18 +5321,39 @@
             </a:r>
             <a:r>
               <a:rPr lang="ru-RU" sz="2400" dirty="0"/>
-              <a:t>. Найдите длину самой длинной подцепочки, состоящей из символов C.</a:t>
-            </a:r>
-          </a:p>
-          <a:p>
-            <a:endParaRPr lang="ru-RU" sz="2400" dirty="0"/>
+              <a:t>, </a:t>
+            </a:r>
+            <a:r>
+              <a:rPr lang="en-US" sz="2400" dirty="0"/>
+              <a:t>D</a:t>
+            </a:r>
+            <a:r>
+              <a:rPr lang="ru-RU" sz="2400" dirty="0"/>
+              <a:t>, </a:t>
+            </a:r>
+            <a:r>
+              <a:rPr lang="en-US" sz="2400" dirty="0"/>
+              <a:t>E</a:t>
+            </a:r>
+            <a:r>
+              <a:rPr lang="ru-RU" sz="2400" dirty="0"/>
+              <a:t>, </a:t>
+            </a:r>
+            <a:r>
+              <a:rPr lang="en-US" sz="2400" dirty="0"/>
+              <a:t>F</a:t>
+            </a:r>
+            <a:r>
+              <a:rPr lang="ru-RU" sz="2400" dirty="0"/>
+              <a:t>. Найдите длину самой длинной подцепочки, не содержащей гласных букв.</a:t>
+            </a:r>
           </a:p>
         </p:txBody>
       </p:sp>
     </p:spTree>
     <p:extLst>
       <p:ext uri="{BB962C8B-B14F-4D97-AF65-F5344CB8AC3E}">
-        <p14:creationId xmlns:p14="http://schemas.microsoft.com/office/powerpoint/2010/main" val="1969928726"/>
+        <p14:creationId xmlns:p14="http://schemas.microsoft.com/office/powerpoint/2010/main" val="1750570922"/>
       </p:ext>
     </p:extLst>
   </p:cSld>
@@ -9691,13 +5399,8 @@
           <a:p>
             <a:r>
               <a:rPr lang="ru-RU" dirty="0"/>
-              <a:t>Задача </a:t>
-            </a:r>
-            <a:r>
-              <a:rPr lang="ru-RU" dirty="0" smtClean="0"/>
-              <a:t>2</a:t>
-            </a:r>
-            <a:endParaRPr lang="ru-RU" dirty="0"/>
+              <a:t>Задача 4</a:t>
+            </a:r>
           </a:p>
         </p:txBody>
       </p:sp>
@@ -9709,8 +5412,8 @@
         </p:nvSpPr>
         <p:spPr>
           <a:xfrm>
-            <a:off x="331076" y="1885950"/>
-            <a:ext cx="8684337" cy="1569660"/>
+            <a:off x="402021" y="1744061"/>
+            <a:ext cx="7248197" cy="3416320"/>
           </a:xfrm>
           <a:prstGeom prst="rect">
             <a:avLst/>
@@ -9723,17 +5426,150 @@
           </a:bodyPr>
           <a:lstStyle/>
           <a:p>
+            <a:pPr lvl="0"/>
             <a:r>
               <a:rPr lang="ru-RU" sz="2400" dirty="0"/>
               <a:t>В текстовом файле </a:t>
             </a:r>
             <a:r>
               <a:rPr lang="ru-RU" sz="2400" b="1" dirty="0"/>
-              <a:t>k7a-1.txt</a:t>
+              <a:t>k7c-1.txt</a:t>
             </a:r>
             <a:r>
               <a:rPr lang="ru-RU" sz="2400" dirty="0"/>
-              <a:t> находится цепочка из символов латинского алфавита A, B, C, D, E. Найдите длину самой длинной подцепочки, состоящей из символов A, B или C (в произвольном порядке).</a:t>
+              <a:t> находится цепочка из символов латинского алфавита </a:t>
+            </a:r>
+            <a:r>
+              <a:rPr lang="en-US" sz="2400" dirty="0"/>
+              <a:t>A</a:t>
+            </a:r>
+            <a:r>
+              <a:rPr lang="ru-RU" sz="2400" dirty="0"/>
+              <a:t>, </a:t>
+            </a:r>
+            <a:r>
+              <a:rPr lang="en-US" sz="2400" dirty="0"/>
+              <a:t>B</a:t>
+            </a:r>
+            <a:r>
+              <a:rPr lang="ru-RU" sz="2400" dirty="0"/>
+              <a:t>, </a:t>
+            </a:r>
+            <a:r>
+              <a:rPr lang="en-US" sz="2400" dirty="0"/>
+              <a:t>C</a:t>
+            </a:r>
+            <a:r>
+              <a:rPr lang="ru-RU" sz="2400" dirty="0"/>
+              <a:t>, </a:t>
+            </a:r>
+            <a:r>
+              <a:rPr lang="en-US" sz="2400" dirty="0"/>
+              <a:t>D</a:t>
+            </a:r>
+            <a:r>
+              <a:rPr lang="ru-RU" sz="2400" dirty="0"/>
+              <a:t>, </a:t>
+            </a:r>
+            <a:r>
+              <a:rPr lang="en-US" sz="2400" dirty="0"/>
+              <a:t>E</a:t>
+            </a:r>
+            <a:r>
+              <a:rPr lang="ru-RU" sz="2400" dirty="0"/>
+              <a:t>. Найдите количество цепочек длины 3, удовлетворяющих следующим условиям: </a:t>
+            </a:r>
+          </a:p>
+          <a:p>
+            <a:pPr lvl="0"/>
+            <a:r>
+              <a:rPr lang="ru-RU" sz="2400" dirty="0"/>
+              <a:t>1-й символ – один из символов </a:t>
+            </a:r>
+            <a:r>
+              <a:rPr lang="en-US" sz="2400" dirty="0"/>
+              <a:t>B</a:t>
+            </a:r>
+            <a:r>
+              <a:rPr lang="ru-RU" sz="2400" dirty="0"/>
+              <a:t>, </a:t>
+            </a:r>
+            <a:r>
+              <a:rPr lang="en-US" sz="2400" dirty="0"/>
+              <a:t>C</a:t>
+            </a:r>
+            <a:r>
+              <a:rPr lang="ru-RU" sz="2400" dirty="0"/>
+              <a:t> или </a:t>
+            </a:r>
+            <a:r>
+              <a:rPr lang="en-US" sz="2400" dirty="0"/>
+              <a:t>D</a:t>
+            </a:r>
+            <a:r>
+              <a:rPr lang="ru-RU" sz="2400" dirty="0"/>
+              <a:t>;</a:t>
+            </a:r>
+          </a:p>
+          <a:p>
+            <a:pPr lvl="0"/>
+            <a:r>
+              <a:rPr lang="ru-RU" sz="2400" dirty="0"/>
+              <a:t>2-й символ – один из символов </a:t>
+            </a:r>
+            <a:r>
+              <a:rPr lang="en-US" sz="2400" dirty="0"/>
+              <a:t>B</a:t>
+            </a:r>
+            <a:r>
+              <a:rPr lang="ru-RU" sz="2400" dirty="0"/>
+              <a:t>, </a:t>
+            </a:r>
+            <a:r>
+              <a:rPr lang="en-US" sz="2400" dirty="0"/>
+              <a:t>D</a:t>
+            </a:r>
+            <a:r>
+              <a:rPr lang="ru-RU" sz="2400" dirty="0"/>
+              <a:t>, </a:t>
+            </a:r>
+            <a:r>
+              <a:rPr lang="en-US" sz="2400" dirty="0"/>
+              <a:t>E</a:t>
+            </a:r>
+            <a:r>
+              <a:rPr lang="ru-RU" sz="2400" dirty="0"/>
+              <a:t>, который не совпадает с первым; </a:t>
+            </a:r>
+          </a:p>
+          <a:p>
+            <a:r>
+              <a:rPr lang="ru-RU" sz="2400" dirty="0"/>
+              <a:t>3-й символ – один из символов </a:t>
+            </a:r>
+            <a:r>
+              <a:rPr lang="en-US" sz="2400" dirty="0"/>
+              <a:t>B</a:t>
+            </a:r>
+            <a:r>
+              <a:rPr lang="ru-RU" sz="2400" dirty="0"/>
+              <a:t>, </a:t>
+            </a:r>
+            <a:r>
+              <a:rPr lang="en-US" sz="2400" dirty="0"/>
+              <a:t>C</a:t>
+            </a:r>
+            <a:r>
+              <a:rPr lang="ru-RU" sz="2400" dirty="0"/>
+              <a:t>, </a:t>
+            </a:r>
+            <a:r>
+              <a:rPr lang="en-US" sz="2400" dirty="0"/>
+              <a:t>E</a:t>
+            </a:r>
+            <a:r>
+              <a:rPr lang="ru-RU" sz="2400" dirty="0"/>
+              <a:t>, который не совпадает со вторым.</a:t>
             </a:r>
           </a:p>
         </p:txBody>
@@ -9741,7 +5577,7 @@
     </p:spTree>
     <p:extLst>
       <p:ext uri="{BB962C8B-B14F-4D97-AF65-F5344CB8AC3E}">
-        <p14:creationId xmlns:p14="http://schemas.microsoft.com/office/powerpoint/2010/main" val="761697109"/>
+        <p14:creationId xmlns:p14="http://schemas.microsoft.com/office/powerpoint/2010/main" val="1994524477"/>
       </p:ext>
     </p:extLst>
   </p:cSld>

--- a/grade10/quarter3/temp_pptx.pptx
+++ b/grade10/quarter3/temp_pptx.pptx
@@ -5,27 +5,26 @@
     <p:sldMasterId id="2147483648" r:id="rId1"/>
   </p:sldMasterIdLst>
   <p:notesMasterIdLst>
-    <p:notesMasterId r:id="rId15"/>
+    <p:notesMasterId r:id="rId14"/>
   </p:notesMasterIdLst>
   <p:sldIdLst>
     <p:sldId id="576" r:id="rId2"/>
     <p:sldId id="573" r:id="rId3"/>
     <p:sldId id="575" r:id="rId4"/>
-    <p:sldId id="579" r:id="rId5"/>
-    <p:sldId id="580" r:id="rId6"/>
-    <p:sldId id="581" r:id="rId7"/>
-    <p:sldId id="582" r:id="rId8"/>
-    <p:sldId id="583" r:id="rId9"/>
-    <p:sldId id="584" r:id="rId10"/>
-    <p:sldId id="585" r:id="rId11"/>
-    <p:sldId id="586" r:id="rId12"/>
-    <p:sldId id="587" r:id="rId13"/>
-    <p:sldId id="588" r:id="rId14"/>
+    <p:sldId id="580" r:id="rId5"/>
+    <p:sldId id="581" r:id="rId6"/>
+    <p:sldId id="582" r:id="rId7"/>
+    <p:sldId id="583" r:id="rId8"/>
+    <p:sldId id="584" r:id="rId9"/>
+    <p:sldId id="585" r:id="rId10"/>
+    <p:sldId id="586" r:id="rId11"/>
+    <p:sldId id="587" r:id="rId12"/>
+    <p:sldId id="588" r:id="rId13"/>
   </p:sldIdLst>
   <p:sldSz cx="9144000" cy="6858000" type="screen4x3"/>
   <p:notesSz cx="6858000" cy="9144000"/>
   <p:custDataLst>
-    <p:tags r:id="rId16"/>
+    <p:tags r:id="rId15"/>
   </p:custDataLst>
   <p:defaultTextStyle>
     <a:defPPr>
@@ -816,7 +815,7 @@
           <a:p>
             <a:fld id="{496FEC38-3E17-40A3-AF1F-C5E17705872E}" type="slidenum">
               <a:rPr lang="ru-RU" smtClean="0"/>
-              <a:t>6</a:t>
+              <a:t>5</a:t>
             </a:fld>
             <a:endParaRPr lang="ru-RU"/>
           </a:p>
@@ -900,7 +899,7 @@
           <a:p>
             <a:fld id="{496FEC38-3E17-40A3-AF1F-C5E17705872E}" type="slidenum">
               <a:rPr lang="ru-RU" smtClean="0"/>
-              <a:t>7</a:t>
+              <a:t>6</a:t>
             </a:fld>
             <a:endParaRPr lang="ru-RU"/>
           </a:p>
@@ -984,7 +983,7 @@
           <a:p>
             <a:fld id="{496FEC38-3E17-40A3-AF1F-C5E17705872E}" type="slidenum">
               <a:rPr lang="ru-RU" smtClean="0"/>
-              <a:t>8</a:t>
+              <a:t>7</a:t>
             </a:fld>
             <a:endParaRPr lang="ru-RU"/>
           </a:p>
@@ -1068,7 +1067,7 @@
           <a:p>
             <a:fld id="{496FEC38-3E17-40A3-AF1F-C5E17705872E}" type="slidenum">
               <a:rPr lang="ru-RU" smtClean="0"/>
-              <a:t>9</a:t>
+              <a:t>8</a:t>
             </a:fld>
             <a:endParaRPr lang="ru-RU"/>
           </a:p>
@@ -1152,7 +1151,7 @@
           <a:p>
             <a:fld id="{496FEC38-3E17-40A3-AF1F-C5E17705872E}" type="slidenum">
               <a:rPr lang="ru-RU" smtClean="0"/>
-              <a:t>10</a:t>
+              <a:t>9</a:t>
             </a:fld>
             <a:endParaRPr lang="ru-RU"/>
           </a:p>
@@ -1236,7 +1235,7 @@
           <a:p>
             <a:fld id="{496FEC38-3E17-40A3-AF1F-C5E17705872E}" type="slidenum">
               <a:rPr lang="ru-RU" smtClean="0"/>
-              <a:t>11</a:t>
+              <a:t>10</a:t>
             </a:fld>
             <a:endParaRPr lang="ru-RU"/>
           </a:p>
@@ -1320,7 +1319,7 @@
           <a:p>
             <a:fld id="{496FEC38-3E17-40A3-AF1F-C5E17705872E}" type="slidenum">
               <a:rPr lang="ru-RU" smtClean="0"/>
-              <a:t>12</a:t>
+              <a:t>11</a:t>
             </a:fld>
             <a:endParaRPr lang="ru-RU"/>
           </a:p>
@@ -1404,7 +1403,7 @@
           <a:p>
             <a:fld id="{496FEC38-3E17-40A3-AF1F-C5E17705872E}" type="slidenum">
               <a:rPr lang="ru-RU" smtClean="0"/>
-              <a:t>13</a:t>
+              <a:t>12</a:t>
             </a:fld>
             <a:endParaRPr lang="ru-RU"/>
           </a:p>
@@ -3691,7 +3690,7 @@
           <a:p>
             <a:r>
               <a:rPr lang="ru-RU" dirty="0"/>
-              <a:t>Задача 5</a:t>
+              <a:t>Задача 6</a:t>
             </a:r>
           </a:p>
         </p:txBody>
@@ -3704,8 +3703,8 @@
         </p:nvSpPr>
         <p:spPr>
           <a:xfrm>
-            <a:off x="342901" y="1826829"/>
-            <a:ext cx="7319141" cy="1569660"/>
+            <a:off x="212834" y="1826829"/>
+            <a:ext cx="8584325" cy="2677656"/>
           </a:xfrm>
           <a:prstGeom prst="rect">
             <a:avLst/>
@@ -3720,15 +3719,15 @@
           <a:p>
             <a:r>
               <a:rPr lang="ru-RU" sz="2400" dirty="0"/>
-              <a:t>В текстовом файле </a:t>
+              <a:t>В текстовом файле  </a:t>
             </a:r>
             <a:r>
               <a:rPr lang="ru-RU" sz="2400" b="1" dirty="0"/>
-              <a:t>k7c-6.txt</a:t>
+              <a:t>k7-m1.txt</a:t>
             </a:r>
             <a:r>
               <a:rPr lang="ru-RU" sz="2400" dirty="0"/>
-              <a:t> находится цепочка из символов латинского алфавита A, B, C, D, E, F. Найдите количество цепочек длины 3, в которых символы не совпадают.</a:t>
+              <a:t> находится цепочка из прописных (заглавных) символов латинского алфавита A, B, C. Найдите длину самой короткой подцепочки, состоящей из символов C (C-подцепочки). В ответе через пробел укажите: длину найденной подцепочки (если C-подцепочек нет, то 0), количество C-подцепочек и длину исходной цепочки.</a:t>
             </a:r>
           </a:p>
         </p:txBody>
@@ -3736,7 +3735,7 @@
     </p:spTree>
     <p:extLst>
       <p:ext uri="{BB962C8B-B14F-4D97-AF65-F5344CB8AC3E}">
-        <p14:creationId xmlns:p14="http://schemas.microsoft.com/office/powerpoint/2010/main" val="2675479163"/>
+        <p14:creationId xmlns:p14="http://schemas.microsoft.com/office/powerpoint/2010/main" val="970689880"/>
       </p:ext>
     </p:extLst>
   </p:cSld>
@@ -3782,97 +3781,6 @@
           <a:p>
             <a:r>
               <a:rPr lang="ru-RU" dirty="0"/>
-              <a:t>Задача 6</a:t>
-            </a:r>
-          </a:p>
-        </p:txBody>
-      </p:sp>
-      <p:sp>
-        <p:nvSpPr>
-          <p:cNvPr id="3" name="TextBox 2"/>
-          <p:cNvSpPr txBox="1"/>
-          <p:nvPr/>
-        </p:nvSpPr>
-        <p:spPr>
-          <a:xfrm>
-            <a:off x="212834" y="1826829"/>
-            <a:ext cx="8584325" cy="2677656"/>
-          </a:xfrm>
-          <a:prstGeom prst="rect">
-            <a:avLst/>
-          </a:prstGeom>
-          <a:noFill/>
-        </p:spPr>
-        <p:txBody>
-          <a:bodyPr wrap="square" rtlCol="0">
-            <a:spAutoFit/>
-          </a:bodyPr>
-          <a:lstStyle/>
-          <a:p>
-            <a:r>
-              <a:rPr lang="ru-RU" sz="2400" dirty="0"/>
-              <a:t>В текстовом файле  </a:t>
-            </a:r>
-            <a:r>
-              <a:rPr lang="ru-RU" sz="2400" b="1" dirty="0"/>
-              <a:t>k7-m1.txt</a:t>
-            </a:r>
-            <a:r>
-              <a:rPr lang="ru-RU" sz="2400" dirty="0"/>
-              <a:t> находится цепочка из прописных (заглавных) символов латинского алфавита A, B, C. Найдите длину самой короткой подцепочки, состоящей из символов C (C-подцепочки). В ответе через пробел укажите: длину найденной подцепочки (если C-подцепочек нет, то 0), количество C-подцепочек и длину исходной цепочки.</a:t>
-            </a:r>
-          </a:p>
-        </p:txBody>
-      </p:sp>
-    </p:spTree>
-    <p:extLst>
-      <p:ext uri="{BB962C8B-B14F-4D97-AF65-F5344CB8AC3E}">
-        <p14:creationId xmlns:p14="http://schemas.microsoft.com/office/powerpoint/2010/main" val="970689880"/>
-      </p:ext>
-    </p:extLst>
-  </p:cSld>
-  <p:clrMapOvr>
-    <a:masterClrMapping/>
-  </p:clrMapOvr>
-</p:sld>
-</file>
-
-<file path=ppt/slides/slide12.xml><?xml version="1.0" encoding="utf-8"?>
-<p:sld xmlns:a="http://schemas.openxmlformats.org/drawingml/2006/main" xmlns:r="http://schemas.openxmlformats.org/officeDocument/2006/relationships" xmlns:p="http://schemas.openxmlformats.org/presentationml/2006/main">
-  <p:cSld>
-    <p:spTree>
-      <p:nvGrpSpPr>
-        <p:cNvPr id="1" name=""/>
-        <p:cNvGrpSpPr/>
-        <p:nvPr/>
-      </p:nvGrpSpPr>
-      <p:grpSpPr>
-        <a:xfrm>
-          <a:off x="0" y="0"/>
-          <a:ext cx="0" cy="0"/>
-          <a:chOff x="0" y="0"/>
-          <a:chExt cx="0" cy="0"/>
-        </a:xfrm>
-      </p:grpSpPr>
-      <p:sp>
-        <p:nvSpPr>
-          <p:cNvPr id="2" name="Заголовок 1"/>
-          <p:cNvSpPr>
-            <a:spLocks noGrp="1"/>
-          </p:cNvSpPr>
-          <p:nvPr>
-            <p:ph type="title"/>
-          </p:nvPr>
-        </p:nvSpPr>
-        <p:spPr/>
-        <p:txBody>
-          <a:bodyPr>
-            <a:normAutofit/>
-          </a:bodyPr>
-          <a:lstStyle/>
-          <a:p>
-            <a:r>
-              <a:rPr lang="ru-RU" dirty="0"/>
               <a:t>Задача 7</a:t>
             </a:r>
           </a:p>
@@ -3928,7 +3836,7 @@
 </p:sld>
 </file>
 
-<file path=ppt/slides/slide13.xml><?xml version="1.0" encoding="utf-8"?>
+<file path=ppt/slides/slide12.xml><?xml version="1.0" encoding="utf-8"?>
 <p:sld xmlns:a="http://schemas.openxmlformats.org/drawingml/2006/main" xmlns:r="http://schemas.openxmlformats.org/officeDocument/2006/relationships" xmlns:p="http://schemas.openxmlformats.org/presentationml/2006/main">
   <p:cSld>
     <p:spTree>
@@ -4382,563 +4290,52 @@
       </p:grpSpPr>
       <p:sp>
         <p:nvSpPr>
-          <p:cNvPr id="67586" name="Заголовок 1">
-            <a:extLst>
-              <a:ext uri="{FF2B5EF4-FFF2-40B4-BE49-F238E27FC236}">
-                <a16:creationId xmlns:a16="http://schemas.microsoft.com/office/drawing/2014/main" id="{389C7EE3-352E-4EC2-85BD-18BE9335DB4D}"/>
-              </a:ext>
-            </a:extLst>
-          </p:cNvPr>
+          <p:cNvPr id="3" name="Заголовок 2"/>
           <p:cNvSpPr>
             <a:spLocks noGrp="1"/>
           </p:cNvSpPr>
           <p:nvPr>
-            <p:ph type="title"/>
-          </p:nvPr>
-        </p:nvSpPr>
-        <p:spPr>
-          <a:xfrm>
-            <a:off x="311150" y="301625"/>
-            <a:ext cx="8375650" cy="471488"/>
-          </a:xfrm>
-        </p:spPr>
+            <p:ph type="ctrTitle"/>
+          </p:nvPr>
+        </p:nvSpPr>
+        <p:spPr/>
         <p:txBody>
           <a:bodyPr/>
           <a:lstStyle/>
           <a:p>
             <a:r>
-              <a:rPr lang="ru-RU" altLang="ru-RU" dirty="0"/>
-              <a:t>Задачи (17.01.22)</a:t>
-            </a:r>
-          </a:p>
-        </p:txBody>
-      </p:sp>
-      <p:sp>
-        <p:nvSpPr>
-          <p:cNvPr id="67587" name="Номер слайда 2">
-            <a:extLst>
-              <a:ext uri="{FF2B5EF4-FFF2-40B4-BE49-F238E27FC236}">
-                <a16:creationId xmlns:a16="http://schemas.microsoft.com/office/drawing/2014/main" id="{65F50044-84CA-4FF7-840E-A7F2EDF6497D}"/>
-              </a:ext>
-            </a:extLst>
-          </p:cNvPr>
+              <a:rPr lang="ru-RU" dirty="0"/>
+              <a:t>Обработка строк из файла</a:t>
+            </a:r>
+          </a:p>
+        </p:txBody>
+      </p:sp>
+      <p:sp>
+        <p:nvSpPr>
+          <p:cNvPr id="4" name="Подзаголовок 3"/>
           <p:cNvSpPr>
             <a:spLocks noGrp="1"/>
           </p:cNvSpPr>
           <p:nvPr>
-            <p:ph type="sldNum" sz="quarter" idx="12"/>
-          </p:nvPr>
-        </p:nvSpPr>
-        <p:spPr>
-          <a:noFill/>
-          <a:ln/>
-          <a:extLst>
-            <a:ext uri="{909E8E84-426E-40DD-AFC4-6F175D3DCCD1}">
-              <a14:hiddenFill xmlns:a14="http://schemas.microsoft.com/office/drawing/2010/main">
-                <a:solidFill>
-                  <a:srgbClr val="FFFFFF"/>
-                </a:solidFill>
-              </a14:hiddenFill>
-            </a:ext>
-            <a:ext uri="{91240B29-F687-4F45-9708-019B960494DF}">
-              <a14:hiddenLine xmlns:a14="http://schemas.microsoft.com/office/drawing/2010/main" w="9525">
-                <a:solidFill>
-                  <a:srgbClr val="000000"/>
-                </a:solidFill>
-                <a:miter lim="800000"/>
-                <a:headEnd/>
-                <a:tailEnd/>
-              </a14:hiddenLine>
-            </a:ext>
-          </a:extLst>
-        </p:spPr>
+            <p:ph type="subTitle" idx="1"/>
+          </p:nvPr>
+        </p:nvSpPr>
+        <p:spPr/>
         <p:txBody>
           <a:bodyPr/>
-          <a:lstStyle>
-            <a:lvl1pPr>
-              <a:spcBef>
-                <a:spcPct val="20000"/>
-              </a:spcBef>
-              <a:buChar char="•"/>
-              <a:defRPr sz="3200">
-                <a:solidFill>
-                  <a:schemeClr val="tx1"/>
-                </a:solidFill>
-                <a:latin typeface="Arial" panose="020B0604020202020204" pitchFamily="34" charset="0"/>
-              </a:defRPr>
-            </a:lvl1pPr>
-            <a:lvl2pPr marL="742950" indent="-285750">
-              <a:spcBef>
-                <a:spcPct val="20000"/>
-              </a:spcBef>
-              <a:buChar char="–"/>
-              <a:defRPr sz="2800">
-                <a:solidFill>
-                  <a:schemeClr val="tx1"/>
-                </a:solidFill>
-                <a:latin typeface="Arial" panose="020B0604020202020204" pitchFamily="34" charset="0"/>
-              </a:defRPr>
-            </a:lvl2pPr>
-            <a:lvl3pPr marL="1143000" indent="-228600">
-              <a:spcBef>
-                <a:spcPct val="20000"/>
-              </a:spcBef>
-              <a:buChar char="•"/>
-              <a:defRPr sz="2400">
-                <a:solidFill>
-                  <a:schemeClr val="tx1"/>
-                </a:solidFill>
-                <a:latin typeface="Arial" panose="020B0604020202020204" pitchFamily="34" charset="0"/>
-              </a:defRPr>
-            </a:lvl3pPr>
-            <a:lvl4pPr marL="1600200" indent="-228600">
-              <a:spcBef>
-                <a:spcPct val="20000"/>
-              </a:spcBef>
-              <a:buChar char="–"/>
-              <a:defRPr sz="2000">
-                <a:solidFill>
-                  <a:schemeClr val="tx1"/>
-                </a:solidFill>
-                <a:latin typeface="Arial" panose="020B0604020202020204" pitchFamily="34" charset="0"/>
-              </a:defRPr>
-            </a:lvl4pPr>
-            <a:lvl5pPr marL="2057400" indent="-228600">
-              <a:spcBef>
-                <a:spcPct val="20000"/>
-              </a:spcBef>
-              <a:buChar char="»"/>
-              <a:defRPr sz="2000">
-                <a:solidFill>
-                  <a:schemeClr val="tx1"/>
-                </a:solidFill>
-                <a:latin typeface="Arial" panose="020B0604020202020204" pitchFamily="34" charset="0"/>
-              </a:defRPr>
-            </a:lvl5pPr>
-            <a:lvl6pPr marL="2514600" indent="-228600" eaLnBrk="0" fontAlgn="base" hangingPunct="0">
-              <a:spcBef>
-                <a:spcPct val="20000"/>
-              </a:spcBef>
-              <a:spcAft>
-                <a:spcPct val="0"/>
-              </a:spcAft>
-              <a:buChar char="»"/>
-              <a:defRPr sz="2000">
-                <a:solidFill>
-                  <a:schemeClr val="tx1"/>
-                </a:solidFill>
-                <a:latin typeface="Arial" panose="020B0604020202020204" pitchFamily="34" charset="0"/>
-              </a:defRPr>
-            </a:lvl6pPr>
-            <a:lvl7pPr marL="2971800" indent="-228600" eaLnBrk="0" fontAlgn="base" hangingPunct="0">
-              <a:spcBef>
-                <a:spcPct val="20000"/>
-              </a:spcBef>
-              <a:spcAft>
-                <a:spcPct val="0"/>
-              </a:spcAft>
-              <a:buChar char="»"/>
-              <a:defRPr sz="2000">
-                <a:solidFill>
-                  <a:schemeClr val="tx1"/>
-                </a:solidFill>
-                <a:latin typeface="Arial" panose="020B0604020202020204" pitchFamily="34" charset="0"/>
-              </a:defRPr>
-            </a:lvl7pPr>
-            <a:lvl8pPr marL="3429000" indent="-228600" eaLnBrk="0" fontAlgn="base" hangingPunct="0">
-              <a:spcBef>
-                <a:spcPct val="20000"/>
-              </a:spcBef>
-              <a:spcAft>
-                <a:spcPct val="0"/>
-              </a:spcAft>
-              <a:buChar char="»"/>
-              <a:defRPr sz="2000">
-                <a:solidFill>
-                  <a:schemeClr val="tx1"/>
-                </a:solidFill>
-                <a:latin typeface="Arial" panose="020B0604020202020204" pitchFamily="34" charset="0"/>
-              </a:defRPr>
-            </a:lvl8pPr>
-            <a:lvl9pPr marL="3886200" indent="-228600" eaLnBrk="0" fontAlgn="base" hangingPunct="0">
-              <a:spcBef>
-                <a:spcPct val="20000"/>
-              </a:spcBef>
-              <a:spcAft>
-                <a:spcPct val="0"/>
-              </a:spcAft>
-              <a:buChar char="»"/>
-              <a:defRPr sz="2000">
-                <a:solidFill>
-                  <a:schemeClr val="tx1"/>
-                </a:solidFill>
-                <a:latin typeface="Arial" panose="020B0604020202020204" pitchFamily="34" charset="0"/>
-              </a:defRPr>
-            </a:lvl9pPr>
-          </a:lstStyle>
-          <a:p>
-            <a:pPr>
-              <a:spcBef>
-                <a:spcPct val="0"/>
-              </a:spcBef>
-              <a:buFontTx/>
-              <a:buNone/>
-            </a:pPr>
-            <a:fld id="{2C62DB52-BFC8-432A-9BC9-240E3B058490}" type="slidenum">
-              <a:rPr lang="ru-RU" altLang="ru-RU" sz="1400"/>
-              <a:pPr>
-                <a:spcBef>
-                  <a:spcPct val="0"/>
-                </a:spcBef>
-                <a:buFontTx/>
-                <a:buNone/>
-              </a:pPr>
-              <a:t>4</a:t>
-            </a:fld>
-            <a:endParaRPr lang="ru-RU" altLang="ru-RU" sz="1400"/>
-          </a:p>
-        </p:txBody>
-      </p:sp>
-      <p:sp>
-        <p:nvSpPr>
-          <p:cNvPr id="4" name="Text Box 5">
-            <a:extLst>
-              <a:ext uri="{FF2B5EF4-FFF2-40B4-BE49-F238E27FC236}">
-                <a16:creationId xmlns:a16="http://schemas.microsoft.com/office/drawing/2014/main" id="{070D0D85-4B8B-4C3A-B302-250A0F60812F}"/>
-              </a:ext>
-            </a:extLst>
-          </p:cNvPr>
-          <p:cNvSpPr txBox="1">
-            <a:spLocks noChangeArrowheads="1"/>
-          </p:cNvSpPr>
-          <p:nvPr/>
-        </p:nvSpPr>
-        <p:spPr bwMode="auto">
-          <a:xfrm>
-            <a:off x="369888" y="809625"/>
-            <a:ext cx="8420100" cy="5878513"/>
-          </a:xfrm>
-          <a:prstGeom prst="rect">
-            <a:avLst/>
-          </a:prstGeom>
-          <a:noFill/>
-          <a:ln w="9525">
-            <a:noFill/>
-            <a:miter lim="800000"/>
-            <a:headEnd/>
-            <a:tailEnd/>
-          </a:ln>
-        </p:spPr>
-        <p:txBody>
-          <a:bodyPr>
-            <a:spAutoFit/>
-          </a:bodyPr>
           <a:lstStyle/>
           <a:p>
-            <a:pPr marL="630238" indent="-630238" eaLnBrk="1" hangingPunct="1">
-              <a:defRPr/>
-            </a:pPr>
-            <a:r>
-              <a:rPr lang="ru-RU" sz="2200" b="1" dirty="0">
-                <a:solidFill>
-                  <a:srgbClr val="3333FF"/>
-                </a:solidFill>
-              </a:rPr>
-              <a:t>«3»: </a:t>
-            </a:r>
-            <a:r>
-              <a:rPr lang="ru-RU" sz="2200" dirty="0"/>
-              <a:t>Заполнить массив случайными числами и ввести число и отсортировать его.  Ввести число X. Используя двоичный поиск, определить, есть ли в массиве число, равное X. Если такого числа нет, вывести число, ближайшее к X. </a:t>
-            </a:r>
-            <a:endParaRPr lang="en-US" sz="2200" dirty="0"/>
-          </a:p>
-          <a:p>
-            <a:pPr marL="714375" indent="-357188" eaLnBrk="1" hangingPunct="1">
-              <a:lnSpc>
-                <a:spcPct val="90000"/>
-              </a:lnSpc>
-              <a:defRPr/>
-            </a:pPr>
-            <a:r>
-              <a:rPr lang="ru-RU" sz="2000" b="1" dirty="0">
-                <a:solidFill>
-                  <a:srgbClr val="333399"/>
-                </a:solidFill>
-              </a:rPr>
-              <a:t>Пример</a:t>
-            </a:r>
-            <a:r>
-              <a:rPr lang="ru-RU" sz="2000" b="1" dirty="0"/>
-              <a:t>:</a:t>
-            </a:r>
-          </a:p>
-          <a:p>
-            <a:pPr marL="714375" eaLnBrk="1" hangingPunct="1">
-              <a:lnSpc>
-                <a:spcPct val="90000"/>
-              </a:lnSpc>
-              <a:defRPr/>
-            </a:pPr>
-            <a:r>
-              <a:rPr lang="ru-RU" sz="2000" b="1" dirty="0">
-                <a:latin typeface="Courier New" pitchFamily="49" charset="0"/>
-                <a:cs typeface="Courier New" pitchFamily="49" charset="0"/>
-              </a:rPr>
-              <a:t>Массив:</a:t>
-            </a:r>
-          </a:p>
-          <a:p>
-            <a:pPr marL="714375" eaLnBrk="1" hangingPunct="1">
-              <a:lnSpc>
-                <a:spcPct val="90000"/>
-              </a:lnSpc>
-              <a:defRPr/>
-            </a:pPr>
-            <a:r>
-              <a:rPr lang="ru-RU" sz="2000" b="1" dirty="0">
-                <a:latin typeface="Courier New" pitchFamily="49" charset="0"/>
-                <a:cs typeface="Courier New" pitchFamily="49" charset="0"/>
-              </a:rPr>
-              <a:t>1 4 7 3 9 2 4 5 2</a:t>
-            </a:r>
-          </a:p>
-          <a:p>
-            <a:pPr marL="714375" eaLnBrk="1" hangingPunct="1">
-              <a:lnSpc>
-                <a:spcPct val="90000"/>
-              </a:lnSpc>
-              <a:defRPr/>
-            </a:pPr>
-            <a:r>
-              <a:rPr lang="ru-RU" sz="2000" b="1" dirty="0">
-                <a:latin typeface="Courier New" pitchFamily="49" charset="0"/>
-                <a:cs typeface="Courier New" pitchFamily="49" charset="0"/>
-              </a:rPr>
-              <a:t>После сортировки:</a:t>
-            </a:r>
-          </a:p>
-          <a:p>
-            <a:pPr marL="714375" eaLnBrk="1" hangingPunct="1">
-              <a:lnSpc>
-                <a:spcPct val="90000"/>
-              </a:lnSpc>
-              <a:defRPr/>
-            </a:pPr>
-            <a:r>
-              <a:rPr lang="ru-RU" sz="2000" b="1" dirty="0">
-                <a:latin typeface="Courier New" pitchFamily="49" charset="0"/>
-                <a:cs typeface="Courier New" pitchFamily="49" charset="0"/>
-              </a:rPr>
-              <a:t>1 2 2 3 4 4 5 12 19</a:t>
-            </a:r>
-          </a:p>
-          <a:p>
-            <a:pPr marL="714375" eaLnBrk="1" hangingPunct="1">
-              <a:lnSpc>
-                <a:spcPct val="90000"/>
-              </a:lnSpc>
-              <a:defRPr/>
-            </a:pPr>
-            <a:r>
-              <a:rPr lang="ru-RU" sz="2000" b="1" dirty="0">
-                <a:latin typeface="Courier New" pitchFamily="49" charset="0"/>
-                <a:cs typeface="Courier New" pitchFamily="49" charset="0"/>
-              </a:rPr>
-              <a:t>Введите число X:</a:t>
-            </a:r>
-          </a:p>
-          <a:p>
-            <a:pPr marL="714375" eaLnBrk="1" hangingPunct="1">
-              <a:lnSpc>
-                <a:spcPct val="90000"/>
-              </a:lnSpc>
-              <a:defRPr/>
-            </a:pPr>
-            <a:r>
-              <a:rPr lang="ru-RU" sz="2000" b="1" dirty="0">
-                <a:solidFill>
-                  <a:srgbClr val="FF0000"/>
-                </a:solidFill>
-                <a:latin typeface="Courier New" pitchFamily="49" charset="0"/>
-                <a:cs typeface="Courier New" pitchFamily="49" charset="0"/>
-              </a:rPr>
-              <a:t>12</a:t>
-            </a:r>
-          </a:p>
-          <a:p>
-            <a:pPr marL="714375" eaLnBrk="1" hangingPunct="1">
-              <a:lnSpc>
-                <a:spcPct val="90000"/>
-              </a:lnSpc>
-              <a:defRPr/>
-            </a:pPr>
-            <a:r>
-              <a:rPr lang="ru-RU" sz="2000" b="1" dirty="0">
-                <a:latin typeface="Courier New" pitchFamily="49" charset="0"/>
-                <a:cs typeface="Courier New" pitchFamily="49" charset="0"/>
-              </a:rPr>
-              <a:t>Число 12 найдено. </a:t>
-            </a:r>
-            <a:endParaRPr lang="en-US" sz="2000" b="1" dirty="0">
-              <a:latin typeface="Courier New" pitchFamily="49" charset="0"/>
-              <a:cs typeface="Courier New" pitchFamily="49" charset="0"/>
-            </a:endParaRPr>
-          </a:p>
-          <a:p>
-            <a:pPr marL="360363" eaLnBrk="1" hangingPunct="1">
-              <a:lnSpc>
-                <a:spcPct val="90000"/>
-              </a:lnSpc>
-              <a:defRPr/>
-            </a:pPr>
-            <a:r>
-              <a:rPr lang="ru-RU" sz="2000" b="1" dirty="0">
-                <a:solidFill>
-                  <a:srgbClr val="333399"/>
-                </a:solidFill>
-              </a:rPr>
-              <a:t>Пример</a:t>
-            </a:r>
-            <a:r>
-              <a:rPr lang="ru-RU" sz="2000" b="1" dirty="0"/>
-              <a:t>:</a:t>
-            </a:r>
-          </a:p>
-          <a:p>
-            <a:pPr marL="714375" eaLnBrk="1" hangingPunct="1">
-              <a:lnSpc>
-                <a:spcPct val="90000"/>
-              </a:lnSpc>
-              <a:defRPr/>
-            </a:pPr>
-            <a:r>
-              <a:rPr lang="ru-RU" sz="2000" b="1" dirty="0">
-                <a:latin typeface="Courier New" pitchFamily="49" charset="0"/>
-                <a:cs typeface="Courier New" pitchFamily="49" charset="0"/>
-              </a:rPr>
-              <a:t>Массив:</a:t>
-            </a:r>
-          </a:p>
-          <a:p>
-            <a:pPr marL="714375" eaLnBrk="1" hangingPunct="1">
-              <a:lnSpc>
-                <a:spcPct val="90000"/>
-              </a:lnSpc>
-              <a:defRPr/>
-            </a:pPr>
-            <a:r>
-              <a:rPr lang="ru-RU" sz="2000" b="1" dirty="0">
-                <a:latin typeface="Courier New" pitchFamily="49" charset="0"/>
-                <a:cs typeface="Courier New" pitchFamily="49" charset="0"/>
-              </a:rPr>
-              <a:t>1 4 7 3 9 2 4 5 2</a:t>
-            </a:r>
-          </a:p>
-          <a:p>
-            <a:pPr marL="714375" eaLnBrk="1" hangingPunct="1">
-              <a:lnSpc>
-                <a:spcPct val="90000"/>
-              </a:lnSpc>
-              <a:defRPr/>
-            </a:pPr>
-            <a:r>
-              <a:rPr lang="ru-RU" sz="2000" b="1" dirty="0">
-                <a:latin typeface="Courier New" pitchFamily="49" charset="0"/>
-                <a:cs typeface="Courier New" pitchFamily="49" charset="0"/>
-              </a:rPr>
-              <a:t>После сортировки:</a:t>
-            </a:r>
-          </a:p>
-          <a:p>
-            <a:pPr marL="714375" eaLnBrk="1" hangingPunct="1">
-              <a:lnSpc>
-                <a:spcPct val="90000"/>
-              </a:lnSpc>
-              <a:defRPr/>
-            </a:pPr>
-            <a:r>
-              <a:rPr lang="ru-RU" sz="2000" b="1" dirty="0">
-                <a:latin typeface="Courier New" pitchFamily="49" charset="0"/>
-                <a:cs typeface="Courier New" pitchFamily="49" charset="0"/>
-              </a:rPr>
-              <a:t>1 2 2 3 4 4 5 12 19</a:t>
-            </a:r>
-          </a:p>
-          <a:p>
-            <a:pPr marL="714375" eaLnBrk="1" hangingPunct="1">
-              <a:lnSpc>
-                <a:spcPct val="90000"/>
-              </a:lnSpc>
-              <a:defRPr/>
-            </a:pPr>
-            <a:r>
-              <a:rPr lang="ru-RU" sz="2000" b="1" dirty="0">
-                <a:latin typeface="Courier New" pitchFamily="49" charset="0"/>
-                <a:cs typeface="Courier New" pitchFamily="49" charset="0"/>
-              </a:rPr>
-              <a:t>Введите число X:</a:t>
-            </a:r>
-          </a:p>
-          <a:p>
-            <a:pPr marL="714375" eaLnBrk="1" hangingPunct="1">
-              <a:lnSpc>
-                <a:spcPct val="90000"/>
-              </a:lnSpc>
-              <a:defRPr/>
-            </a:pPr>
-            <a:r>
-              <a:rPr lang="ru-RU" sz="2000" b="1" dirty="0">
-                <a:solidFill>
-                  <a:srgbClr val="FF0000"/>
-                </a:solidFill>
-                <a:latin typeface="Courier New" pitchFamily="49" charset="0"/>
-                <a:cs typeface="Courier New" pitchFamily="49" charset="0"/>
-              </a:rPr>
-              <a:t>11</a:t>
-            </a:r>
-          </a:p>
-          <a:p>
-            <a:pPr marL="714375" eaLnBrk="1" hangingPunct="1">
-              <a:lnSpc>
-                <a:spcPct val="90000"/>
-              </a:lnSpc>
-              <a:defRPr/>
-            </a:pPr>
-            <a:r>
-              <a:rPr lang="ru-RU" sz="2000" b="1" dirty="0">
-                <a:latin typeface="Courier New" pitchFamily="49" charset="0"/>
-                <a:cs typeface="Courier New" pitchFamily="49" charset="0"/>
-              </a:rPr>
-              <a:t>Число 11 не найдено.</a:t>
-            </a:r>
-            <a:r>
-              <a:rPr lang="en-US" sz="2000" b="1" dirty="0">
-                <a:latin typeface="Courier New" pitchFamily="49" charset="0"/>
-                <a:cs typeface="Courier New" pitchFamily="49" charset="0"/>
-              </a:rPr>
-              <a:t> </a:t>
-            </a:r>
-            <a:r>
-              <a:rPr lang="ru-RU" sz="2000" b="1" dirty="0">
-                <a:latin typeface="Courier New" pitchFamily="49" charset="0"/>
-                <a:cs typeface="Courier New" pitchFamily="49" charset="0"/>
-              </a:rPr>
-              <a:t>Ближайшее число 12.</a:t>
-            </a:r>
-            <a:endParaRPr lang="ru-RU" sz="2000" b="1" dirty="0">
-              <a:solidFill>
-                <a:srgbClr val="FF0000"/>
-              </a:solidFill>
-              <a:latin typeface="Courier New" pitchFamily="49" charset="0"/>
-              <a:cs typeface="Courier New" pitchFamily="49" charset="0"/>
-            </a:endParaRPr>
+            <a:r>
+              <a:rPr lang="ru-RU" dirty="0"/>
+              <a:t>21.01.22</a:t>
+            </a:r>
           </a:p>
         </p:txBody>
       </p:sp>
     </p:spTree>
     <p:extLst>
       <p:ext uri="{BB962C8B-B14F-4D97-AF65-F5344CB8AC3E}">
-        <p14:creationId xmlns:p14="http://schemas.microsoft.com/office/powerpoint/2010/main" val="1442645149"/>
+        <p14:creationId xmlns:p14="http://schemas.microsoft.com/office/powerpoint/2010/main" val="2910093099"/>
       </p:ext>
     </p:extLst>
   </p:cSld>
@@ -4967,52 +4364,89 @@
       </p:grpSpPr>
       <p:sp>
         <p:nvSpPr>
-          <p:cNvPr id="3" name="Заголовок 2"/>
+          <p:cNvPr id="2" name="Заголовок 1"/>
           <p:cNvSpPr>
             <a:spLocks noGrp="1"/>
           </p:cNvSpPr>
           <p:nvPr>
-            <p:ph type="ctrTitle"/>
+            <p:ph type="title"/>
           </p:nvPr>
         </p:nvSpPr>
         <p:spPr/>
         <p:txBody>
-          <a:bodyPr/>
+          <a:bodyPr>
+            <a:normAutofit/>
+          </a:bodyPr>
           <a:lstStyle/>
           <a:p>
             <a:r>
               <a:rPr lang="ru-RU" dirty="0"/>
-              <a:t>Обработка строк из файла</a:t>
-            </a:r>
-          </a:p>
-        </p:txBody>
-      </p:sp>
-      <p:sp>
-        <p:nvSpPr>
-          <p:cNvPr id="4" name="Подзаголовок 3"/>
-          <p:cNvSpPr>
-            <a:spLocks noGrp="1"/>
-          </p:cNvSpPr>
-          <p:nvPr>
-            <p:ph type="subTitle" idx="1"/>
-          </p:nvPr>
-        </p:nvSpPr>
-        <p:spPr/>
-        <p:txBody>
-          <a:bodyPr/>
+              <a:t>Задача 1</a:t>
+            </a:r>
+          </a:p>
+        </p:txBody>
+      </p:sp>
+      <p:sp>
+        <p:nvSpPr>
+          <p:cNvPr id="3" name="TextBox 2"/>
+          <p:cNvSpPr txBox="1"/>
+          <p:nvPr/>
+        </p:nvSpPr>
+        <p:spPr>
+          <a:xfrm>
+            <a:off x="271956" y="1921423"/>
+            <a:ext cx="8572007" cy="1569660"/>
+          </a:xfrm>
+          <a:prstGeom prst="rect">
+            <a:avLst/>
+          </a:prstGeom>
+          <a:noFill/>
+        </p:spPr>
+        <p:txBody>
+          <a:bodyPr wrap="square" rtlCol="0">
+            <a:spAutoFit/>
+          </a:bodyPr>
           <a:lstStyle/>
           <a:p>
-            <a:r>
-              <a:rPr lang="ru-RU" dirty="0"/>
-              <a:t>21.01.22</a:t>
-            </a:r>
+            <a:pPr lvl="0"/>
+            <a:r>
+              <a:rPr lang="ru-RU" sz="2400" dirty="0"/>
+              <a:t>В текстовом файле</a:t>
+            </a:r>
+            <a:r>
+              <a:rPr lang="ru-RU" sz="2400" b="1" dirty="0"/>
+              <a:t> k7-45.txt </a:t>
+            </a:r>
+            <a:r>
+              <a:rPr lang="ru-RU" sz="2400" dirty="0"/>
+              <a:t>находится цепочка из символов латинского алфавита A, </a:t>
+            </a:r>
+            <a:r>
+              <a:rPr lang="en-US" sz="2400" dirty="0"/>
+              <a:t>B</a:t>
+            </a:r>
+            <a:r>
+              <a:rPr lang="ru-RU" sz="2400" dirty="0"/>
+              <a:t>, </a:t>
+            </a:r>
+            <a:r>
+              <a:rPr lang="en-US" sz="2400" dirty="0"/>
+              <a:t>C</a:t>
+            </a:r>
+            <a:r>
+              <a:rPr lang="ru-RU" sz="2400" dirty="0"/>
+              <a:t>. Найдите длину самой длинной подцепочки, состоящей из символов C.</a:t>
+            </a:r>
+          </a:p>
+          <a:p>
+            <a:endParaRPr lang="ru-RU" sz="2400" dirty="0"/>
           </a:p>
         </p:txBody>
       </p:sp>
     </p:spTree>
     <p:extLst>
       <p:ext uri="{BB962C8B-B14F-4D97-AF65-F5344CB8AC3E}">
-        <p14:creationId xmlns:p14="http://schemas.microsoft.com/office/powerpoint/2010/main" val="2910093099"/>
+        <p14:creationId xmlns:p14="http://schemas.microsoft.com/office/powerpoint/2010/main" val="1969928726"/>
       </p:ext>
     </p:extLst>
   </p:cSld>
@@ -5058,7 +4492,7 @@
           <a:p>
             <a:r>
               <a:rPr lang="ru-RU" dirty="0"/>
-              <a:t>Задача 1</a:t>
+              <a:t>Задача 2</a:t>
             </a:r>
           </a:p>
         </p:txBody>
@@ -5071,8 +4505,8 @@
         </p:nvSpPr>
         <p:spPr>
           <a:xfrm>
-            <a:off x="271956" y="1921423"/>
-            <a:ext cx="8572007" cy="1569660"/>
+            <a:off x="331076" y="1885950"/>
+            <a:ext cx="8684337" cy="1569660"/>
           </a:xfrm>
           <a:prstGeom prst="rect">
             <a:avLst/>
@@ -5085,45 +4519,25 @@
           </a:bodyPr>
           <a:lstStyle/>
           <a:p>
-            <a:pPr lvl="0"/>
             <a:r>
               <a:rPr lang="ru-RU" sz="2400" dirty="0"/>
-              <a:t>В текстовом файле</a:t>
+              <a:t>В текстовом файле </a:t>
             </a:r>
             <a:r>
               <a:rPr lang="ru-RU" sz="2400" b="1" dirty="0"/>
-              <a:t> k7-45.txt </a:t>
+              <a:t>k7a-1.txt</a:t>
             </a:r>
             <a:r>
               <a:rPr lang="ru-RU" sz="2400" dirty="0"/>
-              <a:t>находится цепочка из символов латинского алфавита A, </a:t>
-            </a:r>
-            <a:r>
-              <a:rPr lang="en-US" sz="2400" dirty="0"/>
-              <a:t>B</a:t>
-            </a:r>
-            <a:r>
-              <a:rPr lang="ru-RU" sz="2400" dirty="0"/>
-              <a:t>, </a:t>
-            </a:r>
-            <a:r>
-              <a:rPr lang="en-US" sz="2400" dirty="0"/>
-              <a:t>C</a:t>
-            </a:r>
-            <a:r>
-              <a:rPr lang="ru-RU" sz="2400" dirty="0"/>
-              <a:t>. Найдите длину самой длинной подцепочки, состоящей из символов C.</a:t>
-            </a:r>
-          </a:p>
-          <a:p>
-            <a:endParaRPr lang="ru-RU" sz="2400" dirty="0"/>
+              <a:t> находится цепочка из символов латинского алфавита A, B, C, D, E. Найдите длину самой длинной подцепочки, состоящей из символов A, B или C (в произвольном порядке).</a:t>
+            </a:r>
           </a:p>
         </p:txBody>
       </p:sp>
     </p:spTree>
     <p:extLst>
       <p:ext uri="{BB962C8B-B14F-4D97-AF65-F5344CB8AC3E}">
-        <p14:creationId xmlns:p14="http://schemas.microsoft.com/office/powerpoint/2010/main" val="1969928726"/>
+        <p14:creationId xmlns:p14="http://schemas.microsoft.com/office/powerpoint/2010/main" val="761697109"/>
       </p:ext>
     </p:extLst>
   </p:cSld>
@@ -5169,7 +4583,7 @@
           <a:p>
             <a:r>
               <a:rPr lang="ru-RU" dirty="0"/>
-              <a:t>Задача 2</a:t>
+              <a:t>Задача 3</a:t>
             </a:r>
           </a:p>
         </p:txBody>
@@ -5182,8 +4596,8 @@
         </p:nvSpPr>
         <p:spPr>
           <a:xfrm>
-            <a:off x="331076" y="1885950"/>
-            <a:ext cx="8684337" cy="1569660"/>
+            <a:off x="236482" y="1791357"/>
+            <a:ext cx="8087711" cy="1569660"/>
           </a:xfrm>
           <a:prstGeom prst="rect">
             <a:avLst/>
@@ -5202,11 +4616,59 @@
             </a:r>
             <a:r>
               <a:rPr lang="ru-RU" sz="2400" b="1" dirty="0"/>
-              <a:t>k7a-1.txt</a:t>
+              <a:t>k7a-6.txt</a:t>
             </a:r>
             <a:r>
               <a:rPr lang="ru-RU" sz="2400" dirty="0"/>
-              <a:t> находится цепочка из символов латинского алфавита A, B, C, D, E. Найдите длину самой длинной подцепочки, состоящей из символов A, B или C (в произвольном порядке).</a:t>
+              <a:t> находится цепочка из символов латинского алфавита </a:t>
+            </a:r>
+            <a:r>
+              <a:rPr lang="en-US" sz="2400" dirty="0"/>
+              <a:t>A</a:t>
+            </a:r>
+            <a:r>
+              <a:rPr lang="ru-RU" sz="2400" dirty="0"/>
+              <a:t>, </a:t>
+            </a:r>
+            <a:r>
+              <a:rPr lang="en-US" sz="2400" dirty="0"/>
+              <a:t>B</a:t>
+            </a:r>
+            <a:r>
+              <a:rPr lang="ru-RU" sz="2400" dirty="0"/>
+              <a:t>, </a:t>
+            </a:r>
+            <a:r>
+              <a:rPr lang="en-US" sz="2400" dirty="0"/>
+              <a:t>C</a:t>
+            </a:r>
+            <a:r>
+              <a:rPr lang="ru-RU" sz="2400" dirty="0"/>
+              <a:t>, </a:t>
+            </a:r>
+            <a:r>
+              <a:rPr lang="en-US" sz="2400" dirty="0"/>
+              <a:t>D</a:t>
+            </a:r>
+            <a:r>
+              <a:rPr lang="ru-RU" sz="2400" dirty="0"/>
+              <a:t>, </a:t>
+            </a:r>
+            <a:r>
+              <a:rPr lang="en-US" sz="2400" dirty="0"/>
+              <a:t>E</a:t>
+            </a:r>
+            <a:r>
+              <a:rPr lang="ru-RU" sz="2400" dirty="0"/>
+              <a:t>, </a:t>
+            </a:r>
+            <a:r>
+              <a:rPr lang="en-US" sz="2400" dirty="0"/>
+              <a:t>F</a:t>
+            </a:r>
+            <a:r>
+              <a:rPr lang="ru-RU" sz="2400" dirty="0"/>
+              <a:t>. Найдите длину самой длинной подцепочки, не содержащей гласных букв.</a:t>
             </a:r>
           </a:p>
         </p:txBody>
@@ -5214,7 +4676,7 @@
     </p:spTree>
     <p:extLst>
       <p:ext uri="{BB962C8B-B14F-4D97-AF65-F5344CB8AC3E}">
-        <p14:creationId xmlns:p14="http://schemas.microsoft.com/office/powerpoint/2010/main" val="761697109"/>
+        <p14:creationId xmlns:p14="http://schemas.microsoft.com/office/powerpoint/2010/main" val="1750570922"/>
       </p:ext>
     </p:extLst>
   </p:cSld>
@@ -5260,7 +4722,7 @@
           <a:p>
             <a:r>
               <a:rPr lang="ru-RU" dirty="0"/>
-              <a:t>Задача 3</a:t>
+              <a:t>Задача 4</a:t>
             </a:r>
           </a:p>
         </p:txBody>
@@ -5273,8 +4735,8 @@
         </p:nvSpPr>
         <p:spPr>
           <a:xfrm>
-            <a:off x="236482" y="1791357"/>
-            <a:ext cx="8087711" cy="1569660"/>
+            <a:off x="402021" y="1744061"/>
+            <a:ext cx="7248197" cy="3416320"/>
           </a:xfrm>
           <a:prstGeom prst="rect">
             <a:avLst/>
@@ -5287,13 +4749,14 @@
           </a:bodyPr>
           <a:lstStyle/>
           <a:p>
+            <a:pPr lvl="0"/>
             <a:r>
               <a:rPr lang="ru-RU" sz="2400" dirty="0"/>
               <a:t>В текстовом файле </a:t>
             </a:r>
             <a:r>
               <a:rPr lang="ru-RU" sz="2400" b="1" dirty="0"/>
-              <a:t>k7a-6.txt</a:t>
+              <a:t>k7c-1.txt</a:t>
             </a:r>
             <a:r>
               <a:rPr lang="ru-RU" sz="2400" dirty="0"/>
@@ -5337,15 +4800,99 @@
             </a:r>
             <a:r>
               <a:rPr lang="ru-RU" sz="2400" dirty="0"/>
+              <a:t>. Найдите количество цепочек длины 3, удовлетворяющих следующим условиям: </a:t>
+            </a:r>
+          </a:p>
+          <a:p>
+            <a:pPr lvl="0"/>
+            <a:r>
+              <a:rPr lang="ru-RU" sz="2400" dirty="0"/>
+              <a:t>1-й символ – один из символов </a:t>
+            </a:r>
+            <a:r>
+              <a:rPr lang="en-US" sz="2400" dirty="0"/>
+              <a:t>B</a:t>
+            </a:r>
+            <a:r>
+              <a:rPr lang="ru-RU" sz="2400" dirty="0"/>
               <a:t>, </a:t>
             </a:r>
             <a:r>
               <a:rPr lang="en-US" sz="2400" dirty="0"/>
-              <a:t>F</a:t>
+              <a:t>C</a:t>
             </a:r>
             <a:r>
               <a:rPr lang="ru-RU" sz="2400" dirty="0"/>
-              <a:t>. Найдите длину самой длинной подцепочки, не содержащей гласных букв.</a:t>
+              <a:t> или </a:t>
+            </a:r>
+            <a:r>
+              <a:rPr lang="en-US" sz="2400" dirty="0"/>
+              <a:t>D</a:t>
+            </a:r>
+            <a:r>
+              <a:rPr lang="ru-RU" sz="2400" dirty="0"/>
+              <a:t>;</a:t>
+            </a:r>
+          </a:p>
+          <a:p>
+            <a:pPr lvl="0"/>
+            <a:r>
+              <a:rPr lang="ru-RU" sz="2400" dirty="0"/>
+              <a:t>2-й символ – один из символов </a:t>
+            </a:r>
+            <a:r>
+              <a:rPr lang="en-US" sz="2400" dirty="0"/>
+              <a:t>B</a:t>
+            </a:r>
+            <a:r>
+              <a:rPr lang="ru-RU" sz="2400" dirty="0"/>
+              <a:t>, </a:t>
+            </a:r>
+            <a:r>
+              <a:rPr lang="en-US" sz="2400" dirty="0"/>
+              <a:t>D</a:t>
+            </a:r>
+            <a:r>
+              <a:rPr lang="ru-RU" sz="2400" dirty="0"/>
+              <a:t>, </a:t>
+            </a:r>
+            <a:r>
+              <a:rPr lang="en-US" sz="2400" dirty="0"/>
+              <a:t>E</a:t>
+            </a:r>
+            <a:r>
+              <a:rPr lang="ru-RU" sz="2400" dirty="0"/>
+              <a:t>, который не совпадает с первым; </a:t>
+            </a:r>
+          </a:p>
+          <a:p>
+            <a:r>
+              <a:rPr lang="ru-RU" sz="2400" dirty="0"/>
+              <a:t>3-й символ – один из символов </a:t>
+            </a:r>
+            <a:r>
+              <a:rPr lang="en-US" sz="2400" dirty="0"/>
+              <a:t>B</a:t>
+            </a:r>
+            <a:r>
+              <a:rPr lang="ru-RU" sz="2400" dirty="0"/>
+              <a:t>, </a:t>
+            </a:r>
+            <a:r>
+              <a:rPr lang="en-US" sz="2400" dirty="0"/>
+              <a:t>C</a:t>
+            </a:r>
+            <a:r>
+              <a:rPr lang="ru-RU" sz="2400" dirty="0"/>
+              <a:t>, </a:t>
+            </a:r>
+            <a:r>
+              <a:rPr lang="en-US" sz="2400" dirty="0"/>
+              <a:t>E</a:t>
+            </a:r>
+            <a:r>
+              <a:rPr lang="ru-RU" sz="2400" dirty="0"/>
+              <a:t>, который не совпадает со вторым.</a:t>
             </a:r>
           </a:p>
         </p:txBody>
@@ -5353,7 +4900,7 @@
     </p:spTree>
     <p:extLst>
       <p:ext uri="{BB962C8B-B14F-4D97-AF65-F5344CB8AC3E}">
-        <p14:creationId xmlns:p14="http://schemas.microsoft.com/office/powerpoint/2010/main" val="1750570922"/>
+        <p14:creationId xmlns:p14="http://schemas.microsoft.com/office/powerpoint/2010/main" val="1994524477"/>
       </p:ext>
     </p:extLst>
   </p:cSld>
@@ -5399,7 +4946,7 @@
           <a:p>
             <a:r>
               <a:rPr lang="ru-RU" dirty="0"/>
-              <a:t>Задача 4</a:t>
+              <a:t>Задача 5</a:t>
             </a:r>
           </a:p>
         </p:txBody>
@@ -5412,8 +4959,8 @@
         </p:nvSpPr>
         <p:spPr>
           <a:xfrm>
-            <a:off x="402021" y="1744061"/>
-            <a:ext cx="7248197" cy="3416320"/>
+            <a:off x="342901" y="1826829"/>
+            <a:ext cx="7319141" cy="1569660"/>
           </a:xfrm>
           <a:prstGeom prst="rect">
             <a:avLst/>
@@ -5426,150 +4973,17 @@
           </a:bodyPr>
           <a:lstStyle/>
           <a:p>
-            <a:pPr lvl="0"/>
             <a:r>
               <a:rPr lang="ru-RU" sz="2400" dirty="0"/>
               <a:t>В текстовом файле </a:t>
             </a:r>
             <a:r>
               <a:rPr lang="ru-RU" sz="2400" b="1" dirty="0"/>
-              <a:t>k7c-1.txt</a:t>
+              <a:t>k7c-6.txt</a:t>
             </a:r>
             <a:r>
               <a:rPr lang="ru-RU" sz="2400" dirty="0"/>
-              <a:t> находится цепочка из символов латинского алфавита </a:t>
-            </a:r>
-            <a:r>
-              <a:rPr lang="en-US" sz="2400" dirty="0"/>
-              <a:t>A</a:t>
-            </a:r>
-            <a:r>
-              <a:rPr lang="ru-RU" sz="2400" dirty="0"/>
-              <a:t>, </a:t>
-            </a:r>
-            <a:r>
-              <a:rPr lang="en-US" sz="2400" dirty="0"/>
-              <a:t>B</a:t>
-            </a:r>
-            <a:r>
-              <a:rPr lang="ru-RU" sz="2400" dirty="0"/>
-              <a:t>, </a:t>
-            </a:r>
-            <a:r>
-              <a:rPr lang="en-US" sz="2400" dirty="0"/>
-              <a:t>C</a:t>
-            </a:r>
-            <a:r>
-              <a:rPr lang="ru-RU" sz="2400" dirty="0"/>
-              <a:t>, </a:t>
-            </a:r>
-            <a:r>
-              <a:rPr lang="en-US" sz="2400" dirty="0"/>
-              <a:t>D</a:t>
-            </a:r>
-            <a:r>
-              <a:rPr lang="ru-RU" sz="2400" dirty="0"/>
-              <a:t>, </a:t>
-            </a:r>
-            <a:r>
-              <a:rPr lang="en-US" sz="2400" dirty="0"/>
-              <a:t>E</a:t>
-            </a:r>
-            <a:r>
-              <a:rPr lang="ru-RU" sz="2400" dirty="0"/>
-              <a:t>. Найдите количество цепочек длины 3, удовлетворяющих следующим условиям: </a:t>
-            </a:r>
-          </a:p>
-          <a:p>
-            <a:pPr lvl="0"/>
-            <a:r>
-              <a:rPr lang="ru-RU" sz="2400" dirty="0"/>
-              <a:t>1-й символ – один из символов </a:t>
-            </a:r>
-            <a:r>
-              <a:rPr lang="en-US" sz="2400" dirty="0"/>
-              <a:t>B</a:t>
-            </a:r>
-            <a:r>
-              <a:rPr lang="ru-RU" sz="2400" dirty="0"/>
-              <a:t>, </a:t>
-            </a:r>
-            <a:r>
-              <a:rPr lang="en-US" sz="2400" dirty="0"/>
-              <a:t>C</a:t>
-            </a:r>
-            <a:r>
-              <a:rPr lang="ru-RU" sz="2400" dirty="0"/>
-              <a:t> или </a:t>
-            </a:r>
-            <a:r>
-              <a:rPr lang="en-US" sz="2400" dirty="0"/>
-              <a:t>D</a:t>
-            </a:r>
-            <a:r>
-              <a:rPr lang="ru-RU" sz="2400" dirty="0"/>
-              <a:t>;</a:t>
-            </a:r>
-          </a:p>
-          <a:p>
-            <a:pPr lvl="0"/>
-            <a:r>
-              <a:rPr lang="ru-RU" sz="2400" dirty="0"/>
-              <a:t>2-й символ – один из символов </a:t>
-            </a:r>
-            <a:r>
-              <a:rPr lang="en-US" sz="2400" dirty="0"/>
-              <a:t>B</a:t>
-            </a:r>
-            <a:r>
-              <a:rPr lang="ru-RU" sz="2400" dirty="0"/>
-              <a:t>, </a:t>
-            </a:r>
-            <a:r>
-              <a:rPr lang="en-US" sz="2400" dirty="0"/>
-              <a:t>D</a:t>
-            </a:r>
-            <a:r>
-              <a:rPr lang="ru-RU" sz="2400" dirty="0"/>
-              <a:t>, </a:t>
-            </a:r>
-            <a:r>
-              <a:rPr lang="en-US" sz="2400" dirty="0"/>
-              <a:t>E</a:t>
-            </a:r>
-            <a:r>
-              <a:rPr lang="ru-RU" sz="2400" dirty="0"/>
-              <a:t>, который не совпадает с первым; </a:t>
-            </a:r>
-          </a:p>
-          <a:p>
-            <a:r>
-              <a:rPr lang="ru-RU" sz="2400" dirty="0"/>
-              <a:t>3-й символ – один из символов </a:t>
-            </a:r>
-            <a:r>
-              <a:rPr lang="en-US" sz="2400" dirty="0"/>
-              <a:t>B</a:t>
-            </a:r>
-            <a:r>
-              <a:rPr lang="ru-RU" sz="2400" dirty="0"/>
-              <a:t>, </a:t>
-            </a:r>
-            <a:r>
-              <a:rPr lang="en-US" sz="2400" dirty="0"/>
-              <a:t>C</a:t>
-            </a:r>
-            <a:r>
-              <a:rPr lang="ru-RU" sz="2400" dirty="0"/>
-              <a:t>, </a:t>
-            </a:r>
-            <a:r>
-              <a:rPr lang="en-US" sz="2400" dirty="0"/>
-              <a:t>E</a:t>
-            </a:r>
-            <a:r>
-              <a:rPr lang="ru-RU" sz="2400" dirty="0"/>
-              <a:t>, который не совпадает со вторым.</a:t>
+              <a:t> находится цепочка из символов латинского алфавита A, B, C, D, E, F. Найдите количество цепочек длины 3, в которых символы не совпадают.</a:t>
             </a:r>
           </a:p>
         </p:txBody>
@@ -5577,7 +4991,7 @@
     </p:spTree>
     <p:extLst>
       <p:ext uri="{BB962C8B-B14F-4D97-AF65-F5344CB8AC3E}">
-        <p14:creationId xmlns:p14="http://schemas.microsoft.com/office/powerpoint/2010/main" val="1994524477"/>
+        <p14:creationId xmlns:p14="http://schemas.microsoft.com/office/powerpoint/2010/main" val="2675479163"/>
       </p:ext>
     </p:extLst>
   </p:cSld>

--- a/grade10/quarter3/temp_pptx.pptx
+++ b/grade10/quarter3/temp_pptx.pptx
@@ -5,26 +5,21 @@
     <p:sldMasterId id="2147483648" r:id="rId1"/>
   </p:sldMasterIdLst>
   <p:notesMasterIdLst>
-    <p:notesMasterId r:id="rId14"/>
+    <p:notesMasterId r:id="rId9"/>
   </p:notesMasterIdLst>
   <p:sldIdLst>
     <p:sldId id="576" r:id="rId2"/>
     <p:sldId id="573" r:id="rId3"/>
     <p:sldId id="575" r:id="rId4"/>
     <p:sldId id="580" r:id="rId5"/>
-    <p:sldId id="581" r:id="rId6"/>
-    <p:sldId id="582" r:id="rId7"/>
-    <p:sldId id="583" r:id="rId8"/>
-    <p:sldId id="584" r:id="rId9"/>
-    <p:sldId id="585" r:id="rId10"/>
-    <p:sldId id="586" r:id="rId11"/>
-    <p:sldId id="587" r:id="rId12"/>
-    <p:sldId id="588" r:id="rId13"/>
+    <p:sldId id="586" r:id="rId6"/>
+    <p:sldId id="587" r:id="rId7"/>
+    <p:sldId id="588" r:id="rId8"/>
   </p:sldIdLst>
   <p:sldSz cx="9144000" cy="6858000" type="screen4x3"/>
   <p:notesSz cx="6858000" cy="9144000"/>
   <p:custDataLst>
-    <p:tags r:id="rId15"/>
+    <p:tags r:id="rId10"/>
   </p:custDataLst>
   <p:defaultTextStyle>
     <a:defPPr>
@@ -824,7 +819,7 @@
     </p:spTree>
     <p:extLst>
       <p:ext uri="{BB962C8B-B14F-4D97-AF65-F5344CB8AC3E}">
-        <p14:creationId xmlns:p14="http://schemas.microsoft.com/office/powerpoint/2010/main" val="3769171013"/>
+        <p14:creationId xmlns:p14="http://schemas.microsoft.com/office/powerpoint/2010/main" val="2943137803"/>
       </p:ext>
     </p:extLst>
   </p:cSld>
@@ -908,7 +903,7 @@
     </p:spTree>
     <p:extLst>
       <p:ext uri="{BB962C8B-B14F-4D97-AF65-F5344CB8AC3E}">
-        <p14:creationId xmlns:p14="http://schemas.microsoft.com/office/powerpoint/2010/main" val="4076753750"/>
+        <p14:creationId xmlns:p14="http://schemas.microsoft.com/office/powerpoint/2010/main" val="3548767598"/>
       </p:ext>
     </p:extLst>
   </p:cSld>
@@ -984,426 +979,6 @@
             <a:fld id="{496FEC38-3E17-40A3-AF1F-C5E17705872E}" type="slidenum">
               <a:rPr lang="ru-RU" smtClean="0"/>
               <a:t>7</a:t>
-            </a:fld>
-            <a:endParaRPr lang="ru-RU"/>
-          </a:p>
-        </p:txBody>
-      </p:sp>
-    </p:spTree>
-    <p:extLst>
-      <p:ext uri="{BB962C8B-B14F-4D97-AF65-F5344CB8AC3E}">
-        <p14:creationId xmlns:p14="http://schemas.microsoft.com/office/powerpoint/2010/main" val="2068502535"/>
-      </p:ext>
-    </p:extLst>
-  </p:cSld>
-  <p:clrMapOvr>
-    <a:masterClrMapping/>
-  </p:clrMapOvr>
-</p:notes>
-</file>
-
-<file path=ppt/notesSlides/notesSlide5.xml><?xml version="1.0" encoding="utf-8"?>
-<p:notes xmlns:a="http://schemas.openxmlformats.org/drawingml/2006/main" xmlns:r="http://schemas.openxmlformats.org/officeDocument/2006/relationships" xmlns:p="http://schemas.openxmlformats.org/presentationml/2006/main">
-  <p:cSld>
-    <p:spTree>
-      <p:nvGrpSpPr>
-        <p:cNvPr id="1" name=""/>
-        <p:cNvGrpSpPr/>
-        <p:nvPr/>
-      </p:nvGrpSpPr>
-      <p:grpSpPr>
-        <a:xfrm>
-          <a:off x="0" y="0"/>
-          <a:ext cx="0" cy="0"/>
-          <a:chOff x="0" y="0"/>
-          <a:chExt cx="0" cy="0"/>
-        </a:xfrm>
-      </p:grpSpPr>
-      <p:sp>
-        <p:nvSpPr>
-          <p:cNvPr id="2" name="Образ слайда 1"/>
-          <p:cNvSpPr>
-            <a:spLocks noGrp="1" noRot="1" noChangeAspect="1"/>
-          </p:cNvSpPr>
-          <p:nvPr>
-            <p:ph type="sldImg"/>
-          </p:nvPr>
-        </p:nvSpPr>
-        <p:spPr/>
-      </p:sp>
-      <p:sp>
-        <p:nvSpPr>
-          <p:cNvPr id="3" name="Заметки 2"/>
-          <p:cNvSpPr>
-            <a:spLocks noGrp="1"/>
-          </p:cNvSpPr>
-          <p:nvPr>
-            <p:ph type="body" idx="1"/>
-          </p:nvPr>
-        </p:nvSpPr>
-        <p:spPr/>
-        <p:txBody>
-          <a:bodyPr/>
-          <a:lstStyle/>
-          <a:p>
-            <a:endParaRPr lang="ru-RU" dirty="0"/>
-          </a:p>
-        </p:txBody>
-      </p:sp>
-      <p:sp>
-        <p:nvSpPr>
-          <p:cNvPr id="4" name="Номер слайда 3"/>
-          <p:cNvSpPr>
-            <a:spLocks noGrp="1"/>
-          </p:cNvSpPr>
-          <p:nvPr>
-            <p:ph type="sldNum" sz="quarter" idx="10"/>
-          </p:nvPr>
-        </p:nvSpPr>
-        <p:spPr/>
-        <p:txBody>
-          <a:bodyPr/>
-          <a:lstStyle/>
-          <a:p>
-            <a:fld id="{496FEC38-3E17-40A3-AF1F-C5E17705872E}" type="slidenum">
-              <a:rPr lang="ru-RU" smtClean="0"/>
-              <a:t>8</a:t>
-            </a:fld>
-            <a:endParaRPr lang="ru-RU"/>
-          </a:p>
-        </p:txBody>
-      </p:sp>
-    </p:spTree>
-    <p:extLst>
-      <p:ext uri="{BB962C8B-B14F-4D97-AF65-F5344CB8AC3E}">
-        <p14:creationId xmlns:p14="http://schemas.microsoft.com/office/powerpoint/2010/main" val="2551199731"/>
-      </p:ext>
-    </p:extLst>
-  </p:cSld>
-  <p:clrMapOvr>
-    <a:masterClrMapping/>
-  </p:clrMapOvr>
-</p:notes>
-</file>
-
-<file path=ppt/notesSlides/notesSlide6.xml><?xml version="1.0" encoding="utf-8"?>
-<p:notes xmlns:a="http://schemas.openxmlformats.org/drawingml/2006/main" xmlns:r="http://schemas.openxmlformats.org/officeDocument/2006/relationships" xmlns:p="http://schemas.openxmlformats.org/presentationml/2006/main">
-  <p:cSld>
-    <p:spTree>
-      <p:nvGrpSpPr>
-        <p:cNvPr id="1" name=""/>
-        <p:cNvGrpSpPr/>
-        <p:nvPr/>
-      </p:nvGrpSpPr>
-      <p:grpSpPr>
-        <a:xfrm>
-          <a:off x="0" y="0"/>
-          <a:ext cx="0" cy="0"/>
-          <a:chOff x="0" y="0"/>
-          <a:chExt cx="0" cy="0"/>
-        </a:xfrm>
-      </p:grpSpPr>
-      <p:sp>
-        <p:nvSpPr>
-          <p:cNvPr id="2" name="Образ слайда 1"/>
-          <p:cNvSpPr>
-            <a:spLocks noGrp="1" noRot="1" noChangeAspect="1"/>
-          </p:cNvSpPr>
-          <p:nvPr>
-            <p:ph type="sldImg"/>
-          </p:nvPr>
-        </p:nvSpPr>
-        <p:spPr/>
-      </p:sp>
-      <p:sp>
-        <p:nvSpPr>
-          <p:cNvPr id="3" name="Заметки 2"/>
-          <p:cNvSpPr>
-            <a:spLocks noGrp="1"/>
-          </p:cNvSpPr>
-          <p:nvPr>
-            <p:ph type="body" idx="1"/>
-          </p:nvPr>
-        </p:nvSpPr>
-        <p:spPr/>
-        <p:txBody>
-          <a:bodyPr/>
-          <a:lstStyle/>
-          <a:p>
-            <a:endParaRPr lang="ru-RU" dirty="0"/>
-          </a:p>
-        </p:txBody>
-      </p:sp>
-      <p:sp>
-        <p:nvSpPr>
-          <p:cNvPr id="4" name="Номер слайда 3"/>
-          <p:cNvSpPr>
-            <a:spLocks noGrp="1"/>
-          </p:cNvSpPr>
-          <p:nvPr>
-            <p:ph type="sldNum" sz="quarter" idx="10"/>
-          </p:nvPr>
-        </p:nvSpPr>
-        <p:spPr/>
-        <p:txBody>
-          <a:bodyPr/>
-          <a:lstStyle/>
-          <a:p>
-            <a:fld id="{496FEC38-3E17-40A3-AF1F-C5E17705872E}" type="slidenum">
-              <a:rPr lang="ru-RU" smtClean="0"/>
-              <a:t>9</a:t>
-            </a:fld>
-            <a:endParaRPr lang="ru-RU"/>
-          </a:p>
-        </p:txBody>
-      </p:sp>
-    </p:spTree>
-    <p:extLst>
-      <p:ext uri="{BB962C8B-B14F-4D97-AF65-F5344CB8AC3E}">
-        <p14:creationId xmlns:p14="http://schemas.microsoft.com/office/powerpoint/2010/main" val="3245310934"/>
-      </p:ext>
-    </p:extLst>
-  </p:cSld>
-  <p:clrMapOvr>
-    <a:masterClrMapping/>
-  </p:clrMapOvr>
-</p:notes>
-</file>
-
-<file path=ppt/notesSlides/notesSlide7.xml><?xml version="1.0" encoding="utf-8"?>
-<p:notes xmlns:a="http://schemas.openxmlformats.org/drawingml/2006/main" xmlns:r="http://schemas.openxmlformats.org/officeDocument/2006/relationships" xmlns:p="http://schemas.openxmlformats.org/presentationml/2006/main">
-  <p:cSld>
-    <p:spTree>
-      <p:nvGrpSpPr>
-        <p:cNvPr id="1" name=""/>
-        <p:cNvGrpSpPr/>
-        <p:nvPr/>
-      </p:nvGrpSpPr>
-      <p:grpSpPr>
-        <a:xfrm>
-          <a:off x="0" y="0"/>
-          <a:ext cx="0" cy="0"/>
-          <a:chOff x="0" y="0"/>
-          <a:chExt cx="0" cy="0"/>
-        </a:xfrm>
-      </p:grpSpPr>
-      <p:sp>
-        <p:nvSpPr>
-          <p:cNvPr id="2" name="Образ слайда 1"/>
-          <p:cNvSpPr>
-            <a:spLocks noGrp="1" noRot="1" noChangeAspect="1"/>
-          </p:cNvSpPr>
-          <p:nvPr>
-            <p:ph type="sldImg"/>
-          </p:nvPr>
-        </p:nvSpPr>
-        <p:spPr/>
-      </p:sp>
-      <p:sp>
-        <p:nvSpPr>
-          <p:cNvPr id="3" name="Заметки 2"/>
-          <p:cNvSpPr>
-            <a:spLocks noGrp="1"/>
-          </p:cNvSpPr>
-          <p:nvPr>
-            <p:ph type="body" idx="1"/>
-          </p:nvPr>
-        </p:nvSpPr>
-        <p:spPr/>
-        <p:txBody>
-          <a:bodyPr/>
-          <a:lstStyle/>
-          <a:p>
-            <a:endParaRPr lang="ru-RU" dirty="0"/>
-          </a:p>
-        </p:txBody>
-      </p:sp>
-      <p:sp>
-        <p:nvSpPr>
-          <p:cNvPr id="4" name="Номер слайда 3"/>
-          <p:cNvSpPr>
-            <a:spLocks noGrp="1"/>
-          </p:cNvSpPr>
-          <p:nvPr>
-            <p:ph type="sldNum" sz="quarter" idx="10"/>
-          </p:nvPr>
-        </p:nvSpPr>
-        <p:spPr/>
-        <p:txBody>
-          <a:bodyPr/>
-          <a:lstStyle/>
-          <a:p>
-            <a:fld id="{496FEC38-3E17-40A3-AF1F-C5E17705872E}" type="slidenum">
-              <a:rPr lang="ru-RU" smtClean="0"/>
-              <a:t>10</a:t>
-            </a:fld>
-            <a:endParaRPr lang="ru-RU"/>
-          </a:p>
-        </p:txBody>
-      </p:sp>
-    </p:spTree>
-    <p:extLst>
-      <p:ext uri="{BB962C8B-B14F-4D97-AF65-F5344CB8AC3E}">
-        <p14:creationId xmlns:p14="http://schemas.microsoft.com/office/powerpoint/2010/main" val="2943137803"/>
-      </p:ext>
-    </p:extLst>
-  </p:cSld>
-  <p:clrMapOvr>
-    <a:masterClrMapping/>
-  </p:clrMapOvr>
-</p:notes>
-</file>
-
-<file path=ppt/notesSlides/notesSlide8.xml><?xml version="1.0" encoding="utf-8"?>
-<p:notes xmlns:a="http://schemas.openxmlformats.org/drawingml/2006/main" xmlns:r="http://schemas.openxmlformats.org/officeDocument/2006/relationships" xmlns:p="http://schemas.openxmlformats.org/presentationml/2006/main">
-  <p:cSld>
-    <p:spTree>
-      <p:nvGrpSpPr>
-        <p:cNvPr id="1" name=""/>
-        <p:cNvGrpSpPr/>
-        <p:nvPr/>
-      </p:nvGrpSpPr>
-      <p:grpSpPr>
-        <a:xfrm>
-          <a:off x="0" y="0"/>
-          <a:ext cx="0" cy="0"/>
-          <a:chOff x="0" y="0"/>
-          <a:chExt cx="0" cy="0"/>
-        </a:xfrm>
-      </p:grpSpPr>
-      <p:sp>
-        <p:nvSpPr>
-          <p:cNvPr id="2" name="Образ слайда 1"/>
-          <p:cNvSpPr>
-            <a:spLocks noGrp="1" noRot="1" noChangeAspect="1"/>
-          </p:cNvSpPr>
-          <p:nvPr>
-            <p:ph type="sldImg"/>
-          </p:nvPr>
-        </p:nvSpPr>
-        <p:spPr/>
-      </p:sp>
-      <p:sp>
-        <p:nvSpPr>
-          <p:cNvPr id="3" name="Заметки 2"/>
-          <p:cNvSpPr>
-            <a:spLocks noGrp="1"/>
-          </p:cNvSpPr>
-          <p:nvPr>
-            <p:ph type="body" idx="1"/>
-          </p:nvPr>
-        </p:nvSpPr>
-        <p:spPr/>
-        <p:txBody>
-          <a:bodyPr/>
-          <a:lstStyle/>
-          <a:p>
-            <a:endParaRPr lang="ru-RU" dirty="0"/>
-          </a:p>
-        </p:txBody>
-      </p:sp>
-      <p:sp>
-        <p:nvSpPr>
-          <p:cNvPr id="4" name="Номер слайда 3"/>
-          <p:cNvSpPr>
-            <a:spLocks noGrp="1"/>
-          </p:cNvSpPr>
-          <p:nvPr>
-            <p:ph type="sldNum" sz="quarter" idx="10"/>
-          </p:nvPr>
-        </p:nvSpPr>
-        <p:spPr/>
-        <p:txBody>
-          <a:bodyPr/>
-          <a:lstStyle/>
-          <a:p>
-            <a:fld id="{496FEC38-3E17-40A3-AF1F-C5E17705872E}" type="slidenum">
-              <a:rPr lang="ru-RU" smtClean="0"/>
-              <a:t>11</a:t>
-            </a:fld>
-            <a:endParaRPr lang="ru-RU"/>
-          </a:p>
-        </p:txBody>
-      </p:sp>
-    </p:spTree>
-    <p:extLst>
-      <p:ext uri="{BB962C8B-B14F-4D97-AF65-F5344CB8AC3E}">
-        <p14:creationId xmlns:p14="http://schemas.microsoft.com/office/powerpoint/2010/main" val="3548767598"/>
-      </p:ext>
-    </p:extLst>
-  </p:cSld>
-  <p:clrMapOvr>
-    <a:masterClrMapping/>
-  </p:clrMapOvr>
-</p:notes>
-</file>
-
-<file path=ppt/notesSlides/notesSlide9.xml><?xml version="1.0" encoding="utf-8"?>
-<p:notes xmlns:a="http://schemas.openxmlformats.org/drawingml/2006/main" xmlns:r="http://schemas.openxmlformats.org/officeDocument/2006/relationships" xmlns:p="http://schemas.openxmlformats.org/presentationml/2006/main">
-  <p:cSld>
-    <p:spTree>
-      <p:nvGrpSpPr>
-        <p:cNvPr id="1" name=""/>
-        <p:cNvGrpSpPr/>
-        <p:nvPr/>
-      </p:nvGrpSpPr>
-      <p:grpSpPr>
-        <a:xfrm>
-          <a:off x="0" y="0"/>
-          <a:ext cx="0" cy="0"/>
-          <a:chOff x="0" y="0"/>
-          <a:chExt cx="0" cy="0"/>
-        </a:xfrm>
-      </p:grpSpPr>
-      <p:sp>
-        <p:nvSpPr>
-          <p:cNvPr id="2" name="Образ слайда 1"/>
-          <p:cNvSpPr>
-            <a:spLocks noGrp="1" noRot="1" noChangeAspect="1"/>
-          </p:cNvSpPr>
-          <p:nvPr>
-            <p:ph type="sldImg"/>
-          </p:nvPr>
-        </p:nvSpPr>
-        <p:spPr/>
-      </p:sp>
-      <p:sp>
-        <p:nvSpPr>
-          <p:cNvPr id="3" name="Заметки 2"/>
-          <p:cNvSpPr>
-            <a:spLocks noGrp="1"/>
-          </p:cNvSpPr>
-          <p:nvPr>
-            <p:ph type="body" idx="1"/>
-          </p:nvPr>
-        </p:nvSpPr>
-        <p:spPr/>
-        <p:txBody>
-          <a:bodyPr/>
-          <a:lstStyle/>
-          <a:p>
-            <a:endParaRPr lang="ru-RU" dirty="0"/>
-          </a:p>
-        </p:txBody>
-      </p:sp>
-      <p:sp>
-        <p:nvSpPr>
-          <p:cNvPr id="4" name="Номер слайда 3"/>
-          <p:cNvSpPr>
-            <a:spLocks noGrp="1"/>
-          </p:cNvSpPr>
-          <p:nvPr>
-            <p:ph type="sldNum" sz="quarter" idx="10"/>
-          </p:nvPr>
-        </p:nvSpPr>
-        <p:spPr/>
-        <p:txBody>
-          <a:bodyPr/>
-          <a:lstStyle/>
-          <a:p>
-            <a:fld id="{496FEC38-3E17-40A3-AF1F-C5E17705872E}" type="slidenum">
-              <a:rPr lang="ru-RU" smtClean="0"/>
-              <a:t>12</a:t>
             </a:fld>
             <a:endParaRPr lang="ru-RU"/>
           </a:p>
@@ -3654,298 +3229,6 @@
 </p:sld>
 </file>
 
-<file path=ppt/slides/slide10.xml><?xml version="1.0" encoding="utf-8"?>
-<p:sld xmlns:a="http://schemas.openxmlformats.org/drawingml/2006/main" xmlns:r="http://schemas.openxmlformats.org/officeDocument/2006/relationships" xmlns:p="http://schemas.openxmlformats.org/presentationml/2006/main">
-  <p:cSld>
-    <p:spTree>
-      <p:nvGrpSpPr>
-        <p:cNvPr id="1" name=""/>
-        <p:cNvGrpSpPr/>
-        <p:nvPr/>
-      </p:nvGrpSpPr>
-      <p:grpSpPr>
-        <a:xfrm>
-          <a:off x="0" y="0"/>
-          <a:ext cx="0" cy="0"/>
-          <a:chOff x="0" y="0"/>
-          <a:chExt cx="0" cy="0"/>
-        </a:xfrm>
-      </p:grpSpPr>
-      <p:sp>
-        <p:nvSpPr>
-          <p:cNvPr id="2" name="Заголовок 1"/>
-          <p:cNvSpPr>
-            <a:spLocks noGrp="1"/>
-          </p:cNvSpPr>
-          <p:nvPr>
-            <p:ph type="title"/>
-          </p:nvPr>
-        </p:nvSpPr>
-        <p:spPr/>
-        <p:txBody>
-          <a:bodyPr>
-            <a:normAutofit/>
-          </a:bodyPr>
-          <a:lstStyle/>
-          <a:p>
-            <a:r>
-              <a:rPr lang="ru-RU" dirty="0"/>
-              <a:t>Задача 6</a:t>
-            </a:r>
-          </a:p>
-        </p:txBody>
-      </p:sp>
-      <p:sp>
-        <p:nvSpPr>
-          <p:cNvPr id="3" name="TextBox 2"/>
-          <p:cNvSpPr txBox="1"/>
-          <p:nvPr/>
-        </p:nvSpPr>
-        <p:spPr>
-          <a:xfrm>
-            <a:off x="212834" y="1826829"/>
-            <a:ext cx="8584325" cy="2677656"/>
-          </a:xfrm>
-          <a:prstGeom prst="rect">
-            <a:avLst/>
-          </a:prstGeom>
-          <a:noFill/>
-        </p:spPr>
-        <p:txBody>
-          <a:bodyPr wrap="square" rtlCol="0">
-            <a:spAutoFit/>
-          </a:bodyPr>
-          <a:lstStyle/>
-          <a:p>
-            <a:r>
-              <a:rPr lang="ru-RU" sz="2400" dirty="0"/>
-              <a:t>В текстовом файле  </a:t>
-            </a:r>
-            <a:r>
-              <a:rPr lang="ru-RU" sz="2400" b="1" dirty="0"/>
-              <a:t>k7-m1.txt</a:t>
-            </a:r>
-            <a:r>
-              <a:rPr lang="ru-RU" sz="2400" dirty="0"/>
-              <a:t> находится цепочка из прописных (заглавных) символов латинского алфавита A, B, C. Найдите длину самой короткой подцепочки, состоящей из символов C (C-подцепочки). В ответе через пробел укажите: длину найденной подцепочки (если C-подцепочек нет, то 0), количество C-подцепочек и длину исходной цепочки.</a:t>
-            </a:r>
-          </a:p>
-        </p:txBody>
-      </p:sp>
-    </p:spTree>
-    <p:extLst>
-      <p:ext uri="{BB962C8B-B14F-4D97-AF65-F5344CB8AC3E}">
-        <p14:creationId xmlns:p14="http://schemas.microsoft.com/office/powerpoint/2010/main" val="970689880"/>
-      </p:ext>
-    </p:extLst>
-  </p:cSld>
-  <p:clrMapOvr>
-    <a:masterClrMapping/>
-  </p:clrMapOvr>
-</p:sld>
-</file>
-
-<file path=ppt/slides/slide11.xml><?xml version="1.0" encoding="utf-8"?>
-<p:sld xmlns:a="http://schemas.openxmlformats.org/drawingml/2006/main" xmlns:r="http://schemas.openxmlformats.org/officeDocument/2006/relationships" xmlns:p="http://schemas.openxmlformats.org/presentationml/2006/main">
-  <p:cSld>
-    <p:spTree>
-      <p:nvGrpSpPr>
-        <p:cNvPr id="1" name=""/>
-        <p:cNvGrpSpPr/>
-        <p:nvPr/>
-      </p:nvGrpSpPr>
-      <p:grpSpPr>
-        <a:xfrm>
-          <a:off x="0" y="0"/>
-          <a:ext cx="0" cy="0"/>
-          <a:chOff x="0" y="0"/>
-          <a:chExt cx="0" cy="0"/>
-        </a:xfrm>
-      </p:grpSpPr>
-      <p:sp>
-        <p:nvSpPr>
-          <p:cNvPr id="2" name="Заголовок 1"/>
-          <p:cNvSpPr>
-            <a:spLocks noGrp="1"/>
-          </p:cNvSpPr>
-          <p:nvPr>
-            <p:ph type="title"/>
-          </p:nvPr>
-        </p:nvSpPr>
-        <p:spPr/>
-        <p:txBody>
-          <a:bodyPr>
-            <a:normAutofit/>
-          </a:bodyPr>
-          <a:lstStyle/>
-          <a:p>
-            <a:r>
-              <a:rPr lang="ru-RU" dirty="0"/>
-              <a:t>Задача 7</a:t>
-            </a:r>
-          </a:p>
-        </p:txBody>
-      </p:sp>
-      <p:sp>
-        <p:nvSpPr>
-          <p:cNvPr id="3" name="TextBox 2"/>
-          <p:cNvSpPr txBox="1"/>
-          <p:nvPr/>
-        </p:nvSpPr>
-        <p:spPr>
-          <a:xfrm>
-            <a:off x="260131" y="1791357"/>
-            <a:ext cx="8560676" cy="3785652"/>
-          </a:xfrm>
-          <a:prstGeom prst="rect">
-            <a:avLst/>
-          </a:prstGeom>
-          <a:noFill/>
-        </p:spPr>
-        <p:txBody>
-          <a:bodyPr wrap="square" rtlCol="0">
-            <a:spAutoFit/>
-          </a:bodyPr>
-          <a:lstStyle/>
-          <a:p>
-            <a:r>
-              <a:rPr lang="ru-RU" sz="2400" dirty="0"/>
-              <a:t>В текстовом файле </a:t>
-            </a:r>
-            <a:r>
-              <a:rPr lang="ru-RU" sz="2400" b="1" dirty="0"/>
-              <a:t>k7-m4.txt</a:t>
-            </a:r>
-            <a:r>
-              <a:rPr lang="ru-RU" sz="2400" dirty="0"/>
-              <a:t> находится цепочка из прописных (заглавных) символов латинского алфавита A, B, C. Найдите все подцепочки, состоящие из символов C (C-подцепочки) длиной не менее шести. В ответе через пробел укажите: порядковый номер найденной подцепочки (начиная с единицы) при проходе по исходной цепочке СПРАВА НАЛЕВО, ее длину и саму подцепочку, заменив в ней все символы «С» слева от правого символа «С» на «с» строчное (маленькое). Гарантируется, что в исходной цепочке есть C-подцепочки</a:t>
-            </a:r>
-          </a:p>
-        </p:txBody>
-      </p:sp>
-    </p:spTree>
-    <p:extLst>
-      <p:ext uri="{BB962C8B-B14F-4D97-AF65-F5344CB8AC3E}">
-        <p14:creationId xmlns:p14="http://schemas.microsoft.com/office/powerpoint/2010/main" val="2036469943"/>
-      </p:ext>
-    </p:extLst>
-  </p:cSld>
-  <p:clrMapOvr>
-    <a:masterClrMapping/>
-  </p:clrMapOvr>
-</p:sld>
-</file>
-
-<file path=ppt/slides/slide12.xml><?xml version="1.0" encoding="utf-8"?>
-<p:sld xmlns:a="http://schemas.openxmlformats.org/drawingml/2006/main" xmlns:r="http://schemas.openxmlformats.org/officeDocument/2006/relationships" xmlns:p="http://schemas.openxmlformats.org/presentationml/2006/main">
-  <p:cSld>
-    <p:spTree>
-      <p:nvGrpSpPr>
-        <p:cNvPr id="1" name=""/>
-        <p:cNvGrpSpPr/>
-        <p:nvPr/>
-      </p:nvGrpSpPr>
-      <p:grpSpPr>
-        <a:xfrm>
-          <a:off x="0" y="0"/>
-          <a:ext cx="0" cy="0"/>
-          <a:chOff x="0" y="0"/>
-          <a:chExt cx="0" cy="0"/>
-        </a:xfrm>
-      </p:grpSpPr>
-      <p:sp>
-        <p:nvSpPr>
-          <p:cNvPr id="2" name="Заголовок 1"/>
-          <p:cNvSpPr>
-            <a:spLocks noGrp="1"/>
-          </p:cNvSpPr>
-          <p:nvPr>
-            <p:ph type="title"/>
-          </p:nvPr>
-        </p:nvSpPr>
-        <p:spPr/>
-        <p:txBody>
-          <a:bodyPr>
-            <a:normAutofit/>
-          </a:bodyPr>
-          <a:lstStyle/>
-          <a:p>
-            <a:r>
-              <a:rPr lang="ru-RU"/>
-              <a:t>Задача 8</a:t>
-            </a:r>
-          </a:p>
-        </p:txBody>
-      </p:sp>
-      <p:sp>
-        <p:nvSpPr>
-          <p:cNvPr id="3" name="TextBox 2"/>
-          <p:cNvSpPr txBox="1"/>
-          <p:nvPr/>
-        </p:nvSpPr>
-        <p:spPr>
-          <a:xfrm>
-            <a:off x="224659" y="1519895"/>
-            <a:ext cx="8631620" cy="4524315"/>
-          </a:xfrm>
-          <a:prstGeom prst="rect">
-            <a:avLst/>
-          </a:prstGeom>
-          <a:noFill/>
-        </p:spPr>
-        <p:txBody>
-          <a:bodyPr wrap="square" rtlCol="0">
-            <a:spAutoFit/>
-          </a:bodyPr>
-          <a:lstStyle/>
-          <a:p>
-            <a:pPr lvl="0"/>
-            <a:r>
-              <a:rPr lang="ru-RU" sz="2400" dirty="0"/>
-              <a:t>В текстовом файле </a:t>
-            </a:r>
-            <a:r>
-              <a:rPr lang="ru-RU" sz="2400" b="1" dirty="0"/>
-              <a:t>k7-m5.txt</a:t>
-            </a:r>
-            <a:r>
-              <a:rPr lang="ru-RU" sz="2400" dirty="0"/>
-              <a:t> находится цепочка из прописных (заглавных) символов латинского алфавита A, B, C. В исходной цепочке замените все найденные C-подцепочки на подцепочки, содержащие длину текущей С-подцепочки с последующей текущей C-подцепочкой с замененными символами «С» большими на «с» маленькие. В ответе в трех строчках выведите:</a:t>
-            </a:r>
-          </a:p>
-          <a:p>
-            <a:r>
-              <a:rPr lang="ru-RU" sz="2400" dirty="0"/>
-              <a:t>1) количество C-подцепочек;</a:t>
-            </a:r>
-          </a:p>
-          <a:p>
-            <a:r>
-              <a:rPr lang="ru-RU" sz="2400" dirty="0"/>
-              <a:t>2) левые 15 символов, пробел и правые 15 символов исходной цепочки;</a:t>
-            </a:r>
-          </a:p>
-          <a:p>
-            <a:r>
-              <a:rPr lang="ru-RU" sz="2400" dirty="0"/>
-              <a:t>3) левые 15 символов, пробел и правые 15 символов преобразованной цепочки.</a:t>
-            </a:r>
-          </a:p>
-        </p:txBody>
-      </p:sp>
-    </p:spTree>
-    <p:extLst>
-      <p:ext uri="{BB962C8B-B14F-4D97-AF65-F5344CB8AC3E}">
-        <p14:creationId xmlns:p14="http://schemas.microsoft.com/office/powerpoint/2010/main" val="205021864"/>
-      </p:ext>
-    </p:extLst>
-  </p:cSld>
-  <p:clrMapOvr>
-    <a:masterClrMapping/>
-  </p:clrMapOvr>
-</p:sld>
-</file>
-
 <file path=ppt/slides/slide2.xml><?xml version="1.0" encoding="utf-8"?>
 <p:sld xmlns:a="http://schemas.openxmlformats.org/drawingml/2006/main" xmlns:r="http://schemas.openxmlformats.org/officeDocument/2006/relationships" xmlns:p="http://schemas.openxmlformats.org/presentationml/2006/main">
   <p:cSld>
@@ -4381,7 +3664,7 @@
           <a:p>
             <a:r>
               <a:rPr lang="ru-RU" dirty="0"/>
-              <a:t>Задача 1</a:t>
+              <a:t>Задача 6</a:t>
             </a:r>
           </a:p>
         </p:txBody>
@@ -4394,8 +3677,8 @@
         </p:nvSpPr>
         <p:spPr>
           <a:xfrm>
-            <a:off x="271956" y="1921423"/>
-            <a:ext cx="8572007" cy="1569660"/>
+            <a:off x="212834" y="1826829"/>
+            <a:ext cx="8584325" cy="2677656"/>
           </a:xfrm>
           <a:prstGeom prst="rect">
             <a:avLst/>
@@ -4408,45 +3691,25 @@
           </a:bodyPr>
           <a:lstStyle/>
           <a:p>
-            <a:pPr lvl="0"/>
             <a:r>
               <a:rPr lang="ru-RU" sz="2400" dirty="0"/>
-              <a:t>В текстовом файле</a:t>
+              <a:t>В текстовом файле  </a:t>
             </a:r>
             <a:r>
               <a:rPr lang="ru-RU" sz="2400" b="1" dirty="0"/>
-              <a:t> k7-45.txt </a:t>
+              <a:t>k7-m1.txt</a:t>
             </a:r>
             <a:r>
               <a:rPr lang="ru-RU" sz="2400" dirty="0"/>
-              <a:t>находится цепочка из символов латинского алфавита A, </a:t>
-            </a:r>
-            <a:r>
-              <a:rPr lang="en-US" sz="2400" dirty="0"/>
-              <a:t>B</a:t>
-            </a:r>
-            <a:r>
-              <a:rPr lang="ru-RU" sz="2400" dirty="0"/>
-              <a:t>, </a:t>
-            </a:r>
-            <a:r>
-              <a:rPr lang="en-US" sz="2400" dirty="0"/>
-              <a:t>C</a:t>
-            </a:r>
-            <a:r>
-              <a:rPr lang="ru-RU" sz="2400" dirty="0"/>
-              <a:t>. Найдите длину самой длинной подцепочки, состоящей из символов C.</a:t>
-            </a:r>
-          </a:p>
-          <a:p>
-            <a:endParaRPr lang="ru-RU" sz="2400" dirty="0"/>
+              <a:t> находится цепочка из прописных (заглавных) символов латинского алфавита A, B, C. Найдите длину самой короткой подцепочки, состоящей из символов C (C-подцепочки). В ответе через пробел укажите: длину найденной подцепочки (если C-подцепочек нет, то 0), количество C-подцепочек и длину исходной цепочки.</a:t>
+            </a:r>
           </a:p>
         </p:txBody>
       </p:sp>
     </p:spTree>
     <p:extLst>
       <p:ext uri="{BB962C8B-B14F-4D97-AF65-F5344CB8AC3E}">
-        <p14:creationId xmlns:p14="http://schemas.microsoft.com/office/powerpoint/2010/main" val="1969928726"/>
+        <p14:creationId xmlns:p14="http://schemas.microsoft.com/office/powerpoint/2010/main" val="970689880"/>
       </p:ext>
     </p:extLst>
   </p:cSld>
@@ -4492,7 +3755,7 @@
           <a:p>
             <a:r>
               <a:rPr lang="ru-RU" dirty="0"/>
-              <a:t>Задача 2</a:t>
+              <a:t>Задача 7</a:t>
             </a:r>
           </a:p>
         </p:txBody>
@@ -4505,8 +3768,8 @@
         </p:nvSpPr>
         <p:spPr>
           <a:xfrm>
-            <a:off x="331076" y="1885950"/>
-            <a:ext cx="8684337" cy="1569660"/>
+            <a:off x="260131" y="1791357"/>
+            <a:ext cx="8560676" cy="3785652"/>
           </a:xfrm>
           <a:prstGeom prst="rect">
             <a:avLst/>
@@ -4525,11 +3788,11 @@
             </a:r>
             <a:r>
               <a:rPr lang="ru-RU" sz="2400" b="1" dirty="0"/>
-              <a:t>k7a-1.txt</a:t>
+              <a:t>k7-m4.txt</a:t>
             </a:r>
             <a:r>
               <a:rPr lang="ru-RU" sz="2400" dirty="0"/>
-              <a:t> находится цепочка из символов латинского алфавита A, B, C, D, E. Найдите длину самой длинной подцепочки, состоящей из символов A, B или C (в произвольном порядке).</a:t>
+              <a:t> находится цепочка из прописных (заглавных) символов латинского алфавита A, B, C. Найдите все подцепочки, состоящие из символов C (C-подцепочки) длиной не менее шести. В ответе через пробел укажите: порядковый номер найденной подцепочки (начиная с единицы) при проходе по исходной цепочке СПРАВА НАЛЕВО, ее длину и саму подцепочку, заменив в ней все символы «С» слева от правого символа «С» на «с» строчное (маленькое). Гарантируется, что в исходной цепочке есть C-подцепочки</a:t>
             </a:r>
           </a:p>
         </p:txBody>
@@ -4537,7 +3800,7 @@
     </p:spTree>
     <p:extLst>
       <p:ext uri="{BB962C8B-B14F-4D97-AF65-F5344CB8AC3E}">
-        <p14:creationId xmlns:p14="http://schemas.microsoft.com/office/powerpoint/2010/main" val="761697109"/>
+        <p14:creationId xmlns:p14="http://schemas.microsoft.com/office/powerpoint/2010/main" val="2036469943"/>
       </p:ext>
     </p:extLst>
   </p:cSld>
@@ -4582,8 +3845,8 @@
           <a:lstStyle/>
           <a:p>
             <a:r>
-              <a:rPr lang="ru-RU" dirty="0"/>
-              <a:t>Задача 3</a:t>
+              <a:rPr lang="ru-RU"/>
+              <a:t>Задача 8</a:t>
             </a:r>
           </a:p>
         </p:txBody>
@@ -4596,8 +3859,8 @@
         </p:nvSpPr>
         <p:spPr>
           <a:xfrm>
-            <a:off x="236482" y="1791357"/>
-            <a:ext cx="8087711" cy="1569660"/>
+            <a:off x="224659" y="1519895"/>
+            <a:ext cx="8631620" cy="4524315"/>
           </a:xfrm>
           <a:prstGeom prst="rect">
             <a:avLst/>
@@ -4610,65 +3873,36 @@
           </a:bodyPr>
           <a:lstStyle/>
           <a:p>
+            <a:pPr lvl="0"/>
             <a:r>
               <a:rPr lang="ru-RU" sz="2400" dirty="0"/>
               <a:t>В текстовом файле </a:t>
             </a:r>
             <a:r>
               <a:rPr lang="ru-RU" sz="2400" b="1" dirty="0"/>
-              <a:t>k7a-6.txt</a:t>
+              <a:t>k7-m5.txt</a:t>
             </a:r>
             <a:r>
               <a:rPr lang="ru-RU" sz="2400" dirty="0"/>
-              <a:t> находится цепочка из символов латинского алфавита </a:t>
-            </a:r>
-            <a:r>
-              <a:rPr lang="en-US" sz="2400" dirty="0"/>
-              <a:t>A</a:t>
-            </a:r>
+              <a:t> находится цепочка из прописных (заглавных) символов латинского алфавита A, B, C. В исходной цепочке замените все найденные C-подцепочки на подцепочки, содержащие длину текущей С-подцепочки с последующей текущей C-подцепочкой с замененными символами «С» большими на «с» маленькие. В ответе в трех строчках выведите:</a:t>
+            </a:r>
+          </a:p>
+          <a:p>
             <a:r>
               <a:rPr lang="ru-RU" sz="2400" dirty="0"/>
-              <a:t>, </a:t>
-            </a:r>
-            <a:r>
-              <a:rPr lang="en-US" sz="2400" dirty="0"/>
-              <a:t>B</a:t>
-            </a:r>
+              <a:t>1) количество C-подцепочек;</a:t>
+            </a:r>
+          </a:p>
+          <a:p>
             <a:r>
               <a:rPr lang="ru-RU" sz="2400" dirty="0"/>
-              <a:t>, </a:t>
-            </a:r>
-            <a:r>
-              <a:rPr lang="en-US" sz="2400" dirty="0"/>
-              <a:t>C</a:t>
-            </a:r>
+              <a:t>2) левые 15 символов, пробел и правые 15 символов исходной цепочки;</a:t>
+            </a:r>
+          </a:p>
+          <a:p>
             <a:r>
               <a:rPr lang="ru-RU" sz="2400" dirty="0"/>
-              <a:t>, </a:t>
-            </a:r>
-            <a:r>
-              <a:rPr lang="en-US" sz="2400" dirty="0"/>
-              <a:t>D</a:t>
-            </a:r>
-            <a:r>
-              <a:rPr lang="ru-RU" sz="2400" dirty="0"/>
-              <a:t>, </a:t>
-            </a:r>
-            <a:r>
-              <a:rPr lang="en-US" sz="2400" dirty="0"/>
-              <a:t>E</a:t>
-            </a:r>
-            <a:r>
-              <a:rPr lang="ru-RU" sz="2400" dirty="0"/>
-              <a:t>, </a:t>
-            </a:r>
-            <a:r>
-              <a:rPr lang="en-US" sz="2400" dirty="0"/>
-              <a:t>F</a:t>
-            </a:r>
-            <a:r>
-              <a:rPr lang="ru-RU" sz="2400" dirty="0"/>
-              <a:t>. Найдите длину самой длинной подцепочки, не содержащей гласных букв.</a:t>
+              <a:t>3) левые 15 символов, пробел и правые 15 символов преобразованной цепочки.</a:t>
             </a:r>
           </a:p>
         </p:txBody>
@@ -4676,322 +3910,7 @@
     </p:spTree>
     <p:extLst>
       <p:ext uri="{BB962C8B-B14F-4D97-AF65-F5344CB8AC3E}">
-        <p14:creationId xmlns:p14="http://schemas.microsoft.com/office/powerpoint/2010/main" val="1750570922"/>
-      </p:ext>
-    </p:extLst>
-  </p:cSld>
-  <p:clrMapOvr>
-    <a:masterClrMapping/>
-  </p:clrMapOvr>
-</p:sld>
-</file>
-
-<file path=ppt/slides/slide8.xml><?xml version="1.0" encoding="utf-8"?>
-<p:sld xmlns:a="http://schemas.openxmlformats.org/drawingml/2006/main" xmlns:r="http://schemas.openxmlformats.org/officeDocument/2006/relationships" xmlns:p="http://schemas.openxmlformats.org/presentationml/2006/main">
-  <p:cSld>
-    <p:spTree>
-      <p:nvGrpSpPr>
-        <p:cNvPr id="1" name=""/>
-        <p:cNvGrpSpPr/>
-        <p:nvPr/>
-      </p:nvGrpSpPr>
-      <p:grpSpPr>
-        <a:xfrm>
-          <a:off x="0" y="0"/>
-          <a:ext cx="0" cy="0"/>
-          <a:chOff x="0" y="0"/>
-          <a:chExt cx="0" cy="0"/>
-        </a:xfrm>
-      </p:grpSpPr>
-      <p:sp>
-        <p:nvSpPr>
-          <p:cNvPr id="2" name="Заголовок 1"/>
-          <p:cNvSpPr>
-            <a:spLocks noGrp="1"/>
-          </p:cNvSpPr>
-          <p:nvPr>
-            <p:ph type="title"/>
-          </p:nvPr>
-        </p:nvSpPr>
-        <p:spPr/>
-        <p:txBody>
-          <a:bodyPr>
-            <a:normAutofit/>
-          </a:bodyPr>
-          <a:lstStyle/>
-          <a:p>
-            <a:r>
-              <a:rPr lang="ru-RU" dirty="0"/>
-              <a:t>Задача 4</a:t>
-            </a:r>
-          </a:p>
-        </p:txBody>
-      </p:sp>
-      <p:sp>
-        <p:nvSpPr>
-          <p:cNvPr id="3" name="TextBox 2"/>
-          <p:cNvSpPr txBox="1"/>
-          <p:nvPr/>
-        </p:nvSpPr>
-        <p:spPr>
-          <a:xfrm>
-            <a:off x="402021" y="1744061"/>
-            <a:ext cx="7248197" cy="3416320"/>
-          </a:xfrm>
-          <a:prstGeom prst="rect">
-            <a:avLst/>
-          </a:prstGeom>
-          <a:noFill/>
-        </p:spPr>
-        <p:txBody>
-          <a:bodyPr wrap="square" rtlCol="0">
-            <a:spAutoFit/>
-          </a:bodyPr>
-          <a:lstStyle/>
-          <a:p>
-            <a:pPr lvl="0"/>
-            <a:r>
-              <a:rPr lang="ru-RU" sz="2400" dirty="0"/>
-              <a:t>В текстовом файле </a:t>
-            </a:r>
-            <a:r>
-              <a:rPr lang="ru-RU" sz="2400" b="1" dirty="0"/>
-              <a:t>k7c-1.txt</a:t>
-            </a:r>
-            <a:r>
-              <a:rPr lang="ru-RU" sz="2400" dirty="0"/>
-              <a:t> находится цепочка из символов латинского алфавита </a:t>
-            </a:r>
-            <a:r>
-              <a:rPr lang="en-US" sz="2400" dirty="0"/>
-              <a:t>A</a:t>
-            </a:r>
-            <a:r>
-              <a:rPr lang="ru-RU" sz="2400" dirty="0"/>
-              <a:t>, </a:t>
-            </a:r>
-            <a:r>
-              <a:rPr lang="en-US" sz="2400" dirty="0"/>
-              <a:t>B</a:t>
-            </a:r>
-            <a:r>
-              <a:rPr lang="ru-RU" sz="2400" dirty="0"/>
-              <a:t>, </a:t>
-            </a:r>
-            <a:r>
-              <a:rPr lang="en-US" sz="2400" dirty="0"/>
-              <a:t>C</a:t>
-            </a:r>
-            <a:r>
-              <a:rPr lang="ru-RU" sz="2400" dirty="0"/>
-              <a:t>, </a:t>
-            </a:r>
-            <a:r>
-              <a:rPr lang="en-US" sz="2400" dirty="0"/>
-              <a:t>D</a:t>
-            </a:r>
-            <a:r>
-              <a:rPr lang="ru-RU" sz="2400" dirty="0"/>
-              <a:t>, </a:t>
-            </a:r>
-            <a:r>
-              <a:rPr lang="en-US" sz="2400" dirty="0"/>
-              <a:t>E</a:t>
-            </a:r>
-            <a:r>
-              <a:rPr lang="ru-RU" sz="2400" dirty="0"/>
-              <a:t>. Найдите количество цепочек длины 3, удовлетворяющих следующим условиям: </a:t>
-            </a:r>
-          </a:p>
-          <a:p>
-            <a:pPr lvl="0"/>
-            <a:r>
-              <a:rPr lang="ru-RU" sz="2400" dirty="0"/>
-              <a:t>1-й символ – один из символов </a:t>
-            </a:r>
-            <a:r>
-              <a:rPr lang="en-US" sz="2400" dirty="0"/>
-              <a:t>B</a:t>
-            </a:r>
-            <a:r>
-              <a:rPr lang="ru-RU" sz="2400" dirty="0"/>
-              <a:t>, </a:t>
-            </a:r>
-            <a:r>
-              <a:rPr lang="en-US" sz="2400" dirty="0"/>
-              <a:t>C</a:t>
-            </a:r>
-            <a:r>
-              <a:rPr lang="ru-RU" sz="2400" dirty="0"/>
-              <a:t> или </a:t>
-            </a:r>
-            <a:r>
-              <a:rPr lang="en-US" sz="2400" dirty="0"/>
-              <a:t>D</a:t>
-            </a:r>
-            <a:r>
-              <a:rPr lang="ru-RU" sz="2400" dirty="0"/>
-              <a:t>;</a:t>
-            </a:r>
-          </a:p>
-          <a:p>
-            <a:pPr lvl="0"/>
-            <a:r>
-              <a:rPr lang="ru-RU" sz="2400" dirty="0"/>
-              <a:t>2-й символ – один из символов </a:t>
-            </a:r>
-            <a:r>
-              <a:rPr lang="en-US" sz="2400" dirty="0"/>
-              <a:t>B</a:t>
-            </a:r>
-            <a:r>
-              <a:rPr lang="ru-RU" sz="2400" dirty="0"/>
-              <a:t>, </a:t>
-            </a:r>
-            <a:r>
-              <a:rPr lang="en-US" sz="2400" dirty="0"/>
-              <a:t>D</a:t>
-            </a:r>
-            <a:r>
-              <a:rPr lang="ru-RU" sz="2400" dirty="0"/>
-              <a:t>, </a:t>
-            </a:r>
-            <a:r>
-              <a:rPr lang="en-US" sz="2400" dirty="0"/>
-              <a:t>E</a:t>
-            </a:r>
-            <a:r>
-              <a:rPr lang="ru-RU" sz="2400" dirty="0"/>
-              <a:t>, который не совпадает с первым; </a:t>
-            </a:r>
-          </a:p>
-          <a:p>
-            <a:r>
-              <a:rPr lang="ru-RU" sz="2400" dirty="0"/>
-              <a:t>3-й символ – один из символов </a:t>
-            </a:r>
-            <a:r>
-              <a:rPr lang="en-US" sz="2400" dirty="0"/>
-              <a:t>B</a:t>
-            </a:r>
-            <a:r>
-              <a:rPr lang="ru-RU" sz="2400" dirty="0"/>
-              <a:t>, </a:t>
-            </a:r>
-            <a:r>
-              <a:rPr lang="en-US" sz="2400" dirty="0"/>
-              <a:t>C</a:t>
-            </a:r>
-            <a:r>
-              <a:rPr lang="ru-RU" sz="2400" dirty="0"/>
-              <a:t>, </a:t>
-            </a:r>
-            <a:r>
-              <a:rPr lang="en-US" sz="2400" dirty="0"/>
-              <a:t>E</a:t>
-            </a:r>
-            <a:r>
-              <a:rPr lang="ru-RU" sz="2400" dirty="0"/>
-              <a:t>, который не совпадает со вторым.</a:t>
-            </a:r>
-          </a:p>
-        </p:txBody>
-      </p:sp>
-    </p:spTree>
-    <p:extLst>
-      <p:ext uri="{BB962C8B-B14F-4D97-AF65-F5344CB8AC3E}">
-        <p14:creationId xmlns:p14="http://schemas.microsoft.com/office/powerpoint/2010/main" val="1994524477"/>
-      </p:ext>
-    </p:extLst>
-  </p:cSld>
-  <p:clrMapOvr>
-    <a:masterClrMapping/>
-  </p:clrMapOvr>
-</p:sld>
-</file>
-
-<file path=ppt/slides/slide9.xml><?xml version="1.0" encoding="utf-8"?>
-<p:sld xmlns:a="http://schemas.openxmlformats.org/drawingml/2006/main" xmlns:r="http://schemas.openxmlformats.org/officeDocument/2006/relationships" xmlns:p="http://schemas.openxmlformats.org/presentationml/2006/main">
-  <p:cSld>
-    <p:spTree>
-      <p:nvGrpSpPr>
-        <p:cNvPr id="1" name=""/>
-        <p:cNvGrpSpPr/>
-        <p:nvPr/>
-      </p:nvGrpSpPr>
-      <p:grpSpPr>
-        <a:xfrm>
-          <a:off x="0" y="0"/>
-          <a:ext cx="0" cy="0"/>
-          <a:chOff x="0" y="0"/>
-          <a:chExt cx="0" cy="0"/>
-        </a:xfrm>
-      </p:grpSpPr>
-      <p:sp>
-        <p:nvSpPr>
-          <p:cNvPr id="2" name="Заголовок 1"/>
-          <p:cNvSpPr>
-            <a:spLocks noGrp="1"/>
-          </p:cNvSpPr>
-          <p:nvPr>
-            <p:ph type="title"/>
-          </p:nvPr>
-        </p:nvSpPr>
-        <p:spPr/>
-        <p:txBody>
-          <a:bodyPr>
-            <a:normAutofit/>
-          </a:bodyPr>
-          <a:lstStyle/>
-          <a:p>
-            <a:r>
-              <a:rPr lang="ru-RU" dirty="0"/>
-              <a:t>Задача 5</a:t>
-            </a:r>
-          </a:p>
-        </p:txBody>
-      </p:sp>
-      <p:sp>
-        <p:nvSpPr>
-          <p:cNvPr id="3" name="TextBox 2"/>
-          <p:cNvSpPr txBox="1"/>
-          <p:nvPr/>
-        </p:nvSpPr>
-        <p:spPr>
-          <a:xfrm>
-            <a:off x="342901" y="1826829"/>
-            <a:ext cx="7319141" cy="1569660"/>
-          </a:xfrm>
-          <a:prstGeom prst="rect">
-            <a:avLst/>
-          </a:prstGeom>
-          <a:noFill/>
-        </p:spPr>
-        <p:txBody>
-          <a:bodyPr wrap="square" rtlCol="0">
-            <a:spAutoFit/>
-          </a:bodyPr>
-          <a:lstStyle/>
-          <a:p>
-            <a:r>
-              <a:rPr lang="ru-RU" sz="2400" dirty="0"/>
-              <a:t>В текстовом файле </a:t>
-            </a:r>
-            <a:r>
-              <a:rPr lang="ru-RU" sz="2400" b="1" dirty="0"/>
-              <a:t>k7c-6.txt</a:t>
-            </a:r>
-            <a:r>
-              <a:rPr lang="ru-RU" sz="2400" dirty="0"/>
-              <a:t> находится цепочка из символов латинского алфавита A, B, C, D, E, F. Найдите количество цепочек длины 3, в которых символы не совпадают.</a:t>
-            </a:r>
-          </a:p>
-        </p:txBody>
-      </p:sp>
-    </p:spTree>
-    <p:extLst>
-      <p:ext uri="{BB962C8B-B14F-4D97-AF65-F5344CB8AC3E}">
-        <p14:creationId xmlns:p14="http://schemas.microsoft.com/office/powerpoint/2010/main" val="2675479163"/>
+        <p14:creationId xmlns:p14="http://schemas.microsoft.com/office/powerpoint/2010/main" val="205021864"/>
       </p:ext>
     </p:extLst>
   </p:cSld>
